--- a/BCI - Batch2 - Day5 - Docker & Node & Express.pptx
+++ b/BCI - Batch2 - Day5 - Docker & Node & Express.pptx
@@ -20,32 +20,6 @@
     <p:sldId id="1904" r:id="rId13"/>
     <p:sldId id="1874" r:id="rId14"/>
     <p:sldId id="1875" r:id="rId15"/>
-    <p:sldId id="1876" r:id="rId16"/>
-    <p:sldId id="1877" r:id="rId17"/>
-    <p:sldId id="1878" r:id="rId18"/>
-    <p:sldId id="1879" r:id="rId19"/>
-    <p:sldId id="1912" r:id="rId20"/>
-    <p:sldId id="1913" r:id="rId21"/>
-    <p:sldId id="1914" r:id="rId22"/>
-    <p:sldId id="1915" r:id="rId23"/>
-    <p:sldId id="1916" r:id="rId24"/>
-    <p:sldId id="1917" r:id="rId25"/>
-    <p:sldId id="1918" r:id="rId26"/>
-    <p:sldId id="1919" r:id="rId27"/>
-    <p:sldId id="1920" r:id="rId28"/>
-    <p:sldId id="1921" r:id="rId29"/>
-    <p:sldId id="1922" r:id="rId30"/>
-    <p:sldId id="1880" r:id="rId31"/>
-    <p:sldId id="1889" r:id="rId32"/>
-    <p:sldId id="1890" r:id="rId33"/>
-    <p:sldId id="1891" r:id="rId34"/>
-    <p:sldId id="1892" r:id="rId35"/>
-    <p:sldId id="1893" r:id="rId36"/>
-    <p:sldId id="1894" r:id="rId37"/>
-    <p:sldId id="1895" r:id="rId38"/>
-    <p:sldId id="1897" r:id="rId39"/>
-    <p:sldId id="1898" r:id="rId40"/>
-    <p:sldId id="1899" r:id="rId41"/>
   </p:sldIdLst>
   <p:sldSz cx="9144000" cy="6858000" type="screen4x3"/>
   <p:notesSz cx="7315200" cy="9601200"/>
@@ -8718,1570 +8692,6 @@
 </p:sld>
 </file>
 
-<file path=ppt/slides/slide13.xml><?xml version="1.0" encoding="utf-8"?>
-<p:sld xmlns:a="http://schemas.openxmlformats.org/drawingml/2006/main" xmlns:r="http://schemas.openxmlformats.org/officeDocument/2006/relationships" xmlns:p="http://schemas.openxmlformats.org/presentationml/2006/main">
-  <p:cSld>
-    <p:spTree>
-      <p:nvGrpSpPr>
-        <p:cNvPr id="1" name=""/>
-        <p:cNvGrpSpPr/>
-        <p:nvPr/>
-      </p:nvGrpSpPr>
-      <p:grpSpPr>
-        <a:xfrm>
-          <a:off x="0" y="0"/>
-          <a:ext cx="0" cy="0"/>
-          <a:chOff x="0" y="0"/>
-          <a:chExt cx="0" cy="0"/>
-        </a:xfrm>
-      </p:grpSpPr>
-      <p:sp>
-        <p:nvSpPr>
-          <p:cNvPr id="2" name="Title 1"/>
-          <p:cNvSpPr>
-            <a:spLocks noGrp="1"/>
-          </p:cNvSpPr>
-          <p:nvPr>
-            <p:ph type="title"/>
-          </p:nvPr>
-        </p:nvSpPr>
-        <p:spPr>
-          <a:xfrm>
-            <a:off x="628650" y="155263"/>
-            <a:ext cx="7886700" cy="526790"/>
-          </a:xfrm>
-        </p:spPr>
-        <p:txBody>
-          <a:bodyPr>
-            <a:normAutofit fontScale="90000"/>
-          </a:bodyPr>
-          <a:lstStyle/>
-          <a:p>
-            <a:pPr algn="ctr"/>
-            <a:r>
-              <a:rPr lang="en-US" sz="3200" b="1" dirty="0">
-                <a:latin typeface="Calibri" panose="020F0502020204030204" pitchFamily="34" charset="0"/>
-                <a:cs typeface="Calibri" panose="020F0502020204030204" pitchFamily="34" charset="0"/>
-              </a:rPr>
-              <a:t>What are Node and Express js</a:t>
-            </a:r>
-            <a:endParaRPr lang="en-US" sz="3200" b="1" dirty="0">
-              <a:latin typeface="Calibri" panose="020F0502020204030204" pitchFamily="34" charset="0"/>
-              <a:cs typeface="Calibri" panose="020F0502020204030204" pitchFamily="34" charset="0"/>
-            </a:endParaRPr>
-          </a:p>
-        </p:txBody>
-      </p:sp>
-      <p:sp>
-        <p:nvSpPr>
-          <p:cNvPr id="3" name="Content Placeholder 2"/>
-          <p:cNvSpPr>
-            <a:spLocks noGrp="1"/>
-          </p:cNvSpPr>
-          <p:nvPr>
-            <p:ph idx="1"/>
-          </p:nvPr>
-        </p:nvSpPr>
-        <p:spPr>
-          <a:xfrm>
-            <a:off x="628650" y="989044"/>
-            <a:ext cx="7886700" cy="5605719"/>
-          </a:xfrm>
-        </p:spPr>
-        <p:txBody>
-          <a:bodyPr>
-            <a:normAutofit lnSpcReduction="10000"/>
-          </a:bodyPr>
-          <a:lstStyle/>
-          <a:p>
-            <a:pPr defTabSz="342900">
-              <a:lnSpc>
-                <a:spcPct val="120000"/>
-              </a:lnSpc>
-            </a:pPr>
-            <a:r>
-              <a:rPr lang="en-US" altLang="en-US" sz="1780" dirty="0">
-                <a:solidFill>
-                  <a:srgbClr val="262626"/>
-                </a:solidFill>
-              </a:rPr>
-              <a:t>Deffierence</a:t>
-            </a:r>
-            <a:endParaRPr lang="en-US" altLang="en-US" sz="1780" dirty="0">
-              <a:solidFill>
-                <a:srgbClr val="262626"/>
-              </a:solidFill>
-            </a:endParaRPr>
-          </a:p>
-        </p:txBody>
-      </p:sp>
-      <p:pic>
-        <p:nvPicPr>
-          <p:cNvPr id="4" name="图片 3"/>
-          <p:cNvPicPr>
-            <a:picLocks noChangeAspect="1"/>
-          </p:cNvPicPr>
-          <p:nvPr/>
-        </p:nvPicPr>
-        <p:blipFill>
-          <a:blip r:embed="rId1"/>
-          <a:stretch>
-            <a:fillRect/>
-          </a:stretch>
-        </p:blipFill>
-        <p:spPr>
-          <a:xfrm>
-            <a:off x="280035" y="1485265"/>
-            <a:ext cx="8583930" cy="5109845"/>
-          </a:xfrm>
-          <a:prstGeom prst="rect">
-            <a:avLst/>
-          </a:prstGeom>
-        </p:spPr>
-      </p:pic>
-    </p:spTree>
-  </p:cSld>
-  <p:clrMapOvr>
-    <a:masterClrMapping/>
-  </p:clrMapOvr>
-</p:sld>
-</file>
-
-<file path=ppt/slides/slide14.xml><?xml version="1.0" encoding="utf-8"?>
-<p:sld xmlns:a="http://schemas.openxmlformats.org/drawingml/2006/main" xmlns:r="http://schemas.openxmlformats.org/officeDocument/2006/relationships" xmlns:p="http://schemas.openxmlformats.org/presentationml/2006/main">
-  <p:cSld>
-    <p:spTree>
-      <p:nvGrpSpPr>
-        <p:cNvPr id="1" name=""/>
-        <p:cNvGrpSpPr/>
-        <p:nvPr/>
-      </p:nvGrpSpPr>
-      <p:grpSpPr>
-        <a:xfrm>
-          <a:off x="0" y="0"/>
-          <a:ext cx="0" cy="0"/>
-          <a:chOff x="0" y="0"/>
-          <a:chExt cx="0" cy="0"/>
-        </a:xfrm>
-      </p:grpSpPr>
-      <p:sp>
-        <p:nvSpPr>
-          <p:cNvPr id="2" name="Title 1"/>
-          <p:cNvSpPr>
-            <a:spLocks noGrp="1"/>
-          </p:cNvSpPr>
-          <p:nvPr>
-            <p:ph type="title"/>
-          </p:nvPr>
-        </p:nvSpPr>
-        <p:spPr>
-          <a:xfrm>
-            <a:off x="628650" y="155263"/>
-            <a:ext cx="7886700" cy="526790"/>
-          </a:xfrm>
-        </p:spPr>
-        <p:txBody>
-          <a:bodyPr>
-            <a:normAutofit fontScale="90000"/>
-          </a:bodyPr>
-          <a:lstStyle/>
-          <a:p>
-            <a:pPr algn="ctr"/>
-            <a:r>
-              <a:rPr lang="en-US" sz="3200" b="1" dirty="0">
-                <a:latin typeface="Calibri" panose="020F0502020204030204" pitchFamily="34" charset="0"/>
-                <a:cs typeface="Calibri" panose="020F0502020204030204" pitchFamily="34" charset="0"/>
-              </a:rPr>
-              <a:t>MVC Model</a:t>
-            </a:r>
-            <a:endParaRPr lang="en-US" sz="3200" b="1" dirty="0">
-              <a:latin typeface="Calibri" panose="020F0502020204030204" pitchFamily="34" charset="0"/>
-              <a:cs typeface="Calibri" panose="020F0502020204030204" pitchFamily="34" charset="0"/>
-            </a:endParaRPr>
-          </a:p>
-        </p:txBody>
-      </p:sp>
-      <p:sp>
-        <p:nvSpPr>
-          <p:cNvPr id="3" name="Content Placeholder 2"/>
-          <p:cNvSpPr>
-            <a:spLocks noGrp="1"/>
-          </p:cNvSpPr>
-          <p:nvPr>
-            <p:ph idx="1"/>
-          </p:nvPr>
-        </p:nvSpPr>
-        <p:spPr>
-          <a:xfrm>
-            <a:off x="628650" y="989044"/>
-            <a:ext cx="7886700" cy="5605719"/>
-          </a:xfrm>
-        </p:spPr>
-        <p:txBody>
-          <a:bodyPr>
-            <a:normAutofit/>
-          </a:bodyPr>
-          <a:lstStyle/>
-          <a:p>
-            <a:pPr marL="228600" lvl="0" indent="-228600" defTabSz="342900">
-              <a:lnSpc>
-                <a:spcPct val="120000"/>
-              </a:lnSpc>
-              <a:buFont typeface="Arial" panose="020B0604020202020204" pitchFamily="34" charset="0"/>
-              <a:buChar char="•"/>
-            </a:pPr>
-            <a:r>
-              <a:rPr lang="en-US" altLang="en-US" sz="1800" b="1" dirty="0">
-                <a:solidFill>
-                  <a:srgbClr val="262626"/>
-                </a:solidFill>
-              </a:rPr>
-              <a:t>Model-View-Control</a:t>
-            </a:r>
-            <a:endParaRPr lang="en-US" altLang="en-US" sz="1800" b="1" dirty="0">
-              <a:solidFill>
-                <a:srgbClr val="262626"/>
-              </a:solidFill>
-            </a:endParaRPr>
-          </a:p>
-        </p:txBody>
-      </p:sp>
-      <p:pic>
-        <p:nvPicPr>
-          <p:cNvPr id="4" name="图片 3" descr="1-hTlpGXMh9EFefBIT9NrTDQ"/>
-          <p:cNvPicPr>
-            <a:picLocks noChangeAspect="1"/>
-          </p:cNvPicPr>
-          <p:nvPr/>
-        </p:nvPicPr>
-        <p:blipFill>
-          <a:blip r:embed="rId1"/>
-          <a:stretch>
-            <a:fillRect/>
-          </a:stretch>
-        </p:blipFill>
-        <p:spPr>
-          <a:xfrm>
-            <a:off x="651510" y="1559560"/>
-            <a:ext cx="7840345" cy="5035550"/>
-          </a:xfrm>
-          <a:prstGeom prst="rect">
-            <a:avLst/>
-          </a:prstGeom>
-        </p:spPr>
-      </p:pic>
-    </p:spTree>
-  </p:cSld>
-  <p:clrMapOvr>
-    <a:masterClrMapping/>
-  </p:clrMapOvr>
-</p:sld>
-</file>
-
-<file path=ppt/slides/slide15.xml><?xml version="1.0" encoding="utf-8"?>
-<p:sld xmlns:a="http://schemas.openxmlformats.org/drawingml/2006/main" xmlns:r="http://schemas.openxmlformats.org/officeDocument/2006/relationships" xmlns:p="http://schemas.openxmlformats.org/presentationml/2006/main">
-  <p:cSld>
-    <p:spTree>
-      <p:nvGrpSpPr>
-        <p:cNvPr id="1" name=""/>
-        <p:cNvGrpSpPr/>
-        <p:nvPr/>
-      </p:nvGrpSpPr>
-      <p:grpSpPr>
-        <a:xfrm>
-          <a:off x="0" y="0"/>
-          <a:ext cx="0" cy="0"/>
-          <a:chOff x="0" y="0"/>
-          <a:chExt cx="0" cy="0"/>
-        </a:xfrm>
-      </p:grpSpPr>
-      <p:sp>
-        <p:nvSpPr>
-          <p:cNvPr id="2" name="Title 1"/>
-          <p:cNvSpPr>
-            <a:spLocks noGrp="1"/>
-          </p:cNvSpPr>
-          <p:nvPr>
-            <p:ph type="title"/>
-          </p:nvPr>
-        </p:nvSpPr>
-        <p:spPr>
-          <a:xfrm>
-            <a:off x="628650" y="155263"/>
-            <a:ext cx="7886700" cy="526790"/>
-          </a:xfrm>
-        </p:spPr>
-        <p:txBody>
-          <a:bodyPr>
-            <a:normAutofit fontScale="90000"/>
-          </a:bodyPr>
-          <a:lstStyle/>
-          <a:p>
-            <a:pPr algn="ctr"/>
-            <a:r>
-              <a:rPr lang="en-US" sz="3200" b="1" dirty="0">
-                <a:latin typeface="Calibri" panose="020F0502020204030204" pitchFamily="34" charset="0"/>
-                <a:cs typeface="Calibri" panose="020F0502020204030204" pitchFamily="34" charset="0"/>
-                <a:sym typeface="+mn-ea"/>
-              </a:rPr>
-              <a:t>MVC Model</a:t>
-            </a:r>
-            <a:endParaRPr lang="en-US" sz="3200" b="1" dirty="0">
-              <a:latin typeface="Calibri" panose="020F0502020204030204" pitchFamily="34" charset="0"/>
-              <a:cs typeface="Calibri" panose="020F0502020204030204" pitchFamily="34" charset="0"/>
-            </a:endParaRPr>
-          </a:p>
-        </p:txBody>
-      </p:sp>
-      <p:sp>
-        <p:nvSpPr>
-          <p:cNvPr id="3" name="Content Placeholder 2"/>
-          <p:cNvSpPr>
-            <a:spLocks noGrp="1"/>
-          </p:cNvSpPr>
-          <p:nvPr>
-            <p:ph idx="1"/>
-          </p:nvPr>
-        </p:nvSpPr>
-        <p:spPr>
-          <a:xfrm>
-            <a:off x="628650" y="989044"/>
-            <a:ext cx="7886700" cy="5605719"/>
-          </a:xfrm>
-        </p:spPr>
-        <p:txBody>
-          <a:bodyPr>
-            <a:normAutofit/>
-          </a:bodyPr>
-          <a:lstStyle/>
-          <a:p>
-            <a:pPr defTabSz="342900">
-              <a:lnSpc>
-                <a:spcPct val="120000"/>
-              </a:lnSpc>
-            </a:pPr>
-            <a:r>
-              <a:rPr lang="en-US" altLang="en-US" sz="1780" dirty="0">
-                <a:solidFill>
-                  <a:srgbClr val="262626"/>
-                </a:solidFill>
-              </a:rPr>
-              <a:t>Model</a:t>
-            </a:r>
-            <a:endParaRPr lang="en-US" altLang="en-US" sz="1780" dirty="0">
-              <a:solidFill>
-                <a:srgbClr val="262626"/>
-              </a:solidFill>
-            </a:endParaRPr>
-          </a:p>
-          <a:p>
-            <a:pPr defTabSz="342900">
-              <a:lnSpc>
-                <a:spcPct val="120000"/>
-              </a:lnSpc>
-            </a:pPr>
-            <a:r>
-              <a:rPr lang="en-US" altLang="en-US" sz="1780" dirty="0">
-                <a:solidFill>
-                  <a:srgbClr val="262626"/>
-                </a:solidFill>
-              </a:rPr>
-              <a:t>    The central component of the pattern. It is the application's dynamic data structure, independent of the user interface.[5] It directly manages the data, logic and rules of the application.</a:t>
-            </a:r>
-            <a:endParaRPr lang="en-US" altLang="en-US" sz="1780" dirty="0">
-              <a:solidFill>
-                <a:srgbClr val="262626"/>
-              </a:solidFill>
-            </a:endParaRPr>
-          </a:p>
-          <a:p>
-            <a:pPr defTabSz="342900">
-              <a:lnSpc>
-                <a:spcPct val="120000"/>
-              </a:lnSpc>
-            </a:pPr>
-            <a:endParaRPr lang="en-US" altLang="en-US" sz="1780" dirty="0">
-              <a:solidFill>
-                <a:srgbClr val="262626"/>
-              </a:solidFill>
-            </a:endParaRPr>
-          </a:p>
-          <a:p>
-            <a:pPr defTabSz="342900">
-              <a:lnSpc>
-                <a:spcPct val="120000"/>
-              </a:lnSpc>
-            </a:pPr>
-            <a:r>
-              <a:rPr lang="en-US" altLang="en-US" sz="1780" dirty="0">
-                <a:solidFill>
-                  <a:srgbClr val="262626"/>
-                </a:solidFill>
-              </a:rPr>
-              <a:t>View</a:t>
-            </a:r>
-            <a:endParaRPr lang="en-US" altLang="en-US" sz="1780" dirty="0">
-              <a:solidFill>
-                <a:srgbClr val="262626"/>
-              </a:solidFill>
-            </a:endParaRPr>
-          </a:p>
-          <a:p>
-            <a:pPr defTabSz="342900">
-              <a:lnSpc>
-                <a:spcPct val="120000"/>
-              </a:lnSpc>
-            </a:pPr>
-            <a:r>
-              <a:rPr lang="en-US" altLang="en-US" sz="1780" dirty="0">
-                <a:solidFill>
-                  <a:srgbClr val="262626"/>
-                </a:solidFill>
-              </a:rPr>
-              <a:t>    Any representation of information such as a chart, diagram or table. Multiple views of the same information are possible, such as a bar chart for management and a tabular view for accountants.</a:t>
-            </a:r>
-            <a:endParaRPr lang="en-US" altLang="en-US" sz="1780" dirty="0">
-              <a:solidFill>
-                <a:srgbClr val="262626"/>
-              </a:solidFill>
-            </a:endParaRPr>
-          </a:p>
-          <a:p>
-            <a:pPr defTabSz="342900">
-              <a:lnSpc>
-                <a:spcPct val="120000"/>
-              </a:lnSpc>
-            </a:pPr>
-            <a:endParaRPr lang="en-US" altLang="en-US" sz="1780" dirty="0">
-              <a:solidFill>
-                <a:srgbClr val="262626"/>
-              </a:solidFill>
-            </a:endParaRPr>
-          </a:p>
-          <a:p>
-            <a:pPr defTabSz="342900">
-              <a:lnSpc>
-                <a:spcPct val="120000"/>
-              </a:lnSpc>
-            </a:pPr>
-            <a:r>
-              <a:rPr lang="en-US" altLang="en-US" sz="1780" dirty="0">
-                <a:solidFill>
-                  <a:srgbClr val="262626"/>
-                </a:solidFill>
-              </a:rPr>
-              <a:t>Controller</a:t>
-            </a:r>
-            <a:endParaRPr lang="en-US" altLang="en-US" sz="1780" dirty="0">
-              <a:solidFill>
-                <a:srgbClr val="262626"/>
-              </a:solidFill>
-            </a:endParaRPr>
-          </a:p>
-          <a:p>
-            <a:pPr defTabSz="342900">
-              <a:lnSpc>
-                <a:spcPct val="120000"/>
-              </a:lnSpc>
-            </a:pPr>
-            <a:r>
-              <a:rPr lang="en-US" altLang="en-US" sz="1780" dirty="0">
-                <a:solidFill>
-                  <a:srgbClr val="262626"/>
-                </a:solidFill>
-              </a:rPr>
-              <a:t>    Accepts input and converts it to commands for the model or view</a:t>
-            </a:r>
-            <a:endParaRPr lang="en-US" altLang="en-US" sz="1780" dirty="0">
-              <a:solidFill>
-                <a:srgbClr val="262626"/>
-              </a:solidFill>
-            </a:endParaRPr>
-          </a:p>
-        </p:txBody>
-      </p:sp>
-    </p:spTree>
-  </p:cSld>
-  <p:clrMapOvr>
-    <a:masterClrMapping/>
-  </p:clrMapOvr>
-</p:sld>
-</file>
-
-<file path=ppt/slides/slide16.xml><?xml version="1.0" encoding="utf-8"?>
-<p:sld xmlns:a="http://schemas.openxmlformats.org/drawingml/2006/main" xmlns:r="http://schemas.openxmlformats.org/officeDocument/2006/relationships" xmlns:p="http://schemas.openxmlformats.org/presentationml/2006/main">
-  <p:cSld>
-    <p:spTree>
-      <p:nvGrpSpPr>
-        <p:cNvPr id="1" name=""/>
-        <p:cNvGrpSpPr/>
-        <p:nvPr/>
-      </p:nvGrpSpPr>
-      <p:grpSpPr>
-        <a:xfrm>
-          <a:off x="0" y="0"/>
-          <a:ext cx="0" cy="0"/>
-          <a:chOff x="0" y="0"/>
-          <a:chExt cx="0" cy="0"/>
-        </a:xfrm>
-      </p:grpSpPr>
-      <p:sp>
-        <p:nvSpPr>
-          <p:cNvPr id="2" name="Title 1"/>
-          <p:cNvSpPr>
-            <a:spLocks noGrp="1"/>
-          </p:cNvSpPr>
-          <p:nvPr>
-            <p:ph type="title"/>
-          </p:nvPr>
-        </p:nvSpPr>
-        <p:spPr>
-          <a:xfrm>
-            <a:off x="628650" y="155263"/>
-            <a:ext cx="7886700" cy="526790"/>
-          </a:xfrm>
-        </p:spPr>
-        <p:txBody>
-          <a:bodyPr>
-            <a:normAutofit fontScale="90000"/>
-          </a:bodyPr>
-          <a:lstStyle/>
-          <a:p>
-            <a:pPr algn="ctr"/>
-            <a:r>
-              <a:rPr lang="en-US" sz="3200" b="1" dirty="0">
-                <a:latin typeface="Calibri" panose="020F0502020204030204" pitchFamily="34" charset="0"/>
-                <a:cs typeface="Calibri" panose="020F0502020204030204" pitchFamily="34" charset="0"/>
-                <a:sym typeface="+mn-ea"/>
-              </a:rPr>
-              <a:t>MVC Model</a:t>
-            </a:r>
-            <a:endParaRPr lang="en-US" sz="3200" b="1" dirty="0">
-              <a:latin typeface="Calibri" panose="020F0502020204030204" pitchFamily="34" charset="0"/>
-              <a:cs typeface="Calibri" panose="020F0502020204030204" pitchFamily="34" charset="0"/>
-            </a:endParaRPr>
-          </a:p>
-        </p:txBody>
-      </p:sp>
-      <p:sp>
-        <p:nvSpPr>
-          <p:cNvPr id="3" name="Content Placeholder 2"/>
-          <p:cNvSpPr>
-            <a:spLocks noGrp="1"/>
-          </p:cNvSpPr>
-          <p:nvPr>
-            <p:ph idx="1"/>
-          </p:nvPr>
-        </p:nvSpPr>
-        <p:spPr>
-          <a:xfrm>
-            <a:off x="628650" y="989044"/>
-            <a:ext cx="7886700" cy="5605719"/>
-          </a:xfrm>
-        </p:spPr>
-        <p:txBody>
-          <a:bodyPr>
-            <a:normAutofit/>
-          </a:bodyPr>
-          <a:lstStyle/>
-          <a:p>
-            <a:pPr defTabSz="342900">
-              <a:lnSpc>
-                <a:spcPct val="120000"/>
-              </a:lnSpc>
-            </a:pPr>
-            <a:r>
-              <a:rPr lang="en-US" sz="1775" dirty="0">
-                <a:latin typeface="Calibri" panose="020F0502020204030204" pitchFamily="34" charset="0"/>
-                <a:cs typeface="Calibri" panose="020F0502020204030204" pitchFamily="34" charset="0"/>
-                <a:sym typeface="+mn-ea"/>
-              </a:rPr>
-              <a:t>MVC Model Programming Steps: Node and Express js</a:t>
-            </a:r>
-            <a:endParaRPr lang="en-US" sz="1775" dirty="0">
-              <a:latin typeface="Calibri" panose="020F0502020204030204" pitchFamily="34" charset="0"/>
-              <a:cs typeface="Calibri" panose="020F0502020204030204" pitchFamily="34" charset="0"/>
-            </a:endParaRPr>
-          </a:p>
-          <a:p>
-            <a:pPr defTabSz="342900">
-              <a:lnSpc>
-                <a:spcPct val="120000"/>
-              </a:lnSpc>
-            </a:pPr>
-            <a:endParaRPr lang="en-US" altLang="en-US" sz="1780" dirty="0">
-              <a:solidFill>
-                <a:srgbClr val="262626"/>
-              </a:solidFill>
-            </a:endParaRPr>
-          </a:p>
-          <a:p>
-            <a:pPr defTabSz="342900">
-              <a:lnSpc>
-                <a:spcPct val="120000"/>
-              </a:lnSpc>
-            </a:pPr>
-            <a:r>
-              <a:rPr lang="en-US" altLang="en-US" sz="1780" dirty="0">
-                <a:solidFill>
-                  <a:srgbClr val="262626"/>
-                </a:solidFill>
-              </a:rPr>
-              <a:t>Steps: </a:t>
-            </a:r>
-            <a:endParaRPr lang="en-US" altLang="en-US" sz="1780" dirty="0">
-              <a:solidFill>
-                <a:srgbClr val="262626"/>
-              </a:solidFill>
-            </a:endParaRPr>
-          </a:p>
-          <a:p>
-            <a:pPr defTabSz="342900">
-              <a:lnSpc>
-                <a:spcPct val="120000"/>
-              </a:lnSpc>
-            </a:pPr>
-            <a:r>
-              <a:rPr lang="en-US" altLang="en-US" sz="1780" dirty="0">
-                <a:solidFill>
-                  <a:srgbClr val="262626"/>
-                </a:solidFill>
-              </a:rPr>
-              <a:t>1. Setting up an Express App</a:t>
-            </a:r>
-            <a:endParaRPr lang="en-US" altLang="en-US" sz="1780" dirty="0">
-              <a:solidFill>
-                <a:srgbClr val="262626"/>
-              </a:solidFill>
-            </a:endParaRPr>
-          </a:p>
-          <a:p>
-            <a:pPr defTabSz="342900">
-              <a:lnSpc>
-                <a:spcPct val="120000"/>
-              </a:lnSpc>
-            </a:pPr>
-            <a:r>
-              <a:rPr lang="en-US" altLang="en-US" sz="1780" dirty="0">
-                <a:solidFill>
-                  <a:srgbClr val="262626"/>
-                </a:solidFill>
-              </a:rPr>
-              <a:t>2. Adding middleware</a:t>
-            </a:r>
-            <a:endParaRPr lang="en-US" altLang="en-US" sz="1780" dirty="0">
-              <a:solidFill>
-                <a:srgbClr val="262626"/>
-              </a:solidFill>
-            </a:endParaRPr>
-          </a:p>
-          <a:p>
-            <a:pPr defTabSz="342900">
-              <a:lnSpc>
-                <a:spcPct val="120000"/>
-              </a:lnSpc>
-            </a:pPr>
-            <a:r>
-              <a:rPr lang="en-US" altLang="en-US" sz="1780" dirty="0">
-                <a:solidFill>
-                  <a:srgbClr val="262626"/>
-                </a:solidFill>
-              </a:rPr>
-              <a:t>3. Setting up database connection</a:t>
-            </a:r>
-            <a:endParaRPr lang="en-US" altLang="en-US" sz="1780" dirty="0">
-              <a:solidFill>
-                <a:srgbClr val="262626"/>
-              </a:solidFill>
-            </a:endParaRPr>
-          </a:p>
-          <a:p>
-            <a:pPr defTabSz="342900">
-              <a:lnSpc>
-                <a:spcPct val="120000"/>
-              </a:lnSpc>
-            </a:pPr>
-            <a:endParaRPr lang="en-US" altLang="en-US" sz="1780" dirty="0">
-              <a:solidFill>
-                <a:srgbClr val="262626"/>
-              </a:solidFill>
-            </a:endParaRPr>
-          </a:p>
-          <a:p>
-            <a:pPr defTabSz="342900">
-              <a:lnSpc>
-                <a:spcPct val="120000"/>
-              </a:lnSpc>
-            </a:pPr>
-            <a:r>
-              <a:rPr lang="en-US" altLang="en-US" sz="1780" dirty="0">
-                <a:solidFill>
-                  <a:srgbClr val="262626"/>
-                </a:solidFill>
-              </a:rPr>
-              <a:t>Iterating process:</a:t>
-            </a:r>
-            <a:endParaRPr lang="en-US" altLang="en-US" sz="1780" dirty="0">
-              <a:solidFill>
-                <a:srgbClr val="262626"/>
-              </a:solidFill>
-            </a:endParaRPr>
-          </a:p>
-          <a:p>
-            <a:pPr defTabSz="342900">
-              <a:lnSpc>
-                <a:spcPct val="120000"/>
-              </a:lnSpc>
-            </a:pPr>
-            <a:r>
-              <a:rPr lang="en-US" altLang="en-US" sz="1780" dirty="0">
-                <a:solidFill>
-                  <a:srgbClr val="262626"/>
-                </a:solidFill>
-              </a:rPr>
-              <a:t>3. Writing routes and controller</a:t>
-            </a:r>
-            <a:endParaRPr lang="en-US" altLang="en-US" sz="1780" dirty="0">
-              <a:solidFill>
-                <a:srgbClr val="262626"/>
-              </a:solidFill>
-            </a:endParaRPr>
-          </a:p>
-          <a:p>
-            <a:pPr defTabSz="342900">
-              <a:lnSpc>
-                <a:spcPct val="120000"/>
-              </a:lnSpc>
-            </a:pPr>
-            <a:r>
-              <a:rPr lang="en-US" altLang="en-US" sz="1780" dirty="0">
-                <a:solidFill>
-                  <a:srgbClr val="262626"/>
-                </a:solidFill>
-              </a:rPr>
-              <a:t>4. Defining corresponding data models</a:t>
-            </a:r>
-            <a:endParaRPr lang="en-US" altLang="en-US" sz="1780" dirty="0">
-              <a:solidFill>
-                <a:srgbClr val="262626"/>
-              </a:solidFill>
-            </a:endParaRPr>
-          </a:p>
-          <a:p>
-            <a:pPr defTabSz="342900">
-              <a:lnSpc>
-                <a:spcPct val="120000"/>
-              </a:lnSpc>
-            </a:pPr>
-            <a:r>
-              <a:rPr lang="en-US" altLang="en-US" sz="1775" dirty="0">
-                <a:solidFill>
-                  <a:srgbClr val="262626"/>
-                </a:solidFill>
-                <a:sym typeface="+mn-ea"/>
-              </a:rPr>
-              <a:t>5. Writing corresponding html</a:t>
-            </a:r>
-            <a:endParaRPr lang="en-US" altLang="en-US" sz="1775" dirty="0">
-              <a:solidFill>
-                <a:srgbClr val="262626"/>
-              </a:solidFill>
-            </a:endParaRPr>
-          </a:p>
-          <a:p>
-            <a:pPr defTabSz="342900">
-              <a:lnSpc>
-                <a:spcPct val="120000"/>
-              </a:lnSpc>
-            </a:pPr>
-            <a:endParaRPr lang="en-US" altLang="en-US" sz="1780" dirty="0">
-              <a:solidFill>
-                <a:srgbClr val="262626"/>
-              </a:solidFill>
-            </a:endParaRPr>
-          </a:p>
-        </p:txBody>
-      </p:sp>
-    </p:spTree>
-  </p:cSld>
-  <p:clrMapOvr>
-    <a:masterClrMapping/>
-  </p:clrMapOvr>
-</p:sld>
-</file>
-
-<file path=ppt/slides/slide17.xml><?xml version="1.0" encoding="utf-8"?>
-<p:sld xmlns:a="http://schemas.openxmlformats.org/drawingml/2006/main" xmlns:r="http://schemas.openxmlformats.org/officeDocument/2006/relationships" xmlns:p="http://schemas.openxmlformats.org/presentationml/2006/main">
-  <p:cSld>
-    <p:spTree>
-      <p:nvGrpSpPr>
-        <p:cNvPr id="1" name=""/>
-        <p:cNvGrpSpPr/>
-        <p:nvPr/>
-      </p:nvGrpSpPr>
-      <p:grpSpPr>
-        <a:xfrm>
-          <a:off x="0" y="0"/>
-          <a:ext cx="0" cy="0"/>
-          <a:chOff x="0" y="0"/>
-          <a:chExt cx="0" cy="0"/>
-        </a:xfrm>
-      </p:grpSpPr>
-      <p:sp>
-        <p:nvSpPr>
-          <p:cNvPr id="2" name="Title 1"/>
-          <p:cNvSpPr>
-            <a:spLocks noGrp="1"/>
-          </p:cNvSpPr>
-          <p:nvPr>
-            <p:ph type="title"/>
-          </p:nvPr>
-        </p:nvSpPr>
-        <p:spPr>
-          <a:xfrm>
-            <a:off x="628650" y="155263"/>
-            <a:ext cx="7886700" cy="526790"/>
-          </a:xfrm>
-        </p:spPr>
-        <p:txBody>
-          <a:bodyPr>
-            <a:normAutofit fontScale="90000"/>
-          </a:bodyPr>
-          <a:lstStyle/>
-          <a:p>
-            <a:pPr algn="ctr"/>
-            <a:r>
-              <a:rPr lang="en-US" altLang="zh-CN" sz="3200" b="1" dirty="0">
-                <a:latin typeface="Calibri" panose="020F0502020204030204" pitchFamily="34" charset="0"/>
-                <a:cs typeface="Calibri" panose="020F0502020204030204" pitchFamily="34" charset="0"/>
-              </a:rPr>
-              <a:t>SQL</a:t>
-            </a:r>
-            <a:endParaRPr lang="en-US" altLang="zh-CN" sz="3200" b="1" dirty="0">
-              <a:latin typeface="Calibri" panose="020F0502020204030204" pitchFamily="34" charset="0"/>
-              <a:cs typeface="Calibri" panose="020F0502020204030204" pitchFamily="34" charset="0"/>
-            </a:endParaRPr>
-          </a:p>
-        </p:txBody>
-      </p:sp>
-      <p:sp>
-        <p:nvSpPr>
-          <p:cNvPr id="3" name="Content Placeholder 2"/>
-          <p:cNvSpPr>
-            <a:spLocks noGrp="1"/>
-          </p:cNvSpPr>
-          <p:nvPr>
-            <p:ph idx="1"/>
-          </p:nvPr>
-        </p:nvSpPr>
-        <p:spPr>
-          <a:xfrm>
-            <a:off x="628650" y="989044"/>
-            <a:ext cx="7886700" cy="5605719"/>
-          </a:xfrm>
-        </p:spPr>
-        <p:txBody>
-          <a:bodyPr>
-            <a:normAutofit lnSpcReduction="10000"/>
-          </a:bodyPr>
-          <a:lstStyle/>
-          <a:p>
-            <a:pPr defTabSz="342900">
-              <a:lnSpc>
-                <a:spcPct val="120000"/>
-              </a:lnSpc>
-            </a:pPr>
-            <a:r>
-              <a:rPr lang="en-US" altLang="en-US" sz="1780" dirty="0">
-                <a:solidFill>
-                  <a:srgbClr val="262626"/>
-                </a:solidFill>
-              </a:rPr>
-              <a:t>Query:</a:t>
-            </a:r>
-            <a:endParaRPr lang="en-US" altLang="en-US" sz="1780" dirty="0">
-              <a:solidFill>
-                <a:srgbClr val="262626"/>
-              </a:solidFill>
-            </a:endParaRPr>
-          </a:p>
-          <a:p>
-            <a:pPr defTabSz="342900">
-              <a:lnSpc>
-                <a:spcPct val="120000"/>
-              </a:lnSpc>
-            </a:pPr>
-            <a:r>
-              <a:rPr lang="en-US" altLang="en-US" sz="1780" dirty="0">
-                <a:solidFill>
-                  <a:srgbClr val="262626"/>
-                </a:solidFill>
-              </a:rPr>
-              <a:t>Select * from table_name</a:t>
-            </a:r>
-            <a:endParaRPr lang="en-US" altLang="en-US" sz="1780" dirty="0">
-              <a:solidFill>
-                <a:srgbClr val="262626"/>
-              </a:solidFill>
-            </a:endParaRPr>
-          </a:p>
-          <a:p>
-            <a:pPr defTabSz="342900">
-              <a:lnSpc>
-                <a:spcPct val="120000"/>
-              </a:lnSpc>
-            </a:pPr>
-            <a:endParaRPr lang="en-US" altLang="en-US" sz="1780" dirty="0">
-              <a:solidFill>
-                <a:srgbClr val="262626"/>
-              </a:solidFill>
-            </a:endParaRPr>
-          </a:p>
-          <a:p>
-            <a:pPr defTabSz="342900">
-              <a:lnSpc>
-                <a:spcPct val="120000"/>
-              </a:lnSpc>
-            </a:pPr>
-            <a:r>
-              <a:rPr lang="en-US" altLang="en-US" sz="1780" dirty="0">
-                <a:solidFill>
-                  <a:srgbClr val="262626"/>
-                </a:solidFill>
-              </a:rPr>
-              <a:t>Update:</a:t>
-            </a:r>
-            <a:endParaRPr lang="en-US" altLang="en-US" sz="1780" dirty="0">
-              <a:solidFill>
-                <a:srgbClr val="262626"/>
-              </a:solidFill>
-            </a:endParaRPr>
-          </a:p>
-          <a:p>
-            <a:pPr defTabSz="342900">
-              <a:lnSpc>
-                <a:spcPct val="120000"/>
-              </a:lnSpc>
-            </a:pPr>
-            <a:r>
-              <a:rPr lang="en-US" altLang="en-US" sz="1780" dirty="0">
-                <a:solidFill>
-                  <a:srgbClr val="262626"/>
-                </a:solidFill>
-              </a:rPr>
-              <a:t>INSERT INTO users (id, name, email, password, createdAt, updatedAt)</a:t>
-            </a:r>
-            <a:endParaRPr lang="en-US" altLang="en-US" sz="1780" dirty="0">
-              <a:solidFill>
-                <a:srgbClr val="262626"/>
-              </a:solidFill>
-            </a:endParaRPr>
-          </a:p>
-          <a:p>
-            <a:pPr defTabSz="342900">
-              <a:lnSpc>
-                <a:spcPct val="120000"/>
-              </a:lnSpc>
-            </a:pPr>
-            <a:r>
-              <a:rPr lang="en-US" altLang="en-US" sz="1780" dirty="0">
-                <a:solidFill>
-                  <a:srgbClr val="262626"/>
-                </a:solidFill>
-              </a:rPr>
-              <a:t>VALUES (3, "bing", "we@qq.com", "123","","");</a:t>
-            </a:r>
-            <a:endParaRPr lang="en-US" altLang="en-US" sz="1780" dirty="0">
-              <a:solidFill>
-                <a:srgbClr val="262626"/>
-              </a:solidFill>
-            </a:endParaRPr>
-          </a:p>
-          <a:p>
-            <a:pPr defTabSz="342900">
-              <a:lnSpc>
-                <a:spcPct val="120000"/>
-              </a:lnSpc>
-            </a:pPr>
-            <a:endParaRPr lang="en-US" altLang="en-US" sz="1780" dirty="0">
-              <a:solidFill>
-                <a:srgbClr val="262626"/>
-              </a:solidFill>
-            </a:endParaRPr>
-          </a:p>
-          <a:p>
-            <a:pPr defTabSz="342900">
-              <a:lnSpc>
-                <a:spcPct val="120000"/>
-              </a:lnSpc>
-            </a:pPr>
-            <a:r>
-              <a:rPr lang="en-US" altLang="en-US" sz="1780" dirty="0">
-                <a:solidFill>
-                  <a:srgbClr val="262626"/>
-                </a:solidFill>
-              </a:rPr>
-              <a:t>Deletion:</a:t>
-            </a:r>
-            <a:endParaRPr lang="en-US" altLang="en-US" sz="1780" dirty="0">
-              <a:solidFill>
-                <a:srgbClr val="262626"/>
-              </a:solidFill>
-            </a:endParaRPr>
-          </a:p>
-          <a:p>
-            <a:pPr defTabSz="342900">
-              <a:lnSpc>
-                <a:spcPct val="120000"/>
-              </a:lnSpc>
-            </a:pPr>
-            <a:r>
-              <a:rPr lang="en-US" altLang="en-US" sz="1780" dirty="0">
-                <a:solidFill>
-                  <a:srgbClr val="262626"/>
-                </a:solidFill>
-              </a:rPr>
-              <a:t>DELETE from users WHERE name = "bing";</a:t>
-            </a:r>
-            <a:endParaRPr lang="en-US" altLang="en-US" sz="1780" dirty="0">
-              <a:solidFill>
-                <a:srgbClr val="262626"/>
-              </a:solidFill>
-            </a:endParaRPr>
-          </a:p>
-          <a:p>
-            <a:pPr defTabSz="342900">
-              <a:lnSpc>
-                <a:spcPct val="120000"/>
-              </a:lnSpc>
-            </a:pPr>
-            <a:endParaRPr lang="en-US" altLang="en-US" sz="1780" dirty="0">
-              <a:solidFill>
-                <a:srgbClr val="262626"/>
-              </a:solidFill>
-            </a:endParaRPr>
-          </a:p>
-          <a:p>
-            <a:pPr defTabSz="342900">
-              <a:lnSpc>
-                <a:spcPct val="120000"/>
-              </a:lnSpc>
-            </a:pPr>
-            <a:r>
-              <a:rPr lang="en-US" altLang="en-US" sz="1780" dirty="0">
-                <a:solidFill>
-                  <a:srgbClr val="262626"/>
-                </a:solidFill>
-              </a:rPr>
-              <a:t>count, distinct, max, min, sum</a:t>
-            </a:r>
-            <a:endParaRPr lang="en-US" altLang="en-US" sz="1780" dirty="0">
-              <a:solidFill>
-                <a:srgbClr val="262626"/>
-              </a:solidFill>
-            </a:endParaRPr>
-          </a:p>
-          <a:p>
-            <a:pPr defTabSz="342900">
-              <a:lnSpc>
-                <a:spcPct val="120000"/>
-              </a:lnSpc>
-            </a:pPr>
-            <a:r>
-              <a:rPr lang="en-US" altLang="en-US" sz="1780" dirty="0">
-                <a:solidFill>
-                  <a:srgbClr val="262626"/>
-                </a:solidFill>
-              </a:rPr>
-              <a:t>select keyword() from users where xxx;</a:t>
-            </a:r>
-            <a:endParaRPr lang="en-US" altLang="en-US" sz="1780" dirty="0">
-              <a:solidFill>
-                <a:srgbClr val="262626"/>
-              </a:solidFill>
-            </a:endParaRPr>
-          </a:p>
-          <a:p>
-            <a:pPr defTabSz="342900">
-              <a:lnSpc>
-                <a:spcPct val="120000"/>
-              </a:lnSpc>
-            </a:pPr>
-            <a:r>
-              <a:rPr lang="en-US" altLang="en-US" sz="1780" dirty="0">
-                <a:solidFill>
-                  <a:srgbClr val="262626"/>
-                </a:solidFill>
-              </a:rPr>
-              <a:t>(</a:t>
-            </a:r>
-            <a:r>
-              <a:rPr lang="en-US" altLang="en-US" sz="1780" dirty="0">
-                <a:solidFill>
-                  <a:srgbClr val="FF0000"/>
-                </a:solidFill>
-              </a:rPr>
-              <a:t>code demo on database.sqlite</a:t>
-            </a:r>
-            <a:r>
-              <a:rPr lang="en-US" altLang="en-US" sz="1780" dirty="0">
-                <a:solidFill>
-                  <a:srgbClr val="262626"/>
-                </a:solidFill>
-              </a:rPr>
-              <a:t>)</a:t>
-            </a:r>
-            <a:endParaRPr lang="en-US" altLang="en-US" sz="1780" dirty="0">
-              <a:solidFill>
-                <a:srgbClr val="262626"/>
-              </a:solidFill>
-            </a:endParaRPr>
-          </a:p>
-          <a:p>
-            <a:pPr defTabSz="342900">
-              <a:lnSpc>
-                <a:spcPct val="120000"/>
-              </a:lnSpc>
-            </a:pPr>
-            <a:endParaRPr lang="en-US" altLang="zh-CN" sz="1780" dirty="0">
-              <a:solidFill>
-                <a:srgbClr val="262626"/>
-              </a:solidFill>
-            </a:endParaRPr>
-          </a:p>
-        </p:txBody>
-      </p:sp>
-    </p:spTree>
-  </p:cSld>
-  <p:clrMapOvr>
-    <a:masterClrMapping/>
-  </p:clrMapOvr>
-</p:sld>
-</file>
-
-<file path=ppt/slides/slide18.xml><?xml version="1.0" encoding="utf-8"?>
-<p:sld xmlns:a="http://schemas.openxmlformats.org/drawingml/2006/main" xmlns:r="http://schemas.openxmlformats.org/officeDocument/2006/relationships" xmlns:p="http://schemas.openxmlformats.org/presentationml/2006/main">
-  <p:cSld>
-    <p:spTree>
-      <p:nvGrpSpPr>
-        <p:cNvPr id="1" name=""/>
-        <p:cNvGrpSpPr/>
-        <p:nvPr/>
-      </p:nvGrpSpPr>
-      <p:grpSpPr>
-        <a:xfrm>
-          <a:off x="0" y="0"/>
-          <a:ext cx="0" cy="0"/>
-          <a:chOff x="0" y="0"/>
-          <a:chExt cx="0" cy="0"/>
-        </a:xfrm>
-      </p:grpSpPr>
-      <p:sp>
-        <p:nvSpPr>
-          <p:cNvPr id="2" name="Title 1"/>
-          <p:cNvSpPr>
-            <a:spLocks noGrp="1"/>
-          </p:cNvSpPr>
-          <p:nvPr>
-            <p:ph type="title"/>
-          </p:nvPr>
-        </p:nvSpPr>
-        <p:spPr>
-          <a:xfrm>
-            <a:off x="628650" y="155263"/>
-            <a:ext cx="7886700" cy="526790"/>
-          </a:xfrm>
-        </p:spPr>
-        <p:txBody>
-          <a:bodyPr>
-            <a:normAutofit fontScale="90000"/>
-          </a:bodyPr>
-          <a:lstStyle/>
-          <a:p>
-            <a:pPr algn="ctr"/>
-            <a:r>
-              <a:rPr lang="en-US" altLang="zh-CN" sz="3200" b="1" dirty="0">
-                <a:latin typeface="Calibri" panose="020F0502020204030204" pitchFamily="34" charset="0"/>
-                <a:cs typeface="Calibri" panose="020F0502020204030204" pitchFamily="34" charset="0"/>
-              </a:rPr>
-              <a:t>SQL</a:t>
-            </a:r>
-            <a:endParaRPr lang="en-US" altLang="zh-CN" sz="3200" b="1" dirty="0">
-              <a:latin typeface="Calibri" panose="020F0502020204030204" pitchFamily="34" charset="0"/>
-              <a:cs typeface="Calibri" panose="020F0502020204030204" pitchFamily="34" charset="0"/>
-            </a:endParaRPr>
-          </a:p>
-        </p:txBody>
-      </p:sp>
-      <p:sp>
-        <p:nvSpPr>
-          <p:cNvPr id="3" name="Content Placeholder 2"/>
-          <p:cNvSpPr>
-            <a:spLocks noGrp="1"/>
-          </p:cNvSpPr>
-          <p:nvPr>
-            <p:ph idx="1"/>
-          </p:nvPr>
-        </p:nvSpPr>
-        <p:spPr>
-          <a:xfrm>
-            <a:off x="628650" y="989044"/>
-            <a:ext cx="7886700" cy="5605719"/>
-          </a:xfrm>
-        </p:spPr>
-        <p:txBody>
-          <a:bodyPr>
-            <a:normAutofit/>
-          </a:bodyPr>
-          <a:lstStyle/>
-          <a:p>
-            <a:pPr defTabSz="342900">
-              <a:lnSpc>
-                <a:spcPct val="120000"/>
-              </a:lnSpc>
-            </a:pPr>
-            <a:r>
-              <a:rPr lang="en-US" altLang="zh-CN" sz="1780" dirty="0">
-                <a:solidFill>
-                  <a:srgbClr val="262626"/>
-                </a:solidFill>
-              </a:rPr>
-              <a:t>Ordering</a:t>
-            </a:r>
-            <a:endParaRPr lang="en-US" altLang="zh-CN" sz="1780" dirty="0">
-              <a:solidFill>
-                <a:srgbClr val="262626"/>
-              </a:solidFill>
-            </a:endParaRPr>
-          </a:p>
-          <a:p>
-            <a:pPr defTabSz="342900">
-              <a:lnSpc>
-                <a:spcPct val="120000"/>
-              </a:lnSpc>
-            </a:pPr>
-            <a:r>
-              <a:rPr lang="en-US" altLang="zh-CN" sz="1780" dirty="0">
-                <a:solidFill>
-                  <a:srgbClr val="262626"/>
-                </a:solidFill>
-              </a:rPr>
-              <a:t>SELECT column1, column2, ...</a:t>
-            </a:r>
-            <a:endParaRPr lang="en-US" altLang="zh-CN" sz="1780" dirty="0">
-              <a:solidFill>
-                <a:srgbClr val="262626"/>
-              </a:solidFill>
-            </a:endParaRPr>
-          </a:p>
-          <a:p>
-            <a:pPr defTabSz="342900">
-              <a:lnSpc>
-                <a:spcPct val="120000"/>
-              </a:lnSpc>
-            </a:pPr>
-            <a:r>
-              <a:rPr lang="en-US" altLang="zh-CN" sz="1780" dirty="0">
-                <a:solidFill>
-                  <a:srgbClr val="262626"/>
-                </a:solidFill>
-              </a:rPr>
-              <a:t>FROM table_name</a:t>
-            </a:r>
-            <a:endParaRPr lang="en-US" altLang="zh-CN" sz="1780" dirty="0">
-              <a:solidFill>
-                <a:srgbClr val="262626"/>
-              </a:solidFill>
-            </a:endParaRPr>
-          </a:p>
-          <a:p>
-            <a:pPr defTabSz="342900">
-              <a:lnSpc>
-                <a:spcPct val="120000"/>
-              </a:lnSpc>
-            </a:pPr>
-            <a:r>
-              <a:rPr lang="en-US" altLang="zh-CN" sz="1780" dirty="0">
-                <a:solidFill>
-                  <a:srgbClr val="262626"/>
-                </a:solidFill>
-              </a:rPr>
-              <a:t>ORDER BY column1, column2, ... ASC|DESC; </a:t>
-            </a:r>
-            <a:endParaRPr lang="en-US" altLang="zh-CN" sz="1780" dirty="0">
-              <a:solidFill>
-                <a:srgbClr val="262626"/>
-              </a:solidFill>
-            </a:endParaRPr>
-          </a:p>
-          <a:p>
-            <a:pPr defTabSz="342900">
-              <a:lnSpc>
-                <a:spcPct val="120000"/>
-              </a:lnSpc>
-            </a:pPr>
-            <a:endParaRPr lang="en-US" altLang="zh-CN" sz="1780" dirty="0">
-              <a:solidFill>
-                <a:srgbClr val="262626"/>
-              </a:solidFill>
-            </a:endParaRPr>
-          </a:p>
-        </p:txBody>
-      </p:sp>
-      <p:pic>
-        <p:nvPicPr>
-          <p:cNvPr id="4" name="图片 3"/>
-          <p:cNvPicPr>
-            <a:picLocks noChangeAspect="1"/>
-          </p:cNvPicPr>
-          <p:nvPr/>
-        </p:nvPicPr>
-        <p:blipFill>
-          <a:blip r:embed="rId1"/>
-          <a:stretch>
-            <a:fillRect/>
-          </a:stretch>
-        </p:blipFill>
-        <p:spPr>
-          <a:xfrm>
-            <a:off x="447040" y="3133725"/>
-            <a:ext cx="8515350" cy="3724275"/>
-          </a:xfrm>
-          <a:prstGeom prst="rect">
-            <a:avLst/>
-          </a:prstGeom>
-        </p:spPr>
-      </p:pic>
-    </p:spTree>
-  </p:cSld>
-  <p:clrMapOvr>
-    <a:masterClrMapping/>
-  </p:clrMapOvr>
-</p:sld>
-</file>
-
-<file path=ppt/slides/slide19.xml><?xml version="1.0" encoding="utf-8"?>
-<p:sld xmlns:a="http://schemas.openxmlformats.org/drawingml/2006/main" xmlns:r="http://schemas.openxmlformats.org/officeDocument/2006/relationships" xmlns:p="http://schemas.openxmlformats.org/presentationml/2006/main">
-  <p:cSld>
-    <p:spTree>
-      <p:nvGrpSpPr>
-        <p:cNvPr id="1" name=""/>
-        <p:cNvGrpSpPr/>
-        <p:nvPr/>
-      </p:nvGrpSpPr>
-      <p:grpSpPr>
-        <a:xfrm>
-          <a:off x="0" y="0"/>
-          <a:ext cx="0" cy="0"/>
-          <a:chOff x="0" y="0"/>
-          <a:chExt cx="0" cy="0"/>
-        </a:xfrm>
-      </p:grpSpPr>
-      <p:sp>
-        <p:nvSpPr>
-          <p:cNvPr id="2" name="Title 1"/>
-          <p:cNvSpPr>
-            <a:spLocks noGrp="1"/>
-          </p:cNvSpPr>
-          <p:nvPr>
-            <p:ph type="title"/>
-          </p:nvPr>
-        </p:nvSpPr>
-        <p:spPr>
-          <a:xfrm>
-            <a:off x="628650" y="155263"/>
-            <a:ext cx="7886700" cy="526790"/>
-          </a:xfrm>
-        </p:spPr>
-        <p:txBody>
-          <a:bodyPr>
-            <a:normAutofit fontScale="90000"/>
-          </a:bodyPr>
-          <a:lstStyle/>
-          <a:p>
-            <a:pPr algn="ctr"/>
-            <a:r>
-              <a:rPr lang="en-US" altLang="zh-CN" sz="3200" b="1" dirty="0">
-                <a:latin typeface="Calibri" panose="020F0502020204030204" pitchFamily="34" charset="0"/>
-                <a:cs typeface="Calibri" panose="020F0502020204030204" pitchFamily="34" charset="0"/>
-              </a:rPr>
-              <a:t>SQL</a:t>
-            </a:r>
-            <a:endParaRPr lang="en-US" altLang="zh-CN" sz="3200" b="1" dirty="0">
-              <a:latin typeface="Calibri" panose="020F0502020204030204" pitchFamily="34" charset="0"/>
-              <a:cs typeface="Calibri" panose="020F0502020204030204" pitchFamily="34" charset="0"/>
-            </a:endParaRPr>
-          </a:p>
-        </p:txBody>
-      </p:sp>
-      <p:sp>
-        <p:nvSpPr>
-          <p:cNvPr id="3" name="Content Placeholder 2"/>
-          <p:cNvSpPr>
-            <a:spLocks noGrp="1"/>
-          </p:cNvSpPr>
-          <p:nvPr>
-            <p:ph idx="1"/>
-          </p:nvPr>
-        </p:nvSpPr>
-        <p:spPr>
-          <a:xfrm>
-            <a:off x="628650" y="989044"/>
-            <a:ext cx="7886700" cy="5605719"/>
-          </a:xfrm>
-        </p:spPr>
-        <p:txBody>
-          <a:bodyPr>
-            <a:normAutofit/>
-          </a:bodyPr>
-          <a:lstStyle/>
-          <a:p>
-            <a:pPr defTabSz="342900">
-              <a:lnSpc>
-                <a:spcPct val="120000"/>
-              </a:lnSpc>
-            </a:pPr>
-            <a:r>
-              <a:rPr lang="en-US" altLang="zh-CN" sz="1780" dirty="0">
-                <a:solidFill>
-                  <a:srgbClr val="262626"/>
-                </a:solidFill>
-              </a:rPr>
-              <a:t>Grouping</a:t>
-            </a:r>
-            <a:endParaRPr lang="en-US" altLang="zh-CN" sz="1780" dirty="0">
-              <a:solidFill>
-                <a:srgbClr val="262626"/>
-              </a:solidFill>
-            </a:endParaRPr>
-          </a:p>
-          <a:p>
-            <a:pPr defTabSz="342900">
-              <a:lnSpc>
-                <a:spcPct val="120000"/>
-              </a:lnSpc>
-            </a:pPr>
-            <a:r>
-              <a:rPr lang="en-US" altLang="zh-CN" sz="1780" dirty="0">
-                <a:solidFill>
-                  <a:srgbClr val="262626"/>
-                </a:solidFill>
-              </a:rPr>
-              <a:t>SELECT column_name(s) / max(</a:t>
-            </a:r>
-            <a:r>
-              <a:rPr lang="en-US" altLang="zh-CN" sz="1775" dirty="0">
-                <a:solidFill>
-                  <a:srgbClr val="262626"/>
-                </a:solidFill>
-                <a:sym typeface="+mn-ea"/>
-              </a:rPr>
-              <a:t>column_name</a:t>
-            </a:r>
-            <a:r>
-              <a:rPr lang="en-US" altLang="zh-CN" sz="1780" dirty="0">
-                <a:solidFill>
-                  <a:srgbClr val="262626"/>
-                </a:solidFill>
-              </a:rPr>
-              <a:t>)</a:t>
-            </a:r>
-            <a:endParaRPr lang="en-US" altLang="zh-CN" sz="1780" dirty="0">
-              <a:solidFill>
-                <a:srgbClr val="262626"/>
-              </a:solidFill>
-            </a:endParaRPr>
-          </a:p>
-          <a:p>
-            <a:pPr defTabSz="342900">
-              <a:lnSpc>
-                <a:spcPct val="120000"/>
-              </a:lnSpc>
-            </a:pPr>
-            <a:r>
-              <a:rPr lang="en-US" altLang="zh-CN" sz="1780" dirty="0">
-                <a:solidFill>
-                  <a:srgbClr val="262626"/>
-                </a:solidFill>
-              </a:rPr>
-              <a:t>FROM table_name</a:t>
-            </a:r>
-            <a:endParaRPr lang="en-US" altLang="zh-CN" sz="1780" dirty="0">
-              <a:solidFill>
-                <a:srgbClr val="262626"/>
-              </a:solidFill>
-            </a:endParaRPr>
-          </a:p>
-          <a:p>
-            <a:pPr defTabSz="342900">
-              <a:lnSpc>
-                <a:spcPct val="120000"/>
-              </a:lnSpc>
-            </a:pPr>
-            <a:r>
-              <a:rPr lang="en-US" altLang="zh-CN" sz="1780" dirty="0">
-                <a:solidFill>
-                  <a:srgbClr val="262626"/>
-                </a:solidFill>
-              </a:rPr>
-              <a:t>WHERE condition </a:t>
-            </a:r>
-            <a:endParaRPr lang="en-US" altLang="zh-CN" sz="1780" dirty="0">
-              <a:solidFill>
-                <a:srgbClr val="262626"/>
-              </a:solidFill>
-            </a:endParaRPr>
-          </a:p>
-          <a:p>
-            <a:pPr defTabSz="342900">
-              <a:lnSpc>
-                <a:spcPct val="120000"/>
-              </a:lnSpc>
-            </a:pPr>
-            <a:r>
-              <a:rPr lang="en-US" altLang="zh-CN" sz="1780" dirty="0">
-                <a:solidFill>
-                  <a:srgbClr val="262626"/>
-                </a:solidFill>
-              </a:rPr>
-              <a:t>GROUP BY column_name(s)</a:t>
-            </a:r>
-            <a:endParaRPr lang="en-US" altLang="zh-CN" sz="1780" dirty="0">
-              <a:solidFill>
-                <a:srgbClr val="262626"/>
-              </a:solidFill>
-            </a:endParaRPr>
-          </a:p>
-          <a:p>
-            <a:pPr defTabSz="342900">
-              <a:lnSpc>
-                <a:spcPct val="120000"/>
-              </a:lnSpc>
-            </a:pPr>
-            <a:r>
-              <a:rPr lang="en-US" altLang="zh-CN" sz="1780" dirty="0">
-                <a:solidFill>
-                  <a:srgbClr val="262626"/>
-                </a:solidFill>
-              </a:rPr>
-              <a:t>ORDER BY column_name(s); </a:t>
-            </a:r>
-            <a:endParaRPr lang="en-US" altLang="zh-CN" sz="1780" dirty="0">
-              <a:solidFill>
-                <a:srgbClr val="262626"/>
-              </a:solidFill>
-            </a:endParaRPr>
-          </a:p>
-        </p:txBody>
-      </p:sp>
-    </p:spTree>
-  </p:cSld>
-  <p:clrMapOvr>
-    <a:masterClrMapping/>
-  </p:clrMapOvr>
-</p:sld>
-</file>
-
 <file path=ppt/slides/slide2.xml><?xml version="1.0" encoding="utf-8"?>
 <p:sld xmlns:a="http://schemas.openxmlformats.org/drawingml/2006/main" xmlns:r="http://schemas.openxmlformats.org/officeDocument/2006/relationships" xmlns:p="http://schemas.openxmlformats.org/presentationml/2006/main">
   <p:cSld>
@@ -10469,10 +8879,10 @@
                 <a:solidFill>
                   <a:srgbClr val="FFFFFF"/>
                 </a:solidFill>
-                <a:latin typeface="Montserrat"/>
-                <a:ea typeface="Montserrat"/>
-                <a:cs typeface="Montserrat"/>
-                <a:sym typeface="Montserrat"/>
+                <a:latin typeface="Montserrat" panose="00000500000000000000"/>
+                <a:ea typeface="Montserrat" panose="00000500000000000000"/>
+                <a:cs typeface="Montserrat" panose="00000500000000000000"/>
+                <a:sym typeface="Montserrat" panose="00000500000000000000"/>
               </a:defRPr>
             </a:lvl1pPr>
           </a:lstStyle>
@@ -10544,2459 +8954,6 @@
   <p:transition spd="med">
     <p:fade/>
   </p:transition>
-</p:sld>
-</file>
-
-<file path=ppt/slides/slide20.xml><?xml version="1.0" encoding="utf-8"?>
-<p:sld xmlns:a="http://schemas.openxmlformats.org/drawingml/2006/main" xmlns:r="http://schemas.openxmlformats.org/officeDocument/2006/relationships" xmlns:p="http://schemas.openxmlformats.org/presentationml/2006/main">
-  <p:cSld>
-    <p:spTree>
-      <p:nvGrpSpPr>
-        <p:cNvPr id="1" name=""/>
-        <p:cNvGrpSpPr/>
-        <p:nvPr/>
-      </p:nvGrpSpPr>
-      <p:grpSpPr>
-        <a:xfrm>
-          <a:off x="0" y="0"/>
-          <a:ext cx="0" cy="0"/>
-          <a:chOff x="0" y="0"/>
-          <a:chExt cx="0" cy="0"/>
-        </a:xfrm>
-      </p:grpSpPr>
-      <p:sp>
-        <p:nvSpPr>
-          <p:cNvPr id="2" name="Title 1"/>
-          <p:cNvSpPr>
-            <a:spLocks noGrp="1"/>
-          </p:cNvSpPr>
-          <p:nvPr>
-            <p:ph type="title"/>
-          </p:nvPr>
-        </p:nvSpPr>
-        <p:spPr>
-          <a:xfrm>
-            <a:off x="628650" y="155263"/>
-            <a:ext cx="7886700" cy="526790"/>
-          </a:xfrm>
-        </p:spPr>
-        <p:txBody>
-          <a:bodyPr>
-            <a:normAutofit fontScale="90000"/>
-          </a:bodyPr>
-          <a:lstStyle/>
-          <a:p>
-            <a:pPr algn="ctr"/>
-            <a:r>
-              <a:rPr lang="en-US" altLang="zh-CN" sz="3200" b="1" dirty="0">
-                <a:latin typeface="Calibri" panose="020F0502020204030204" pitchFamily="34" charset="0"/>
-                <a:cs typeface="Calibri" panose="020F0502020204030204" pitchFamily="34" charset="0"/>
-              </a:rPr>
-              <a:t>SQL</a:t>
-            </a:r>
-            <a:endParaRPr lang="en-US" altLang="zh-CN" sz="3200" b="1" dirty="0">
-              <a:latin typeface="Calibri" panose="020F0502020204030204" pitchFamily="34" charset="0"/>
-              <a:cs typeface="Calibri" panose="020F0502020204030204" pitchFamily="34" charset="0"/>
-            </a:endParaRPr>
-          </a:p>
-        </p:txBody>
-      </p:sp>
-      <p:sp>
-        <p:nvSpPr>
-          <p:cNvPr id="3" name="Content Placeholder 2"/>
-          <p:cNvSpPr>
-            <a:spLocks noGrp="1"/>
-          </p:cNvSpPr>
-          <p:nvPr>
-            <p:ph idx="1"/>
-          </p:nvPr>
-        </p:nvSpPr>
-        <p:spPr>
-          <a:xfrm>
-            <a:off x="628650" y="989044"/>
-            <a:ext cx="7886700" cy="5605719"/>
-          </a:xfrm>
-        </p:spPr>
-        <p:txBody>
-          <a:bodyPr>
-            <a:normAutofit/>
-          </a:bodyPr>
-          <a:lstStyle/>
-          <a:p>
-            <a:pPr defTabSz="342900">
-              <a:lnSpc>
-                <a:spcPct val="120000"/>
-              </a:lnSpc>
-            </a:pPr>
-            <a:r>
-              <a:rPr lang="en-US" altLang="zh-CN" sz="1780" dirty="0">
-                <a:solidFill>
-                  <a:srgbClr val="262626"/>
-                </a:solidFill>
-              </a:rPr>
-              <a:t>INNER JOIN, LEFT JOIN, RIGHT JOIN, FULL JOIN </a:t>
-            </a:r>
-            <a:endParaRPr lang="en-US" altLang="zh-CN" sz="1780" dirty="0">
-              <a:solidFill>
-                <a:srgbClr val="262626"/>
-              </a:solidFill>
-            </a:endParaRPr>
-          </a:p>
-        </p:txBody>
-      </p:sp>
-      <p:pic>
-        <p:nvPicPr>
-          <p:cNvPr id="4" name="图片 3"/>
-          <p:cNvPicPr>
-            <a:picLocks noChangeAspect="1"/>
-          </p:cNvPicPr>
-          <p:nvPr/>
-        </p:nvPicPr>
-        <p:blipFill>
-          <a:blip r:embed="rId1"/>
-          <a:stretch>
-            <a:fillRect/>
-          </a:stretch>
-        </p:blipFill>
-        <p:spPr>
-          <a:xfrm>
-            <a:off x="628650" y="1622425"/>
-            <a:ext cx="5022850" cy="2613025"/>
-          </a:xfrm>
-          <a:prstGeom prst="rect">
-            <a:avLst/>
-          </a:prstGeom>
-        </p:spPr>
-      </p:pic>
-      <p:pic>
-        <p:nvPicPr>
-          <p:cNvPr id="5" name="图片 4"/>
-          <p:cNvPicPr>
-            <a:picLocks noChangeAspect="1"/>
-          </p:cNvPicPr>
-          <p:nvPr/>
-        </p:nvPicPr>
-        <p:blipFill>
-          <a:blip r:embed="rId2"/>
-          <a:stretch>
-            <a:fillRect/>
-          </a:stretch>
-        </p:blipFill>
-        <p:spPr>
-          <a:xfrm>
-            <a:off x="824865" y="4235450"/>
-            <a:ext cx="3042285" cy="2622550"/>
-          </a:xfrm>
-          <a:prstGeom prst="rect">
-            <a:avLst/>
-          </a:prstGeom>
-        </p:spPr>
-      </p:pic>
-    </p:spTree>
-  </p:cSld>
-  <p:clrMapOvr>
-    <a:masterClrMapping/>
-  </p:clrMapOvr>
-</p:sld>
-</file>
-
-<file path=ppt/slides/slide21.xml><?xml version="1.0" encoding="utf-8"?>
-<p:sld xmlns:a="http://schemas.openxmlformats.org/drawingml/2006/main" xmlns:r="http://schemas.openxmlformats.org/officeDocument/2006/relationships" xmlns:p="http://schemas.openxmlformats.org/presentationml/2006/main">
-  <p:cSld>
-    <p:spTree>
-      <p:nvGrpSpPr>
-        <p:cNvPr id="1" name=""/>
-        <p:cNvGrpSpPr/>
-        <p:nvPr/>
-      </p:nvGrpSpPr>
-      <p:grpSpPr>
-        <a:xfrm>
-          <a:off x="0" y="0"/>
-          <a:ext cx="0" cy="0"/>
-          <a:chOff x="0" y="0"/>
-          <a:chExt cx="0" cy="0"/>
-        </a:xfrm>
-      </p:grpSpPr>
-      <p:sp>
-        <p:nvSpPr>
-          <p:cNvPr id="2" name="Title 1"/>
-          <p:cNvSpPr>
-            <a:spLocks noGrp="1"/>
-          </p:cNvSpPr>
-          <p:nvPr>
-            <p:ph type="title"/>
-          </p:nvPr>
-        </p:nvSpPr>
-        <p:spPr>
-          <a:xfrm>
-            <a:off x="628650" y="155263"/>
-            <a:ext cx="7886700" cy="526790"/>
-          </a:xfrm>
-        </p:spPr>
-        <p:txBody>
-          <a:bodyPr>
-            <a:normAutofit fontScale="90000"/>
-          </a:bodyPr>
-          <a:lstStyle/>
-          <a:p>
-            <a:pPr algn="ctr"/>
-            <a:r>
-              <a:rPr lang="en-US" altLang="zh-CN" sz="3200" b="1" dirty="0">
-                <a:latin typeface="Calibri" panose="020F0502020204030204" pitchFamily="34" charset="0"/>
-                <a:cs typeface="Calibri" panose="020F0502020204030204" pitchFamily="34" charset="0"/>
-              </a:rPr>
-              <a:t>SQL</a:t>
-            </a:r>
-            <a:endParaRPr lang="en-US" altLang="zh-CN" sz="3200" b="1" dirty="0">
-              <a:latin typeface="Calibri" panose="020F0502020204030204" pitchFamily="34" charset="0"/>
-              <a:cs typeface="Calibri" panose="020F0502020204030204" pitchFamily="34" charset="0"/>
-            </a:endParaRPr>
-          </a:p>
-        </p:txBody>
-      </p:sp>
-      <p:sp>
-        <p:nvSpPr>
-          <p:cNvPr id="3" name="Content Placeholder 2"/>
-          <p:cNvSpPr>
-            <a:spLocks noGrp="1"/>
-          </p:cNvSpPr>
-          <p:nvPr>
-            <p:ph idx="1"/>
-          </p:nvPr>
-        </p:nvSpPr>
-        <p:spPr>
-          <a:xfrm>
-            <a:off x="628650" y="989044"/>
-            <a:ext cx="7886700" cy="5605719"/>
-          </a:xfrm>
-        </p:spPr>
-        <p:txBody>
-          <a:bodyPr>
-            <a:normAutofit/>
-          </a:bodyPr>
-          <a:lstStyle/>
-          <a:p>
-            <a:pPr defTabSz="342900">
-              <a:lnSpc>
-                <a:spcPct val="120000"/>
-              </a:lnSpc>
-            </a:pPr>
-            <a:r>
-              <a:rPr lang="en-US" altLang="zh-CN" sz="1780" dirty="0">
-                <a:solidFill>
-                  <a:srgbClr val="262626"/>
-                </a:solidFill>
-              </a:rPr>
-              <a:t>INNER JOIN </a:t>
-            </a:r>
-            <a:endParaRPr lang="en-US" altLang="zh-CN" sz="1780" dirty="0">
-              <a:solidFill>
-                <a:srgbClr val="262626"/>
-              </a:solidFill>
-            </a:endParaRPr>
-          </a:p>
-          <a:p>
-            <a:pPr defTabSz="342900">
-              <a:lnSpc>
-                <a:spcPct val="120000"/>
-              </a:lnSpc>
-            </a:pPr>
-            <a:r>
-              <a:rPr lang="en-US" altLang="zh-CN" sz="1780" dirty="0">
-                <a:solidFill>
-                  <a:srgbClr val="262626"/>
-                </a:solidFill>
-              </a:rPr>
-              <a:t>SELECT table1.column1,table1.column2,table2.column1,....</a:t>
-            </a:r>
-            <a:endParaRPr lang="en-US" altLang="zh-CN" sz="1780" dirty="0">
-              <a:solidFill>
-                <a:srgbClr val="262626"/>
-              </a:solidFill>
-            </a:endParaRPr>
-          </a:p>
-          <a:p>
-            <a:pPr defTabSz="342900">
-              <a:lnSpc>
-                <a:spcPct val="120000"/>
-              </a:lnSpc>
-            </a:pPr>
-            <a:r>
-              <a:rPr lang="en-US" altLang="zh-CN" sz="1780" dirty="0">
-                <a:solidFill>
-                  <a:srgbClr val="262626"/>
-                </a:solidFill>
-              </a:rPr>
-              <a:t>FROM table1 </a:t>
-            </a:r>
-            <a:endParaRPr lang="en-US" altLang="zh-CN" sz="1780" dirty="0">
-              <a:solidFill>
-                <a:srgbClr val="262626"/>
-              </a:solidFill>
-            </a:endParaRPr>
-          </a:p>
-          <a:p>
-            <a:pPr defTabSz="342900">
-              <a:lnSpc>
-                <a:spcPct val="120000"/>
-              </a:lnSpc>
-            </a:pPr>
-            <a:r>
-              <a:rPr lang="en-US" altLang="zh-CN" sz="1780" dirty="0">
-                <a:solidFill>
-                  <a:srgbClr val="262626"/>
-                </a:solidFill>
-              </a:rPr>
-              <a:t>INNER JOIN table2</a:t>
-            </a:r>
-            <a:endParaRPr lang="en-US" altLang="zh-CN" sz="1780" dirty="0">
-              <a:solidFill>
-                <a:srgbClr val="262626"/>
-              </a:solidFill>
-            </a:endParaRPr>
-          </a:p>
-          <a:p>
-            <a:pPr defTabSz="342900">
-              <a:lnSpc>
-                <a:spcPct val="120000"/>
-              </a:lnSpc>
-            </a:pPr>
-            <a:r>
-              <a:rPr lang="en-US" altLang="zh-CN" sz="1780" dirty="0">
-                <a:solidFill>
-                  <a:srgbClr val="262626"/>
-                </a:solidFill>
-              </a:rPr>
-              <a:t>ON table1.matching_column = table2.matching_column;</a:t>
-            </a:r>
-            <a:endParaRPr lang="en-US" altLang="zh-CN" sz="1780" dirty="0">
-              <a:solidFill>
-                <a:srgbClr val="262626"/>
-              </a:solidFill>
-            </a:endParaRPr>
-          </a:p>
-        </p:txBody>
-      </p:sp>
-      <p:pic>
-        <p:nvPicPr>
-          <p:cNvPr id="6" name="图片 5"/>
-          <p:cNvPicPr>
-            <a:picLocks noChangeAspect="1"/>
-          </p:cNvPicPr>
-          <p:nvPr/>
-        </p:nvPicPr>
-        <p:blipFill>
-          <a:blip r:embed="rId1"/>
-          <a:stretch>
-            <a:fillRect/>
-          </a:stretch>
-        </p:blipFill>
-        <p:spPr>
-          <a:xfrm>
-            <a:off x="509270" y="3469005"/>
-            <a:ext cx="3072130" cy="2230120"/>
-          </a:xfrm>
-          <a:prstGeom prst="rect">
-            <a:avLst/>
-          </a:prstGeom>
-        </p:spPr>
-      </p:pic>
-      <p:pic>
-        <p:nvPicPr>
-          <p:cNvPr id="7" name="图片 6"/>
-          <p:cNvPicPr>
-            <a:picLocks noChangeAspect="1"/>
-          </p:cNvPicPr>
-          <p:nvPr/>
-        </p:nvPicPr>
-        <p:blipFill>
-          <a:blip r:embed="rId2"/>
-          <a:stretch>
-            <a:fillRect/>
-          </a:stretch>
-        </p:blipFill>
-        <p:spPr>
-          <a:xfrm>
-            <a:off x="3581400" y="3601720"/>
-            <a:ext cx="5433060" cy="2097405"/>
-          </a:xfrm>
-          <a:prstGeom prst="rect">
-            <a:avLst/>
-          </a:prstGeom>
-        </p:spPr>
-      </p:pic>
-    </p:spTree>
-  </p:cSld>
-  <p:clrMapOvr>
-    <a:masterClrMapping/>
-  </p:clrMapOvr>
-</p:sld>
-</file>
-
-<file path=ppt/slides/slide22.xml><?xml version="1.0" encoding="utf-8"?>
-<p:sld xmlns:a="http://schemas.openxmlformats.org/drawingml/2006/main" xmlns:r="http://schemas.openxmlformats.org/officeDocument/2006/relationships" xmlns:p="http://schemas.openxmlformats.org/presentationml/2006/main">
-  <p:cSld>
-    <p:spTree>
-      <p:nvGrpSpPr>
-        <p:cNvPr id="1" name=""/>
-        <p:cNvGrpSpPr/>
-        <p:nvPr/>
-      </p:nvGrpSpPr>
-      <p:grpSpPr>
-        <a:xfrm>
-          <a:off x="0" y="0"/>
-          <a:ext cx="0" cy="0"/>
-          <a:chOff x="0" y="0"/>
-          <a:chExt cx="0" cy="0"/>
-        </a:xfrm>
-      </p:grpSpPr>
-      <p:sp>
-        <p:nvSpPr>
-          <p:cNvPr id="2" name="Title 1"/>
-          <p:cNvSpPr>
-            <a:spLocks noGrp="1"/>
-          </p:cNvSpPr>
-          <p:nvPr>
-            <p:ph type="title"/>
-          </p:nvPr>
-        </p:nvSpPr>
-        <p:spPr>
-          <a:xfrm>
-            <a:off x="628650" y="155263"/>
-            <a:ext cx="7886700" cy="526790"/>
-          </a:xfrm>
-        </p:spPr>
-        <p:txBody>
-          <a:bodyPr>
-            <a:normAutofit fontScale="90000"/>
-          </a:bodyPr>
-          <a:lstStyle/>
-          <a:p>
-            <a:pPr algn="ctr"/>
-            <a:r>
-              <a:rPr lang="en-US" altLang="zh-CN" sz="3200" b="1" dirty="0">
-                <a:latin typeface="Calibri" panose="020F0502020204030204" pitchFamily="34" charset="0"/>
-                <a:cs typeface="Calibri" panose="020F0502020204030204" pitchFamily="34" charset="0"/>
-              </a:rPr>
-              <a:t>SQL</a:t>
-            </a:r>
-            <a:endParaRPr lang="en-US" altLang="zh-CN" sz="3200" b="1" dirty="0">
-              <a:latin typeface="Calibri" panose="020F0502020204030204" pitchFamily="34" charset="0"/>
-              <a:cs typeface="Calibri" panose="020F0502020204030204" pitchFamily="34" charset="0"/>
-            </a:endParaRPr>
-          </a:p>
-        </p:txBody>
-      </p:sp>
-      <p:sp>
-        <p:nvSpPr>
-          <p:cNvPr id="3" name="Content Placeholder 2"/>
-          <p:cNvSpPr>
-            <a:spLocks noGrp="1"/>
-          </p:cNvSpPr>
-          <p:nvPr>
-            <p:ph idx="1"/>
-          </p:nvPr>
-        </p:nvSpPr>
-        <p:spPr>
-          <a:xfrm>
-            <a:off x="628650" y="989044"/>
-            <a:ext cx="7886700" cy="5605719"/>
-          </a:xfrm>
-        </p:spPr>
-        <p:txBody>
-          <a:bodyPr>
-            <a:normAutofit/>
-          </a:bodyPr>
-          <a:lstStyle/>
-          <a:p>
-            <a:pPr defTabSz="342900">
-              <a:lnSpc>
-                <a:spcPct val="120000"/>
-              </a:lnSpc>
-            </a:pPr>
-            <a:r>
-              <a:rPr lang="en-US" altLang="zh-CN" sz="1780" dirty="0">
-                <a:solidFill>
-                  <a:srgbClr val="262626"/>
-                </a:solidFill>
-              </a:rPr>
-              <a:t>Left JOIN </a:t>
-            </a:r>
-            <a:endParaRPr lang="en-US" altLang="zh-CN" sz="1780" dirty="0">
-              <a:solidFill>
-                <a:srgbClr val="262626"/>
-              </a:solidFill>
-            </a:endParaRPr>
-          </a:p>
-          <a:p>
-            <a:pPr defTabSz="342900">
-              <a:lnSpc>
-                <a:spcPct val="120000"/>
-              </a:lnSpc>
-            </a:pPr>
-            <a:r>
-              <a:rPr lang="en-US" altLang="zh-CN" sz="1780" dirty="0">
-                <a:solidFill>
-                  <a:srgbClr val="262626"/>
-                </a:solidFill>
-              </a:rPr>
-              <a:t>SELECT table1.column1,table1.column2,table2.column1,....</a:t>
-            </a:r>
-            <a:endParaRPr lang="en-US" altLang="zh-CN" sz="1780" dirty="0">
-              <a:solidFill>
-                <a:srgbClr val="262626"/>
-              </a:solidFill>
-            </a:endParaRPr>
-          </a:p>
-          <a:p>
-            <a:pPr defTabSz="342900">
-              <a:lnSpc>
-                <a:spcPct val="120000"/>
-              </a:lnSpc>
-            </a:pPr>
-            <a:r>
-              <a:rPr lang="en-US" altLang="zh-CN" sz="1780" dirty="0">
-                <a:solidFill>
-                  <a:srgbClr val="262626"/>
-                </a:solidFill>
-              </a:rPr>
-              <a:t>FROM table1 </a:t>
-            </a:r>
-            <a:endParaRPr lang="en-US" altLang="zh-CN" sz="1780" dirty="0">
-              <a:solidFill>
-                <a:srgbClr val="262626"/>
-              </a:solidFill>
-            </a:endParaRPr>
-          </a:p>
-          <a:p>
-            <a:pPr defTabSz="342900">
-              <a:lnSpc>
-                <a:spcPct val="120000"/>
-              </a:lnSpc>
-            </a:pPr>
-            <a:r>
-              <a:rPr lang="en-US" altLang="zh-CN" sz="1780" dirty="0">
-                <a:solidFill>
-                  <a:srgbClr val="262626"/>
-                </a:solidFill>
-              </a:rPr>
-              <a:t>LEFT JOIN table2</a:t>
-            </a:r>
-            <a:endParaRPr lang="en-US" altLang="zh-CN" sz="1780" dirty="0">
-              <a:solidFill>
-                <a:srgbClr val="262626"/>
-              </a:solidFill>
-            </a:endParaRPr>
-          </a:p>
-          <a:p>
-            <a:pPr defTabSz="342900">
-              <a:lnSpc>
-                <a:spcPct val="120000"/>
-              </a:lnSpc>
-            </a:pPr>
-            <a:r>
-              <a:rPr lang="en-US" altLang="zh-CN" sz="1780" dirty="0">
-                <a:solidFill>
-                  <a:srgbClr val="262626"/>
-                </a:solidFill>
-              </a:rPr>
-              <a:t>ON table1.matching_column = table2.matching_column;</a:t>
-            </a:r>
-            <a:endParaRPr lang="en-US" altLang="zh-CN" sz="1780" dirty="0">
-              <a:solidFill>
-                <a:srgbClr val="262626"/>
-              </a:solidFill>
-            </a:endParaRPr>
-          </a:p>
-        </p:txBody>
-      </p:sp>
-      <p:pic>
-        <p:nvPicPr>
-          <p:cNvPr id="7" name="图片 6"/>
-          <p:cNvPicPr>
-            <a:picLocks noChangeAspect="1"/>
-          </p:cNvPicPr>
-          <p:nvPr/>
-        </p:nvPicPr>
-        <p:blipFill>
-          <a:blip r:embed="rId1"/>
-          <a:stretch>
-            <a:fillRect/>
-          </a:stretch>
-        </p:blipFill>
-        <p:spPr>
-          <a:xfrm>
-            <a:off x="3710940" y="4093210"/>
-            <a:ext cx="5433060" cy="2097405"/>
-          </a:xfrm>
-          <a:prstGeom prst="rect">
-            <a:avLst/>
-          </a:prstGeom>
-        </p:spPr>
-      </p:pic>
-      <p:pic>
-        <p:nvPicPr>
-          <p:cNvPr id="4" name="图片 3"/>
-          <p:cNvPicPr>
-            <a:picLocks noChangeAspect="1"/>
-          </p:cNvPicPr>
-          <p:nvPr/>
-        </p:nvPicPr>
-        <p:blipFill>
-          <a:blip r:embed="rId2"/>
-          <a:stretch>
-            <a:fillRect/>
-          </a:stretch>
-        </p:blipFill>
-        <p:spPr>
-          <a:xfrm>
-            <a:off x="628650" y="4164965"/>
-            <a:ext cx="3026410" cy="1953895"/>
-          </a:xfrm>
-          <a:prstGeom prst="rect">
-            <a:avLst/>
-          </a:prstGeom>
-        </p:spPr>
-      </p:pic>
-    </p:spTree>
-  </p:cSld>
-  <p:clrMapOvr>
-    <a:masterClrMapping/>
-  </p:clrMapOvr>
-</p:sld>
-</file>
-
-<file path=ppt/slides/slide23.xml><?xml version="1.0" encoding="utf-8"?>
-<p:sld xmlns:a="http://schemas.openxmlformats.org/drawingml/2006/main" xmlns:r="http://schemas.openxmlformats.org/officeDocument/2006/relationships" xmlns:p="http://schemas.openxmlformats.org/presentationml/2006/main">
-  <p:cSld>
-    <p:spTree>
-      <p:nvGrpSpPr>
-        <p:cNvPr id="1" name=""/>
-        <p:cNvGrpSpPr/>
-        <p:nvPr/>
-      </p:nvGrpSpPr>
-      <p:grpSpPr>
-        <a:xfrm>
-          <a:off x="0" y="0"/>
-          <a:ext cx="0" cy="0"/>
-          <a:chOff x="0" y="0"/>
-          <a:chExt cx="0" cy="0"/>
-        </a:xfrm>
-      </p:grpSpPr>
-      <p:sp>
-        <p:nvSpPr>
-          <p:cNvPr id="2" name="Title 1"/>
-          <p:cNvSpPr>
-            <a:spLocks noGrp="1"/>
-          </p:cNvSpPr>
-          <p:nvPr>
-            <p:ph type="title"/>
-          </p:nvPr>
-        </p:nvSpPr>
-        <p:spPr>
-          <a:xfrm>
-            <a:off x="628650" y="155263"/>
-            <a:ext cx="7886700" cy="526790"/>
-          </a:xfrm>
-        </p:spPr>
-        <p:txBody>
-          <a:bodyPr>
-            <a:normAutofit fontScale="90000"/>
-          </a:bodyPr>
-          <a:lstStyle/>
-          <a:p>
-            <a:pPr algn="ctr"/>
-            <a:r>
-              <a:rPr lang="en-US" altLang="zh-CN" sz="3200" b="1" dirty="0">
-                <a:latin typeface="Calibri" panose="020F0502020204030204" pitchFamily="34" charset="0"/>
-                <a:cs typeface="Calibri" panose="020F0502020204030204" pitchFamily="34" charset="0"/>
-              </a:rPr>
-              <a:t>SQL</a:t>
-            </a:r>
-            <a:endParaRPr lang="en-US" altLang="zh-CN" sz="3200" b="1" dirty="0">
-              <a:latin typeface="Calibri" panose="020F0502020204030204" pitchFamily="34" charset="0"/>
-              <a:cs typeface="Calibri" panose="020F0502020204030204" pitchFamily="34" charset="0"/>
-            </a:endParaRPr>
-          </a:p>
-        </p:txBody>
-      </p:sp>
-      <p:sp>
-        <p:nvSpPr>
-          <p:cNvPr id="3" name="Content Placeholder 2"/>
-          <p:cNvSpPr>
-            <a:spLocks noGrp="1"/>
-          </p:cNvSpPr>
-          <p:nvPr>
-            <p:ph idx="1"/>
-          </p:nvPr>
-        </p:nvSpPr>
-        <p:spPr>
-          <a:xfrm>
-            <a:off x="628650" y="989044"/>
-            <a:ext cx="7886700" cy="5605719"/>
-          </a:xfrm>
-        </p:spPr>
-        <p:txBody>
-          <a:bodyPr>
-            <a:normAutofit/>
-          </a:bodyPr>
-          <a:lstStyle/>
-          <a:p>
-            <a:pPr defTabSz="342900">
-              <a:lnSpc>
-                <a:spcPct val="120000"/>
-              </a:lnSpc>
-            </a:pPr>
-            <a:r>
-              <a:rPr lang="en-US" altLang="zh-CN" sz="1775" dirty="0">
-                <a:solidFill>
-                  <a:srgbClr val="262626"/>
-                </a:solidFill>
-                <a:sym typeface="+mn-ea"/>
-              </a:rPr>
-              <a:t>RIGHT JOIN</a:t>
-            </a:r>
-            <a:r>
-              <a:rPr lang="en-US" altLang="zh-CN" sz="1780" dirty="0">
-                <a:solidFill>
-                  <a:srgbClr val="262626"/>
-                </a:solidFill>
-              </a:rPr>
-              <a:t> </a:t>
-            </a:r>
-            <a:endParaRPr lang="en-US" altLang="zh-CN" sz="1780" dirty="0">
-              <a:solidFill>
-                <a:srgbClr val="262626"/>
-              </a:solidFill>
-            </a:endParaRPr>
-          </a:p>
-          <a:p>
-            <a:pPr defTabSz="342900">
-              <a:lnSpc>
-                <a:spcPct val="120000"/>
-              </a:lnSpc>
-            </a:pPr>
-            <a:r>
-              <a:rPr lang="en-US" altLang="zh-CN" sz="1780" dirty="0">
-                <a:solidFill>
-                  <a:srgbClr val="262626"/>
-                </a:solidFill>
-              </a:rPr>
-              <a:t>SELECT Student.NAME,StudentCourse.COURSE_ID </a:t>
-            </a:r>
-            <a:endParaRPr lang="en-US" altLang="zh-CN" sz="1780" dirty="0">
-              <a:solidFill>
-                <a:srgbClr val="262626"/>
-              </a:solidFill>
-            </a:endParaRPr>
-          </a:p>
-          <a:p>
-            <a:pPr defTabSz="342900">
-              <a:lnSpc>
-                <a:spcPct val="120000"/>
-              </a:lnSpc>
-            </a:pPr>
-            <a:r>
-              <a:rPr lang="en-US" altLang="zh-CN" sz="1780" dirty="0">
-                <a:solidFill>
-                  <a:srgbClr val="262626"/>
-                </a:solidFill>
-              </a:rPr>
-              <a:t>FROM Student</a:t>
-            </a:r>
-            <a:endParaRPr lang="en-US" altLang="zh-CN" sz="1780" dirty="0">
-              <a:solidFill>
-                <a:srgbClr val="262626"/>
-              </a:solidFill>
-            </a:endParaRPr>
-          </a:p>
-          <a:p>
-            <a:pPr defTabSz="342900">
-              <a:lnSpc>
-                <a:spcPct val="120000"/>
-              </a:lnSpc>
-            </a:pPr>
-            <a:r>
-              <a:rPr lang="en-US" altLang="zh-CN" sz="1780" dirty="0">
-                <a:solidFill>
-                  <a:srgbClr val="262626"/>
-                </a:solidFill>
-              </a:rPr>
-              <a:t>RIGHT JOIN StudentCourse </a:t>
-            </a:r>
-            <a:endParaRPr lang="en-US" altLang="zh-CN" sz="1780" dirty="0">
-              <a:solidFill>
-                <a:srgbClr val="262626"/>
-              </a:solidFill>
-            </a:endParaRPr>
-          </a:p>
-          <a:p>
-            <a:pPr defTabSz="342900">
-              <a:lnSpc>
-                <a:spcPct val="120000"/>
-              </a:lnSpc>
-            </a:pPr>
-            <a:r>
-              <a:rPr lang="en-US" altLang="zh-CN" sz="1780" dirty="0">
-                <a:solidFill>
-                  <a:srgbClr val="262626"/>
-                </a:solidFill>
-              </a:rPr>
-              <a:t>ON StudentCourse.ROLL_NO = Student.ROLL_NO;</a:t>
-            </a:r>
-            <a:endParaRPr lang="en-US" altLang="zh-CN" sz="1780" dirty="0">
-              <a:solidFill>
-                <a:srgbClr val="262626"/>
-              </a:solidFill>
-            </a:endParaRPr>
-          </a:p>
-        </p:txBody>
-      </p:sp>
-      <p:pic>
-        <p:nvPicPr>
-          <p:cNvPr id="5" name="图片 4"/>
-          <p:cNvPicPr>
-            <a:picLocks noChangeAspect="1"/>
-          </p:cNvPicPr>
-          <p:nvPr/>
-        </p:nvPicPr>
-        <p:blipFill>
-          <a:blip r:embed="rId1"/>
-          <a:stretch>
-            <a:fillRect/>
-          </a:stretch>
-        </p:blipFill>
-        <p:spPr>
-          <a:xfrm>
-            <a:off x="628650" y="4093210"/>
-            <a:ext cx="2672715" cy="1949450"/>
-          </a:xfrm>
-          <a:prstGeom prst="rect">
-            <a:avLst/>
-          </a:prstGeom>
-        </p:spPr>
-      </p:pic>
-      <p:pic>
-        <p:nvPicPr>
-          <p:cNvPr id="6" name="图片 5"/>
-          <p:cNvPicPr>
-            <a:picLocks noChangeAspect="1"/>
-          </p:cNvPicPr>
-          <p:nvPr/>
-        </p:nvPicPr>
-        <p:blipFill>
-          <a:blip r:embed="rId2"/>
-          <a:stretch>
-            <a:fillRect/>
-          </a:stretch>
-        </p:blipFill>
-        <p:spPr>
-          <a:xfrm>
-            <a:off x="4206875" y="3663950"/>
-            <a:ext cx="3326130" cy="2807335"/>
-          </a:xfrm>
-          <a:prstGeom prst="rect">
-            <a:avLst/>
-          </a:prstGeom>
-        </p:spPr>
-      </p:pic>
-    </p:spTree>
-  </p:cSld>
-  <p:clrMapOvr>
-    <a:masterClrMapping/>
-  </p:clrMapOvr>
-</p:sld>
-</file>
-
-<file path=ppt/slides/slide24.xml><?xml version="1.0" encoding="utf-8"?>
-<p:sld xmlns:a="http://schemas.openxmlformats.org/drawingml/2006/main" xmlns:r="http://schemas.openxmlformats.org/officeDocument/2006/relationships" xmlns:p="http://schemas.openxmlformats.org/presentationml/2006/main">
-  <p:cSld>
-    <p:spTree>
-      <p:nvGrpSpPr>
-        <p:cNvPr id="1" name=""/>
-        <p:cNvGrpSpPr/>
-        <p:nvPr/>
-      </p:nvGrpSpPr>
-      <p:grpSpPr>
-        <a:xfrm>
-          <a:off x="0" y="0"/>
-          <a:ext cx="0" cy="0"/>
-          <a:chOff x="0" y="0"/>
-          <a:chExt cx="0" cy="0"/>
-        </a:xfrm>
-      </p:grpSpPr>
-      <p:sp>
-        <p:nvSpPr>
-          <p:cNvPr id="2" name="Title 1"/>
-          <p:cNvSpPr>
-            <a:spLocks noGrp="1"/>
-          </p:cNvSpPr>
-          <p:nvPr>
-            <p:ph type="title"/>
-          </p:nvPr>
-        </p:nvSpPr>
-        <p:spPr>
-          <a:xfrm>
-            <a:off x="628650" y="155263"/>
-            <a:ext cx="7886700" cy="526790"/>
-          </a:xfrm>
-        </p:spPr>
-        <p:txBody>
-          <a:bodyPr>
-            <a:normAutofit fontScale="90000"/>
-          </a:bodyPr>
-          <a:lstStyle/>
-          <a:p>
-            <a:pPr algn="ctr"/>
-            <a:r>
-              <a:rPr lang="en-US" altLang="zh-CN" sz="3200" b="1" dirty="0">
-                <a:latin typeface="Calibri" panose="020F0502020204030204" pitchFamily="34" charset="0"/>
-                <a:cs typeface="Calibri" panose="020F0502020204030204" pitchFamily="34" charset="0"/>
-              </a:rPr>
-              <a:t>SQL</a:t>
-            </a:r>
-            <a:endParaRPr lang="en-US" altLang="zh-CN" sz="3200" b="1" dirty="0">
-              <a:latin typeface="Calibri" panose="020F0502020204030204" pitchFamily="34" charset="0"/>
-              <a:cs typeface="Calibri" panose="020F0502020204030204" pitchFamily="34" charset="0"/>
-            </a:endParaRPr>
-          </a:p>
-        </p:txBody>
-      </p:sp>
-      <p:sp>
-        <p:nvSpPr>
-          <p:cNvPr id="3" name="Content Placeholder 2"/>
-          <p:cNvSpPr>
-            <a:spLocks noGrp="1"/>
-          </p:cNvSpPr>
-          <p:nvPr>
-            <p:ph idx="1"/>
-          </p:nvPr>
-        </p:nvSpPr>
-        <p:spPr>
-          <a:xfrm>
-            <a:off x="628650" y="989044"/>
-            <a:ext cx="7886700" cy="5605719"/>
-          </a:xfrm>
-        </p:spPr>
-        <p:txBody>
-          <a:bodyPr>
-            <a:normAutofit/>
-          </a:bodyPr>
-          <a:lstStyle/>
-          <a:p>
-            <a:pPr defTabSz="342900">
-              <a:lnSpc>
-                <a:spcPct val="120000"/>
-              </a:lnSpc>
-            </a:pPr>
-            <a:r>
-              <a:rPr lang="en-US" altLang="zh-CN" sz="1775" dirty="0">
-                <a:solidFill>
-                  <a:srgbClr val="262626"/>
-                </a:solidFill>
-                <a:sym typeface="+mn-ea"/>
-              </a:rPr>
-              <a:t>Full JOIN</a:t>
-            </a:r>
-            <a:r>
-              <a:rPr lang="en-US" altLang="zh-CN" sz="1780" dirty="0">
-                <a:solidFill>
-                  <a:srgbClr val="262626"/>
-                </a:solidFill>
-              </a:rPr>
-              <a:t> </a:t>
-            </a:r>
-            <a:endParaRPr lang="en-US" altLang="zh-CN" sz="1780" dirty="0">
-              <a:solidFill>
-                <a:srgbClr val="262626"/>
-              </a:solidFill>
-            </a:endParaRPr>
-          </a:p>
-          <a:p>
-            <a:pPr defTabSz="342900">
-              <a:lnSpc>
-                <a:spcPct val="120000"/>
-              </a:lnSpc>
-            </a:pPr>
-            <a:r>
-              <a:rPr lang="en-US" altLang="zh-CN" sz="1780" dirty="0">
-                <a:solidFill>
-                  <a:srgbClr val="262626"/>
-                </a:solidFill>
-              </a:rPr>
-              <a:t>SELECT Student.NAME,StudentCourse.COURSE_ID </a:t>
-            </a:r>
-            <a:endParaRPr lang="en-US" altLang="zh-CN" sz="1780" dirty="0">
-              <a:solidFill>
-                <a:srgbClr val="262626"/>
-              </a:solidFill>
-            </a:endParaRPr>
-          </a:p>
-          <a:p>
-            <a:pPr defTabSz="342900">
-              <a:lnSpc>
-                <a:spcPct val="120000"/>
-              </a:lnSpc>
-            </a:pPr>
-            <a:r>
-              <a:rPr lang="en-US" altLang="zh-CN" sz="1780" dirty="0">
-                <a:solidFill>
-                  <a:srgbClr val="262626"/>
-                </a:solidFill>
-              </a:rPr>
-              <a:t>FROM Student</a:t>
-            </a:r>
-            <a:endParaRPr lang="en-US" altLang="zh-CN" sz="1780" dirty="0">
-              <a:solidFill>
-                <a:srgbClr val="262626"/>
-              </a:solidFill>
-            </a:endParaRPr>
-          </a:p>
-          <a:p>
-            <a:pPr defTabSz="342900">
-              <a:lnSpc>
-                <a:spcPct val="120000"/>
-              </a:lnSpc>
-            </a:pPr>
-            <a:r>
-              <a:rPr lang="en-US" altLang="zh-CN" sz="1780" dirty="0">
-                <a:solidFill>
-                  <a:srgbClr val="262626"/>
-                </a:solidFill>
-              </a:rPr>
-              <a:t>FULL JOIN StudentCourse </a:t>
-            </a:r>
-            <a:endParaRPr lang="en-US" altLang="zh-CN" sz="1780" dirty="0">
-              <a:solidFill>
-                <a:srgbClr val="262626"/>
-              </a:solidFill>
-            </a:endParaRPr>
-          </a:p>
-          <a:p>
-            <a:pPr defTabSz="342900">
-              <a:lnSpc>
-                <a:spcPct val="120000"/>
-              </a:lnSpc>
-            </a:pPr>
-            <a:r>
-              <a:rPr lang="en-US" altLang="zh-CN" sz="1780" dirty="0">
-                <a:solidFill>
-                  <a:srgbClr val="262626"/>
-                </a:solidFill>
-              </a:rPr>
-              <a:t>ON StudentCourse.ROLL_NO = Student.ROLL_NO;</a:t>
-            </a:r>
-            <a:endParaRPr lang="en-US" altLang="zh-CN" sz="1780" dirty="0">
-              <a:solidFill>
-                <a:srgbClr val="262626"/>
-              </a:solidFill>
-            </a:endParaRPr>
-          </a:p>
-        </p:txBody>
-      </p:sp>
-      <p:pic>
-        <p:nvPicPr>
-          <p:cNvPr id="8" name="图片 7"/>
-          <p:cNvPicPr>
-            <a:picLocks noChangeAspect="1"/>
-          </p:cNvPicPr>
-          <p:nvPr/>
-        </p:nvPicPr>
-        <p:blipFill>
-          <a:blip r:embed="rId1"/>
-          <a:stretch>
-            <a:fillRect/>
-          </a:stretch>
-        </p:blipFill>
-        <p:spPr>
-          <a:xfrm>
-            <a:off x="628650" y="4012565"/>
-            <a:ext cx="2905125" cy="1949450"/>
-          </a:xfrm>
-          <a:prstGeom prst="rect">
-            <a:avLst/>
-          </a:prstGeom>
-        </p:spPr>
-      </p:pic>
-      <p:pic>
-        <p:nvPicPr>
-          <p:cNvPr id="4" name="图片 3" descr="table7"/>
-          <p:cNvPicPr>
-            <a:picLocks noChangeAspect="1"/>
-          </p:cNvPicPr>
-          <p:nvPr/>
-        </p:nvPicPr>
-        <p:blipFill>
-          <a:blip r:embed="rId2"/>
-          <a:stretch>
-            <a:fillRect/>
-          </a:stretch>
-        </p:blipFill>
-        <p:spPr>
-          <a:xfrm>
-            <a:off x="5284470" y="3387725"/>
-            <a:ext cx="2796540" cy="3198495"/>
-          </a:xfrm>
-          <a:prstGeom prst="rect">
-            <a:avLst/>
-          </a:prstGeom>
-        </p:spPr>
-      </p:pic>
-    </p:spTree>
-  </p:cSld>
-  <p:clrMapOvr>
-    <a:masterClrMapping/>
-  </p:clrMapOvr>
-</p:sld>
-</file>
-
-<file path=ppt/slides/slide25.xml><?xml version="1.0" encoding="utf-8"?>
-<p:sld xmlns:a="http://schemas.openxmlformats.org/drawingml/2006/main" xmlns:r="http://schemas.openxmlformats.org/officeDocument/2006/relationships" xmlns:p="http://schemas.openxmlformats.org/presentationml/2006/main">
-  <p:cSld>
-    <p:spTree>
-      <p:nvGrpSpPr>
-        <p:cNvPr id="1" name=""/>
-        <p:cNvGrpSpPr/>
-        <p:nvPr/>
-      </p:nvGrpSpPr>
-      <p:grpSpPr>
-        <a:xfrm>
-          <a:off x="0" y="0"/>
-          <a:ext cx="0" cy="0"/>
-          <a:chOff x="0" y="0"/>
-          <a:chExt cx="0" cy="0"/>
-        </a:xfrm>
-      </p:grpSpPr>
-      <p:sp>
-        <p:nvSpPr>
-          <p:cNvPr id="2" name="Title 1"/>
-          <p:cNvSpPr>
-            <a:spLocks noGrp="1"/>
-          </p:cNvSpPr>
-          <p:nvPr>
-            <p:ph type="title"/>
-          </p:nvPr>
-        </p:nvSpPr>
-        <p:spPr>
-          <a:xfrm>
-            <a:off x="628650" y="155263"/>
-            <a:ext cx="7886700" cy="526790"/>
-          </a:xfrm>
-        </p:spPr>
-        <p:txBody>
-          <a:bodyPr>
-            <a:normAutofit fontScale="90000"/>
-          </a:bodyPr>
-          <a:lstStyle/>
-          <a:p>
-            <a:pPr algn="ctr"/>
-            <a:r>
-              <a:rPr lang="en-US" sz="3200" b="1" dirty="0">
-                <a:latin typeface="Calibri" panose="020F0502020204030204" pitchFamily="34" charset="0"/>
-                <a:cs typeface="Calibri" panose="020F0502020204030204" pitchFamily="34" charset="0"/>
-              </a:rPr>
-              <a:t>DataBase Design</a:t>
-            </a:r>
-            <a:endParaRPr lang="en-US" sz="3200" b="1" dirty="0">
-              <a:latin typeface="Calibri" panose="020F0502020204030204" pitchFamily="34" charset="0"/>
-              <a:cs typeface="Calibri" panose="020F0502020204030204" pitchFamily="34" charset="0"/>
-            </a:endParaRPr>
-          </a:p>
-        </p:txBody>
-      </p:sp>
-      <p:sp>
-        <p:nvSpPr>
-          <p:cNvPr id="3" name="Content Placeholder 2"/>
-          <p:cNvSpPr>
-            <a:spLocks noGrp="1"/>
-          </p:cNvSpPr>
-          <p:nvPr>
-            <p:ph idx="1"/>
-          </p:nvPr>
-        </p:nvSpPr>
-        <p:spPr>
-          <a:xfrm>
-            <a:off x="628650" y="989044"/>
-            <a:ext cx="7886700" cy="5605719"/>
-          </a:xfrm>
-        </p:spPr>
-        <p:txBody>
-          <a:bodyPr>
-            <a:normAutofit lnSpcReduction="10000"/>
-          </a:bodyPr>
-          <a:lstStyle/>
-          <a:p>
-            <a:pPr marL="228600" lvl="0" indent="-228600" defTabSz="342900">
-              <a:lnSpc>
-                <a:spcPct val="120000"/>
-              </a:lnSpc>
-              <a:buFont typeface="Arial" panose="020B0604020202020204" pitchFamily="34" charset="0"/>
-              <a:buChar char="•"/>
-            </a:pPr>
-            <a:r>
-              <a:rPr lang="en-US" altLang="en-US" sz="1540" dirty="0">
-                <a:solidFill>
-                  <a:srgbClr val="262626"/>
-                </a:solidFill>
-              </a:rPr>
-              <a:t>1NF 2NF 3NF:</a:t>
-            </a:r>
-            <a:endParaRPr lang="en-US" altLang="en-US" sz="1540" dirty="0">
-              <a:solidFill>
-                <a:srgbClr val="262626"/>
-              </a:solidFill>
-            </a:endParaRPr>
-          </a:p>
-          <a:p>
-            <a:pPr marL="228600" lvl="0" indent="-228600" defTabSz="342900">
-              <a:lnSpc>
-                <a:spcPct val="120000"/>
-              </a:lnSpc>
-              <a:buFont typeface="Arial" panose="020B0604020202020204" pitchFamily="34" charset="0"/>
-              <a:buChar char="•"/>
-            </a:pPr>
-            <a:endParaRPr lang="en-US" altLang="en-US" sz="1540" dirty="0">
-              <a:solidFill>
-                <a:srgbClr val="262626"/>
-              </a:solidFill>
-            </a:endParaRPr>
-          </a:p>
-          <a:p>
-            <a:pPr marL="228600" lvl="0" indent="-228600" defTabSz="342900">
-              <a:lnSpc>
-                <a:spcPct val="120000"/>
-              </a:lnSpc>
-              <a:buFont typeface="Arial" panose="020B0604020202020204" pitchFamily="34" charset="0"/>
-              <a:buChar char="•"/>
-            </a:pPr>
-            <a:endParaRPr lang="en-US" altLang="en-US" sz="1540" dirty="0">
-              <a:solidFill>
-                <a:srgbClr val="262626"/>
-              </a:solidFill>
-            </a:endParaRPr>
-          </a:p>
-          <a:p>
-            <a:pPr marL="228600" lvl="0" indent="-228600" defTabSz="342900">
-              <a:lnSpc>
-                <a:spcPct val="120000"/>
-              </a:lnSpc>
-              <a:buFont typeface="Arial" panose="020B0604020202020204" pitchFamily="34" charset="0"/>
-              <a:buChar char="•"/>
-            </a:pPr>
-            <a:endParaRPr lang="en-US" altLang="en-US" sz="1540" dirty="0">
-              <a:solidFill>
-                <a:srgbClr val="262626"/>
-              </a:solidFill>
-            </a:endParaRPr>
-          </a:p>
-          <a:p>
-            <a:pPr marL="228600" lvl="0" indent="-228600" defTabSz="342900">
-              <a:lnSpc>
-                <a:spcPct val="120000"/>
-              </a:lnSpc>
-              <a:buFont typeface="Arial" panose="020B0604020202020204" pitchFamily="34" charset="0"/>
-              <a:buChar char="•"/>
-            </a:pPr>
-            <a:endParaRPr lang="en-US" altLang="en-US" sz="1540" dirty="0">
-              <a:solidFill>
-                <a:srgbClr val="262626"/>
-              </a:solidFill>
-            </a:endParaRPr>
-          </a:p>
-          <a:p>
-            <a:pPr marL="228600" lvl="0" indent="-228600" defTabSz="342900">
-              <a:lnSpc>
-                <a:spcPct val="120000"/>
-              </a:lnSpc>
-              <a:buFont typeface="Arial" panose="020B0604020202020204" pitchFamily="34" charset="0"/>
-              <a:buChar char="•"/>
-            </a:pPr>
-            <a:endParaRPr lang="en-US" altLang="en-US" sz="1540" dirty="0">
-              <a:solidFill>
-                <a:srgbClr val="262626"/>
-              </a:solidFill>
-            </a:endParaRPr>
-          </a:p>
-          <a:p>
-            <a:pPr marL="228600" lvl="0" indent="-228600" defTabSz="342900">
-              <a:lnSpc>
-                <a:spcPct val="120000"/>
-              </a:lnSpc>
-              <a:buFont typeface="Arial" panose="020B0604020202020204" pitchFamily="34" charset="0"/>
-              <a:buChar char="•"/>
-            </a:pPr>
-            <a:endParaRPr lang="en-US" altLang="en-US" sz="1540" dirty="0">
-              <a:solidFill>
-                <a:srgbClr val="262626"/>
-              </a:solidFill>
-            </a:endParaRPr>
-          </a:p>
-          <a:p>
-            <a:pPr marL="228600" lvl="0" indent="-228600" defTabSz="342900">
-              <a:lnSpc>
-                <a:spcPct val="120000"/>
-              </a:lnSpc>
-              <a:buFont typeface="Arial" panose="020B0604020202020204" pitchFamily="34" charset="0"/>
-              <a:buChar char="•"/>
-            </a:pPr>
-            <a:r>
-              <a:rPr lang="en-US" altLang="en-US" sz="1540" dirty="0">
-                <a:solidFill>
-                  <a:srgbClr val="262626"/>
-                </a:solidFill>
-              </a:rPr>
-              <a:t>1NF:</a:t>
-            </a:r>
-            <a:r>
-              <a:rPr lang="en-US" altLang="en-US" sz="1535" dirty="0">
-                <a:solidFill>
-                  <a:srgbClr val="262626"/>
-                </a:solidFill>
-                <a:sym typeface="+mn-ea"/>
-              </a:rPr>
-              <a:t> Each table cell should contain a single value.</a:t>
-            </a:r>
-            <a:endParaRPr lang="en-US" altLang="en-US" sz="1540" dirty="0">
-              <a:solidFill>
-                <a:srgbClr val="262626"/>
-              </a:solidFill>
-            </a:endParaRPr>
-          </a:p>
-          <a:p>
-            <a:pPr marL="228600" lvl="0" indent="-228600" defTabSz="342900">
-              <a:lnSpc>
-                <a:spcPct val="120000"/>
-              </a:lnSpc>
-              <a:buFont typeface="Arial" panose="020B0604020202020204" pitchFamily="34" charset="0"/>
-              <a:buChar char="•"/>
-            </a:pPr>
-            <a:endParaRPr lang="en-US" altLang="en-US" sz="1540" dirty="0">
-              <a:solidFill>
-                <a:srgbClr val="262626"/>
-              </a:solidFill>
-            </a:endParaRPr>
-          </a:p>
-          <a:p>
-            <a:pPr marL="228600" lvl="0" indent="-228600" defTabSz="342900">
-              <a:lnSpc>
-                <a:spcPct val="120000"/>
-              </a:lnSpc>
-              <a:buFont typeface="Arial" panose="020B0604020202020204" pitchFamily="34" charset="0"/>
-              <a:buChar char="•"/>
-            </a:pPr>
-            <a:endParaRPr lang="en-US" altLang="en-US" sz="1540" dirty="0">
-              <a:solidFill>
-                <a:srgbClr val="262626"/>
-              </a:solidFill>
-            </a:endParaRPr>
-          </a:p>
-          <a:p>
-            <a:pPr marL="228600" lvl="0" indent="-228600" defTabSz="342900">
-              <a:lnSpc>
-                <a:spcPct val="120000"/>
-              </a:lnSpc>
-              <a:buFont typeface="Arial" panose="020B0604020202020204" pitchFamily="34" charset="0"/>
-              <a:buChar char="•"/>
-            </a:pPr>
-            <a:endParaRPr lang="en-US" altLang="en-US" sz="1540" dirty="0">
-              <a:solidFill>
-                <a:srgbClr val="262626"/>
-              </a:solidFill>
-            </a:endParaRPr>
-          </a:p>
-          <a:p>
-            <a:pPr marL="228600" lvl="0" indent="-228600" defTabSz="342900">
-              <a:lnSpc>
-                <a:spcPct val="120000"/>
-              </a:lnSpc>
-              <a:buFont typeface="Arial" panose="020B0604020202020204" pitchFamily="34" charset="0"/>
-              <a:buChar char="•"/>
-            </a:pPr>
-            <a:endParaRPr lang="en-US" altLang="en-US" sz="1540" dirty="0">
-              <a:solidFill>
-                <a:srgbClr val="262626"/>
-              </a:solidFill>
-            </a:endParaRPr>
-          </a:p>
-          <a:p>
-            <a:pPr marL="228600" lvl="0" indent="-228600" defTabSz="342900">
-              <a:lnSpc>
-                <a:spcPct val="120000"/>
-              </a:lnSpc>
-              <a:buFont typeface="Arial" panose="020B0604020202020204" pitchFamily="34" charset="0"/>
-              <a:buChar char="•"/>
-            </a:pPr>
-            <a:endParaRPr lang="en-US" altLang="en-US" sz="1540" dirty="0">
-              <a:solidFill>
-                <a:srgbClr val="262626"/>
-              </a:solidFill>
-            </a:endParaRPr>
-          </a:p>
-          <a:p>
-            <a:pPr marL="0" lvl="0" indent="0" defTabSz="342900">
-              <a:lnSpc>
-                <a:spcPct val="120000"/>
-              </a:lnSpc>
-              <a:buFont typeface="Arial" panose="020B0604020202020204" pitchFamily="34" charset="0"/>
-              <a:buNone/>
-            </a:pPr>
-            <a:endParaRPr lang="en-US" altLang="en-US" sz="1540" dirty="0">
-              <a:solidFill>
-                <a:srgbClr val="262626"/>
-              </a:solidFill>
-            </a:endParaRPr>
-          </a:p>
-        </p:txBody>
-      </p:sp>
-      <p:pic>
-        <p:nvPicPr>
-          <p:cNvPr id="4" name="图片 3"/>
-          <p:cNvPicPr>
-            <a:picLocks noChangeAspect="1"/>
-          </p:cNvPicPr>
-          <p:nvPr/>
-        </p:nvPicPr>
-        <p:blipFill>
-          <a:blip r:embed="rId1"/>
-          <a:stretch>
-            <a:fillRect/>
-          </a:stretch>
-        </p:blipFill>
-        <p:spPr>
-          <a:xfrm>
-            <a:off x="750570" y="1297305"/>
-            <a:ext cx="7134225" cy="2486025"/>
-          </a:xfrm>
-          <a:prstGeom prst="rect">
-            <a:avLst/>
-          </a:prstGeom>
-        </p:spPr>
-      </p:pic>
-      <p:pic>
-        <p:nvPicPr>
-          <p:cNvPr id="5" name="图片 4"/>
-          <p:cNvPicPr>
-            <a:picLocks noChangeAspect="1"/>
-          </p:cNvPicPr>
-          <p:nvPr/>
-        </p:nvPicPr>
-        <p:blipFill>
-          <a:blip r:embed="rId2"/>
-          <a:stretch>
-            <a:fillRect/>
-          </a:stretch>
-        </p:blipFill>
-        <p:spPr>
-          <a:xfrm>
-            <a:off x="750570" y="4067175"/>
-            <a:ext cx="7038975" cy="2790825"/>
-          </a:xfrm>
-          <a:prstGeom prst="rect">
-            <a:avLst/>
-          </a:prstGeom>
-        </p:spPr>
-      </p:pic>
-    </p:spTree>
-  </p:cSld>
-  <p:clrMapOvr>
-    <a:masterClrMapping/>
-  </p:clrMapOvr>
-</p:sld>
-</file>
-
-<file path=ppt/slides/slide26.xml><?xml version="1.0" encoding="utf-8"?>
-<p:sld xmlns:a="http://schemas.openxmlformats.org/drawingml/2006/main" xmlns:r="http://schemas.openxmlformats.org/officeDocument/2006/relationships" xmlns:p="http://schemas.openxmlformats.org/presentationml/2006/main">
-  <p:cSld>
-    <p:spTree>
-      <p:nvGrpSpPr>
-        <p:cNvPr id="1" name=""/>
-        <p:cNvGrpSpPr/>
-        <p:nvPr/>
-      </p:nvGrpSpPr>
-      <p:grpSpPr>
-        <a:xfrm>
-          <a:off x="0" y="0"/>
-          <a:ext cx="0" cy="0"/>
-          <a:chOff x="0" y="0"/>
-          <a:chExt cx="0" cy="0"/>
-        </a:xfrm>
-      </p:grpSpPr>
-      <p:sp>
-        <p:nvSpPr>
-          <p:cNvPr id="2" name="Title 1"/>
-          <p:cNvSpPr>
-            <a:spLocks noGrp="1"/>
-          </p:cNvSpPr>
-          <p:nvPr>
-            <p:ph type="title"/>
-          </p:nvPr>
-        </p:nvSpPr>
-        <p:spPr>
-          <a:xfrm>
-            <a:off x="628650" y="155263"/>
-            <a:ext cx="7886700" cy="526790"/>
-          </a:xfrm>
-        </p:spPr>
-        <p:txBody>
-          <a:bodyPr>
-            <a:normAutofit fontScale="90000"/>
-          </a:bodyPr>
-          <a:lstStyle/>
-          <a:p>
-            <a:pPr algn="ctr"/>
-            <a:r>
-              <a:rPr lang="en-US" sz="3200" b="1" dirty="0">
-                <a:latin typeface="Calibri" panose="020F0502020204030204" pitchFamily="34" charset="0"/>
-                <a:cs typeface="Calibri" panose="020F0502020204030204" pitchFamily="34" charset="0"/>
-              </a:rPr>
-              <a:t>DataBase Design</a:t>
-            </a:r>
-            <a:endParaRPr lang="en-US" sz="3200" b="1" dirty="0">
-              <a:latin typeface="Calibri" panose="020F0502020204030204" pitchFamily="34" charset="0"/>
-              <a:cs typeface="Calibri" panose="020F0502020204030204" pitchFamily="34" charset="0"/>
-            </a:endParaRPr>
-          </a:p>
-        </p:txBody>
-      </p:sp>
-      <p:sp>
-        <p:nvSpPr>
-          <p:cNvPr id="3" name="Content Placeholder 2"/>
-          <p:cNvSpPr>
-            <a:spLocks noGrp="1"/>
-          </p:cNvSpPr>
-          <p:nvPr>
-            <p:ph idx="1"/>
-          </p:nvPr>
-        </p:nvSpPr>
-        <p:spPr>
-          <a:xfrm>
-            <a:off x="628650" y="989044"/>
-            <a:ext cx="7886700" cy="5605719"/>
-          </a:xfrm>
-        </p:spPr>
-        <p:txBody>
-          <a:bodyPr>
-            <a:normAutofit lnSpcReduction="10000"/>
-          </a:bodyPr>
-          <a:lstStyle/>
-          <a:p>
-            <a:pPr marL="228600" lvl="0" indent="-228600" defTabSz="342900">
-              <a:lnSpc>
-                <a:spcPct val="120000"/>
-              </a:lnSpc>
-              <a:buFont typeface="Arial" panose="020B0604020202020204" pitchFamily="34" charset="0"/>
-              <a:buChar char="•"/>
-            </a:pPr>
-            <a:r>
-              <a:rPr lang="en-US" altLang="en-US" sz="1540" dirty="0">
-                <a:solidFill>
-                  <a:srgbClr val="262626"/>
-                </a:solidFill>
-              </a:rPr>
-              <a:t>2NF: Single Column Primary Key</a:t>
-            </a:r>
-            <a:endParaRPr lang="en-US" altLang="en-US" sz="1540" dirty="0">
-              <a:solidFill>
-                <a:srgbClr val="262626"/>
-              </a:solidFill>
-            </a:endParaRPr>
-          </a:p>
-          <a:p>
-            <a:pPr marL="228600" lvl="0" indent="-228600" defTabSz="342900">
-              <a:lnSpc>
-                <a:spcPct val="120000"/>
-              </a:lnSpc>
-              <a:buFont typeface="Arial" panose="020B0604020202020204" pitchFamily="34" charset="0"/>
-              <a:buChar char="•"/>
-            </a:pPr>
-            <a:endParaRPr lang="en-US" altLang="en-US" sz="1540" dirty="0">
-              <a:solidFill>
-                <a:srgbClr val="262626"/>
-              </a:solidFill>
-            </a:endParaRPr>
-          </a:p>
-          <a:p>
-            <a:pPr marL="228600" lvl="0" indent="-228600" defTabSz="342900">
-              <a:lnSpc>
-                <a:spcPct val="120000"/>
-              </a:lnSpc>
-              <a:buFont typeface="Arial" panose="020B0604020202020204" pitchFamily="34" charset="0"/>
-              <a:buChar char="•"/>
-            </a:pPr>
-            <a:endParaRPr lang="en-US" altLang="en-US" sz="1540" dirty="0">
-              <a:solidFill>
-                <a:srgbClr val="262626"/>
-              </a:solidFill>
-            </a:endParaRPr>
-          </a:p>
-          <a:p>
-            <a:pPr marL="228600" lvl="0" indent="-228600" defTabSz="342900">
-              <a:lnSpc>
-                <a:spcPct val="120000"/>
-              </a:lnSpc>
-              <a:buFont typeface="Arial" panose="020B0604020202020204" pitchFamily="34" charset="0"/>
-              <a:buChar char="•"/>
-            </a:pPr>
-            <a:endParaRPr lang="en-US" altLang="en-US" sz="1540" dirty="0">
-              <a:solidFill>
-                <a:srgbClr val="262626"/>
-              </a:solidFill>
-            </a:endParaRPr>
-          </a:p>
-          <a:p>
-            <a:pPr marL="228600" lvl="0" indent="-228600" defTabSz="342900">
-              <a:lnSpc>
-                <a:spcPct val="120000"/>
-              </a:lnSpc>
-              <a:buFont typeface="Arial" panose="020B0604020202020204" pitchFamily="34" charset="0"/>
-              <a:buChar char="•"/>
-            </a:pPr>
-            <a:endParaRPr lang="en-US" altLang="en-US" sz="1540" dirty="0">
-              <a:solidFill>
-                <a:srgbClr val="262626"/>
-              </a:solidFill>
-            </a:endParaRPr>
-          </a:p>
-          <a:p>
-            <a:pPr marL="228600" lvl="0" indent="-228600" defTabSz="342900">
-              <a:lnSpc>
-                <a:spcPct val="120000"/>
-              </a:lnSpc>
-              <a:buFont typeface="Arial" panose="020B0604020202020204" pitchFamily="34" charset="0"/>
-              <a:buChar char="•"/>
-            </a:pPr>
-            <a:endParaRPr lang="en-US" altLang="en-US" sz="1540" dirty="0">
-              <a:solidFill>
-                <a:srgbClr val="262626"/>
-              </a:solidFill>
-            </a:endParaRPr>
-          </a:p>
-          <a:p>
-            <a:pPr marL="228600" lvl="0" indent="-228600" defTabSz="342900">
-              <a:lnSpc>
-                <a:spcPct val="120000"/>
-              </a:lnSpc>
-              <a:buFont typeface="Arial" panose="020B0604020202020204" pitchFamily="34" charset="0"/>
-              <a:buChar char="•"/>
-            </a:pPr>
-            <a:endParaRPr lang="en-US" altLang="en-US" sz="1540" dirty="0">
-              <a:solidFill>
-                <a:srgbClr val="262626"/>
-              </a:solidFill>
-            </a:endParaRPr>
-          </a:p>
-          <a:p>
-            <a:pPr marL="228600" lvl="0" indent="-228600" defTabSz="342900">
-              <a:lnSpc>
-                <a:spcPct val="120000"/>
-              </a:lnSpc>
-              <a:buFont typeface="Arial" panose="020B0604020202020204" pitchFamily="34" charset="0"/>
-              <a:buChar char="•"/>
-            </a:pPr>
-            <a:endParaRPr lang="en-US" altLang="en-US" sz="1540" dirty="0">
-              <a:solidFill>
-                <a:srgbClr val="262626"/>
-              </a:solidFill>
-            </a:endParaRPr>
-          </a:p>
-          <a:p>
-            <a:pPr marL="228600" lvl="0" indent="-228600" defTabSz="342900">
-              <a:lnSpc>
-                <a:spcPct val="120000"/>
-              </a:lnSpc>
-              <a:buFont typeface="Arial" panose="020B0604020202020204" pitchFamily="34" charset="0"/>
-              <a:buChar char="•"/>
-            </a:pPr>
-            <a:r>
-              <a:rPr lang="en-US" altLang="en-US" sz="1540" dirty="0">
-                <a:solidFill>
-                  <a:srgbClr val="262626"/>
-                </a:solidFill>
-              </a:rPr>
-              <a:t>3NF:     Has no transitive functional dependencies</a:t>
-            </a:r>
-            <a:endParaRPr lang="en-US" altLang="en-US" sz="1540" dirty="0">
-              <a:solidFill>
-                <a:srgbClr val="262626"/>
-              </a:solidFill>
-            </a:endParaRPr>
-          </a:p>
-          <a:p>
-            <a:pPr marL="228600" lvl="0" indent="-228600" defTabSz="342900">
-              <a:lnSpc>
-                <a:spcPct val="120000"/>
-              </a:lnSpc>
-              <a:buFont typeface="Arial" panose="020B0604020202020204" pitchFamily="34" charset="0"/>
-              <a:buChar char="•"/>
-            </a:pPr>
-            <a:r>
-              <a:rPr lang="en-US" altLang="en-US" sz="1540" dirty="0">
-                <a:solidFill>
-                  <a:srgbClr val="262626"/>
-                </a:solidFill>
-              </a:rPr>
-              <a:t>A transitive functional dependency is when changing a non-key column, might cause any of the other non-key columns to change </a:t>
-            </a:r>
-            <a:endParaRPr lang="en-US" altLang="en-US" sz="1540" dirty="0">
-              <a:solidFill>
-                <a:srgbClr val="262626"/>
-              </a:solidFill>
-            </a:endParaRPr>
-          </a:p>
-          <a:p>
-            <a:pPr marL="228600" lvl="0" indent="-228600" defTabSz="342900">
-              <a:lnSpc>
-                <a:spcPct val="120000"/>
-              </a:lnSpc>
-              <a:buFont typeface="Arial" panose="020B0604020202020204" pitchFamily="34" charset="0"/>
-              <a:buChar char="•"/>
-            </a:pPr>
-            <a:endParaRPr lang="en-US" altLang="en-US" sz="1540" dirty="0">
-              <a:solidFill>
-                <a:srgbClr val="262626"/>
-              </a:solidFill>
-            </a:endParaRPr>
-          </a:p>
-          <a:p>
-            <a:pPr marL="228600" lvl="0" indent="-228600" defTabSz="342900">
-              <a:lnSpc>
-                <a:spcPct val="120000"/>
-              </a:lnSpc>
-              <a:buFont typeface="Arial" panose="020B0604020202020204" pitchFamily="34" charset="0"/>
-              <a:buChar char="•"/>
-            </a:pPr>
-            <a:endParaRPr lang="en-US" altLang="en-US" sz="1540" dirty="0">
-              <a:solidFill>
-                <a:srgbClr val="262626"/>
-              </a:solidFill>
-            </a:endParaRPr>
-          </a:p>
-          <a:p>
-            <a:pPr marL="228600" lvl="0" indent="-228600" defTabSz="342900">
-              <a:lnSpc>
-                <a:spcPct val="120000"/>
-              </a:lnSpc>
-              <a:buFont typeface="Arial" panose="020B0604020202020204" pitchFamily="34" charset="0"/>
-              <a:buChar char="•"/>
-            </a:pPr>
-            <a:endParaRPr lang="en-US" altLang="en-US" sz="1540" dirty="0">
-              <a:solidFill>
-                <a:srgbClr val="262626"/>
-              </a:solidFill>
-            </a:endParaRPr>
-          </a:p>
-          <a:p>
-            <a:pPr marL="228600" lvl="0" indent="-228600" defTabSz="342900">
-              <a:lnSpc>
-                <a:spcPct val="120000"/>
-              </a:lnSpc>
-              <a:buFont typeface="Arial" panose="020B0604020202020204" pitchFamily="34" charset="0"/>
-              <a:buChar char="•"/>
-            </a:pPr>
-            <a:endParaRPr lang="en-US" altLang="en-US" sz="1540" dirty="0">
-              <a:solidFill>
-                <a:srgbClr val="262626"/>
-              </a:solidFill>
-            </a:endParaRPr>
-          </a:p>
-          <a:p>
-            <a:pPr marL="0" lvl="0" indent="0" defTabSz="342900">
-              <a:lnSpc>
-                <a:spcPct val="120000"/>
-              </a:lnSpc>
-              <a:buFont typeface="Arial" panose="020B0604020202020204" pitchFamily="34" charset="0"/>
-              <a:buNone/>
-            </a:pPr>
-            <a:endParaRPr lang="en-US" altLang="en-US" sz="1540" dirty="0">
-              <a:solidFill>
-                <a:srgbClr val="262626"/>
-              </a:solidFill>
-            </a:endParaRPr>
-          </a:p>
-        </p:txBody>
-      </p:sp>
-      <p:pic>
-        <p:nvPicPr>
-          <p:cNvPr id="6" name="图片 5"/>
-          <p:cNvPicPr>
-            <a:picLocks noChangeAspect="1"/>
-          </p:cNvPicPr>
-          <p:nvPr/>
-        </p:nvPicPr>
-        <p:blipFill>
-          <a:blip r:embed="rId1"/>
-          <a:stretch>
-            <a:fillRect/>
-          </a:stretch>
-        </p:blipFill>
-        <p:spPr>
-          <a:xfrm>
-            <a:off x="628650" y="1409065"/>
-            <a:ext cx="6124575" cy="2486025"/>
-          </a:xfrm>
-          <a:prstGeom prst="rect">
-            <a:avLst/>
-          </a:prstGeom>
-        </p:spPr>
-      </p:pic>
-      <p:pic>
-        <p:nvPicPr>
-          <p:cNvPr id="7" name="图片 6"/>
-          <p:cNvPicPr>
-            <a:picLocks noChangeAspect="1"/>
-          </p:cNvPicPr>
-          <p:nvPr/>
-        </p:nvPicPr>
-        <p:blipFill>
-          <a:blip r:embed="rId2"/>
-          <a:stretch>
-            <a:fillRect/>
-          </a:stretch>
-        </p:blipFill>
-        <p:spPr>
-          <a:xfrm>
-            <a:off x="628650" y="5222875"/>
-            <a:ext cx="6429375" cy="1209675"/>
-          </a:xfrm>
-          <a:prstGeom prst="rect">
-            <a:avLst/>
-          </a:prstGeom>
-        </p:spPr>
-      </p:pic>
-    </p:spTree>
-  </p:cSld>
-  <p:clrMapOvr>
-    <a:masterClrMapping/>
-  </p:clrMapOvr>
-</p:sld>
-</file>
-
-<file path=ppt/slides/slide27.xml><?xml version="1.0" encoding="utf-8"?>
-<p:sld xmlns:a="http://schemas.openxmlformats.org/drawingml/2006/main" xmlns:r="http://schemas.openxmlformats.org/officeDocument/2006/relationships" xmlns:p="http://schemas.openxmlformats.org/presentationml/2006/main">
-  <p:cSld>
-    <p:spTree>
-      <p:nvGrpSpPr>
-        <p:cNvPr id="1" name=""/>
-        <p:cNvGrpSpPr/>
-        <p:nvPr/>
-      </p:nvGrpSpPr>
-      <p:grpSpPr>
-        <a:xfrm>
-          <a:off x="0" y="0"/>
-          <a:ext cx="0" cy="0"/>
-          <a:chOff x="0" y="0"/>
-          <a:chExt cx="0" cy="0"/>
-        </a:xfrm>
-      </p:grpSpPr>
-      <p:sp>
-        <p:nvSpPr>
-          <p:cNvPr id="2" name="Title 1"/>
-          <p:cNvSpPr>
-            <a:spLocks noGrp="1"/>
-          </p:cNvSpPr>
-          <p:nvPr>
-            <p:ph type="title"/>
-          </p:nvPr>
-        </p:nvSpPr>
-        <p:spPr>
-          <a:xfrm>
-            <a:off x="628650" y="155263"/>
-            <a:ext cx="7886700" cy="526790"/>
-          </a:xfrm>
-        </p:spPr>
-        <p:txBody>
-          <a:bodyPr>
-            <a:normAutofit fontScale="90000"/>
-          </a:bodyPr>
-          <a:lstStyle/>
-          <a:p>
-            <a:pPr algn="ctr"/>
-            <a:r>
-              <a:rPr lang="en-US" sz="3200" b="1" dirty="0">
-                <a:latin typeface="Calibri" panose="020F0502020204030204" pitchFamily="34" charset="0"/>
-                <a:cs typeface="Calibri" panose="020F0502020204030204" pitchFamily="34" charset="0"/>
-              </a:rPr>
-              <a:t>DataBase Design</a:t>
-            </a:r>
-            <a:endParaRPr lang="en-US" sz="3200" b="1" dirty="0">
-              <a:latin typeface="Calibri" panose="020F0502020204030204" pitchFamily="34" charset="0"/>
-              <a:cs typeface="Calibri" panose="020F0502020204030204" pitchFamily="34" charset="0"/>
-            </a:endParaRPr>
-          </a:p>
-        </p:txBody>
-      </p:sp>
-      <p:sp>
-        <p:nvSpPr>
-          <p:cNvPr id="3" name="Content Placeholder 2"/>
-          <p:cNvSpPr>
-            <a:spLocks noGrp="1"/>
-          </p:cNvSpPr>
-          <p:nvPr>
-            <p:ph idx="1"/>
-          </p:nvPr>
-        </p:nvSpPr>
-        <p:spPr>
-          <a:xfrm>
-            <a:off x="628650" y="989044"/>
-            <a:ext cx="7886700" cy="5605719"/>
-          </a:xfrm>
-        </p:spPr>
-        <p:txBody>
-          <a:bodyPr>
-            <a:normAutofit lnSpcReduction="10000"/>
-          </a:bodyPr>
-          <a:lstStyle/>
-          <a:p>
-            <a:pPr marL="228600" lvl="0" indent="-228600" defTabSz="342900">
-              <a:lnSpc>
-                <a:spcPct val="120000"/>
-              </a:lnSpc>
-              <a:buFont typeface="Arial" panose="020B0604020202020204" pitchFamily="34" charset="0"/>
-              <a:buChar char="•"/>
-            </a:pPr>
-            <a:r>
-              <a:rPr lang="en-US" altLang="en-US" sz="1540" dirty="0">
-                <a:solidFill>
-                  <a:srgbClr val="262626"/>
-                </a:solidFill>
-              </a:rPr>
-              <a:t>3NF</a:t>
-            </a:r>
-            <a:endParaRPr lang="en-US" altLang="en-US" sz="1540" dirty="0">
-              <a:solidFill>
-                <a:srgbClr val="262626"/>
-              </a:solidFill>
-            </a:endParaRPr>
-          </a:p>
-          <a:p>
-            <a:pPr marL="228600" lvl="0" indent="-228600" defTabSz="342900">
-              <a:lnSpc>
-                <a:spcPct val="120000"/>
-              </a:lnSpc>
-              <a:buFont typeface="Arial" panose="020B0604020202020204" pitchFamily="34" charset="0"/>
-              <a:buChar char="•"/>
-            </a:pPr>
-            <a:endParaRPr lang="en-US" altLang="en-US" sz="1540" dirty="0">
-              <a:solidFill>
-                <a:srgbClr val="262626"/>
-              </a:solidFill>
-            </a:endParaRPr>
-          </a:p>
-          <a:p>
-            <a:pPr marL="228600" lvl="0" indent="-228600" defTabSz="342900">
-              <a:lnSpc>
-                <a:spcPct val="120000"/>
-              </a:lnSpc>
-              <a:buFont typeface="Arial" panose="020B0604020202020204" pitchFamily="34" charset="0"/>
-              <a:buChar char="•"/>
-            </a:pPr>
-            <a:endParaRPr lang="en-US" altLang="en-US" sz="1540" dirty="0">
-              <a:solidFill>
-                <a:srgbClr val="262626"/>
-              </a:solidFill>
-            </a:endParaRPr>
-          </a:p>
-          <a:p>
-            <a:pPr marL="228600" lvl="0" indent="-228600" defTabSz="342900">
-              <a:lnSpc>
-                <a:spcPct val="120000"/>
-              </a:lnSpc>
-              <a:buFont typeface="Arial" panose="020B0604020202020204" pitchFamily="34" charset="0"/>
-              <a:buChar char="•"/>
-            </a:pPr>
-            <a:endParaRPr lang="en-US" altLang="en-US" sz="1540" dirty="0">
-              <a:solidFill>
-                <a:srgbClr val="262626"/>
-              </a:solidFill>
-            </a:endParaRPr>
-          </a:p>
-          <a:p>
-            <a:pPr marL="228600" lvl="0" indent="-228600" defTabSz="342900">
-              <a:lnSpc>
-                <a:spcPct val="120000"/>
-              </a:lnSpc>
-              <a:buFont typeface="Arial" panose="020B0604020202020204" pitchFamily="34" charset="0"/>
-              <a:buChar char="•"/>
-            </a:pPr>
-            <a:endParaRPr lang="en-US" altLang="en-US" sz="1540" dirty="0">
-              <a:solidFill>
-                <a:srgbClr val="262626"/>
-              </a:solidFill>
-            </a:endParaRPr>
-          </a:p>
-          <a:p>
-            <a:pPr marL="228600" lvl="0" indent="-228600" defTabSz="342900">
-              <a:lnSpc>
-                <a:spcPct val="120000"/>
-              </a:lnSpc>
-              <a:buFont typeface="Arial" panose="020B0604020202020204" pitchFamily="34" charset="0"/>
-              <a:buChar char="•"/>
-            </a:pPr>
-            <a:endParaRPr lang="en-US" altLang="en-US" sz="1540" dirty="0">
-              <a:solidFill>
-                <a:srgbClr val="262626"/>
-              </a:solidFill>
-            </a:endParaRPr>
-          </a:p>
-          <a:p>
-            <a:pPr marL="0" lvl="0" indent="0" defTabSz="342900">
-              <a:lnSpc>
-                <a:spcPct val="120000"/>
-              </a:lnSpc>
-              <a:buFont typeface="Arial" panose="020B0604020202020204" pitchFamily="34" charset="0"/>
-              <a:buNone/>
-            </a:pPr>
-            <a:endParaRPr lang="en-US" altLang="en-US" sz="1540" dirty="0">
-              <a:solidFill>
-                <a:srgbClr val="262626"/>
-              </a:solidFill>
-            </a:endParaRPr>
-          </a:p>
-        </p:txBody>
-      </p:sp>
-      <p:pic>
-        <p:nvPicPr>
-          <p:cNvPr id="4" name="图片 3"/>
-          <p:cNvPicPr>
-            <a:picLocks noChangeAspect="1"/>
-          </p:cNvPicPr>
-          <p:nvPr/>
-        </p:nvPicPr>
-        <p:blipFill>
-          <a:blip r:embed="rId1"/>
-          <a:stretch>
-            <a:fillRect/>
-          </a:stretch>
-        </p:blipFill>
-        <p:spPr>
-          <a:xfrm>
-            <a:off x="1681480" y="1863090"/>
-            <a:ext cx="5781675" cy="3857625"/>
-          </a:xfrm>
-          <a:prstGeom prst="rect">
-            <a:avLst/>
-          </a:prstGeom>
-        </p:spPr>
-      </p:pic>
-    </p:spTree>
-  </p:cSld>
-  <p:clrMapOvr>
-    <a:masterClrMapping/>
-  </p:clrMapOvr>
-</p:sld>
-</file>
-
-<file path=ppt/slides/slide28.xml><?xml version="1.0" encoding="utf-8"?>
-<p:sld xmlns:a="http://schemas.openxmlformats.org/drawingml/2006/main" xmlns:r="http://schemas.openxmlformats.org/officeDocument/2006/relationships" xmlns:p="http://schemas.openxmlformats.org/presentationml/2006/main">
-  <p:cSld>
-    <p:spTree>
-      <p:nvGrpSpPr>
-        <p:cNvPr id="1" name=""/>
-        <p:cNvGrpSpPr/>
-        <p:nvPr/>
-      </p:nvGrpSpPr>
-      <p:grpSpPr>
-        <a:xfrm>
-          <a:off x="0" y="0"/>
-          <a:ext cx="0" cy="0"/>
-          <a:chOff x="0" y="0"/>
-          <a:chExt cx="0" cy="0"/>
-        </a:xfrm>
-      </p:grpSpPr>
-      <p:sp>
-        <p:nvSpPr>
-          <p:cNvPr id="2" name="Title 1"/>
-          <p:cNvSpPr>
-            <a:spLocks noGrp="1"/>
-          </p:cNvSpPr>
-          <p:nvPr>
-            <p:ph type="title"/>
-          </p:nvPr>
-        </p:nvSpPr>
-        <p:spPr>
-          <a:xfrm>
-            <a:off x="628650" y="155263"/>
-            <a:ext cx="7886700" cy="526790"/>
-          </a:xfrm>
-        </p:spPr>
-        <p:txBody>
-          <a:bodyPr>
-            <a:normAutofit fontScale="90000"/>
-          </a:bodyPr>
-          <a:lstStyle/>
-          <a:p>
-            <a:pPr algn="ctr"/>
-            <a:r>
-              <a:rPr lang="en-US" sz="3200" b="1" dirty="0">
-                <a:latin typeface="Calibri" panose="020F0502020204030204" pitchFamily="34" charset="0"/>
-                <a:cs typeface="Calibri" panose="020F0502020204030204" pitchFamily="34" charset="0"/>
-                <a:sym typeface="+mn-ea"/>
-              </a:rPr>
-              <a:t>MVC </a:t>
-            </a:r>
-            <a:r>
-              <a:rPr lang="en-US" sz="3200" b="1" dirty="0">
-                <a:latin typeface="Calibri" panose="020F0502020204030204" pitchFamily="34" charset="0"/>
-                <a:cs typeface="Calibri" panose="020F0502020204030204" pitchFamily="34" charset="0"/>
-              </a:rPr>
-              <a:t>Code Demo Requirements: Registration</a:t>
-            </a:r>
-            <a:endParaRPr lang="zh-CN" altLang="en-US" sz="3200" b="1" dirty="0">
-              <a:latin typeface="Calibri" panose="020F0502020204030204" pitchFamily="34" charset="0"/>
-              <a:cs typeface="Calibri" panose="020F0502020204030204" pitchFamily="34" charset="0"/>
-            </a:endParaRPr>
-          </a:p>
-        </p:txBody>
-      </p:sp>
-      <p:sp>
-        <p:nvSpPr>
-          <p:cNvPr id="3" name="Content Placeholder 2"/>
-          <p:cNvSpPr>
-            <a:spLocks noGrp="1"/>
-          </p:cNvSpPr>
-          <p:nvPr>
-            <p:ph idx="1"/>
-          </p:nvPr>
-        </p:nvSpPr>
-        <p:spPr>
-          <a:xfrm>
-            <a:off x="628650" y="989044"/>
-            <a:ext cx="7886700" cy="5605719"/>
-          </a:xfrm>
-        </p:spPr>
-        <p:txBody>
-          <a:bodyPr>
-            <a:normAutofit/>
-          </a:bodyPr>
-          <a:lstStyle/>
-          <a:p>
-            <a:pPr defTabSz="342900">
-              <a:lnSpc>
-                <a:spcPct val="120000"/>
-              </a:lnSpc>
-            </a:pPr>
-            <a:r>
-              <a:rPr lang="en-US" altLang="en-US" sz="1780" dirty="0">
-                <a:solidFill>
-                  <a:srgbClr val="262626"/>
-                </a:solidFill>
-              </a:rPr>
-              <a:t>Requirements:</a:t>
-            </a:r>
-            <a:endParaRPr lang="en-US" altLang="en-US" sz="1780" dirty="0">
-              <a:solidFill>
-                <a:srgbClr val="262626"/>
-              </a:solidFill>
-            </a:endParaRPr>
-          </a:p>
-          <a:p>
-            <a:pPr defTabSz="342900">
-              <a:lnSpc>
-                <a:spcPct val="120000"/>
-              </a:lnSpc>
-            </a:pPr>
-            <a:r>
-              <a:rPr lang="en-US" altLang="en-US" sz="1780" dirty="0">
-                <a:solidFill>
-                  <a:srgbClr val="262626"/>
-                </a:solidFill>
-              </a:rPr>
-              <a:t>1. Design database models: Using SQLite3</a:t>
-            </a:r>
-            <a:endParaRPr lang="en-US" altLang="en-US" sz="1780" dirty="0">
-              <a:solidFill>
-                <a:srgbClr val="262626"/>
-              </a:solidFill>
-            </a:endParaRPr>
-          </a:p>
-          <a:p>
-            <a:pPr defTabSz="342900">
-              <a:lnSpc>
-                <a:spcPct val="120000"/>
-              </a:lnSpc>
-            </a:pPr>
-            <a:r>
-              <a:rPr lang="en-US" altLang="en-US" sz="1780" dirty="0">
-                <a:solidFill>
-                  <a:srgbClr val="262626"/>
-                </a:solidFill>
-              </a:rPr>
-              <a:t>2. Write Login, Logout, and Dashboard home page</a:t>
-            </a:r>
-            <a:endParaRPr lang="en-US" altLang="en-US" sz="1780" dirty="0">
-              <a:solidFill>
-                <a:srgbClr val="262626"/>
-              </a:solidFill>
-            </a:endParaRPr>
-          </a:p>
-          <a:p>
-            <a:pPr defTabSz="342900">
-              <a:lnSpc>
-                <a:spcPct val="120000"/>
-              </a:lnSpc>
-            </a:pPr>
-            <a:r>
-              <a:rPr lang="en-US" altLang="en-US" sz="1780" dirty="0">
-                <a:solidFill>
-                  <a:srgbClr val="262626"/>
-                </a:solidFill>
-              </a:rPr>
-              <a:t>3. Write controller to interact with database through Models and rendering views</a:t>
-            </a:r>
-            <a:endParaRPr lang="en-US" altLang="en-US" sz="1780" dirty="0">
-              <a:solidFill>
-                <a:srgbClr val="262626"/>
-              </a:solidFill>
-            </a:endParaRPr>
-          </a:p>
-          <a:p>
-            <a:pPr defTabSz="342900">
-              <a:lnSpc>
-                <a:spcPct val="120000"/>
-              </a:lnSpc>
-            </a:pPr>
-            <a:endParaRPr lang="en-US" altLang="en-US" sz="1780" dirty="0">
-              <a:solidFill>
-                <a:srgbClr val="262626"/>
-              </a:solidFill>
-            </a:endParaRPr>
-          </a:p>
-          <a:p>
-            <a:pPr defTabSz="342900">
-              <a:lnSpc>
-                <a:spcPct val="120000"/>
-              </a:lnSpc>
-            </a:pPr>
-            <a:r>
-              <a:rPr lang="en-US" altLang="en-US" sz="1780" dirty="0">
-                <a:solidFill>
-                  <a:srgbClr val="FF0000"/>
-                </a:solidFill>
-              </a:rPr>
-              <a:t>Do Code Demo Later</a:t>
-            </a:r>
-            <a:endParaRPr lang="en-US" altLang="en-US" sz="1780" dirty="0">
-              <a:solidFill>
-                <a:srgbClr val="262626"/>
-              </a:solidFill>
-            </a:endParaRPr>
-          </a:p>
-          <a:p>
-            <a:pPr defTabSz="342900">
-              <a:lnSpc>
-                <a:spcPct val="120000"/>
-              </a:lnSpc>
-            </a:pPr>
-            <a:endParaRPr lang="en-US" altLang="en-US" sz="1780" dirty="0">
-              <a:solidFill>
-                <a:srgbClr val="262626"/>
-              </a:solidFill>
-            </a:endParaRPr>
-          </a:p>
-          <a:p>
-            <a:pPr defTabSz="342900">
-              <a:lnSpc>
-                <a:spcPct val="120000"/>
-              </a:lnSpc>
-            </a:pPr>
-            <a:endParaRPr lang="en-US" altLang="en-US" sz="1780" dirty="0">
-              <a:solidFill>
-                <a:srgbClr val="262626"/>
-              </a:solidFill>
-            </a:endParaRPr>
-          </a:p>
-        </p:txBody>
-      </p:sp>
-    </p:spTree>
-  </p:cSld>
-  <p:clrMapOvr>
-    <a:masterClrMapping/>
-  </p:clrMapOvr>
-</p:sld>
-</file>
-
-<file path=ppt/slides/slide29.xml><?xml version="1.0" encoding="utf-8"?>
-<p:sld xmlns:a="http://schemas.openxmlformats.org/drawingml/2006/main" xmlns:r="http://schemas.openxmlformats.org/officeDocument/2006/relationships" xmlns:p="http://schemas.openxmlformats.org/presentationml/2006/main">
-  <p:cSld>
-    <p:spTree>
-      <p:nvGrpSpPr>
-        <p:cNvPr id="1" name=""/>
-        <p:cNvGrpSpPr/>
-        <p:nvPr/>
-      </p:nvGrpSpPr>
-      <p:grpSpPr>
-        <a:xfrm>
-          <a:off x="0" y="0"/>
-          <a:ext cx="0" cy="0"/>
-          <a:chOff x="0" y="0"/>
-          <a:chExt cx="0" cy="0"/>
-        </a:xfrm>
-      </p:grpSpPr>
-      <p:sp>
-        <p:nvSpPr>
-          <p:cNvPr id="2" name="Title 1"/>
-          <p:cNvSpPr>
-            <a:spLocks noGrp="1"/>
-          </p:cNvSpPr>
-          <p:nvPr>
-            <p:ph type="title"/>
-          </p:nvPr>
-        </p:nvSpPr>
-        <p:spPr>
-          <a:xfrm>
-            <a:off x="628650" y="155263"/>
-            <a:ext cx="7886700" cy="526790"/>
-          </a:xfrm>
-        </p:spPr>
-        <p:txBody>
-          <a:bodyPr>
-            <a:normAutofit fontScale="90000"/>
-          </a:bodyPr>
-          <a:lstStyle/>
-          <a:p>
-            <a:pPr algn="ctr"/>
-            <a:r>
-              <a:rPr lang="en-US" sz="3200" b="1" dirty="0">
-                <a:latin typeface="Calibri" panose="020F0502020204030204" pitchFamily="34" charset="0"/>
-                <a:cs typeface="Calibri" panose="020F0502020204030204" pitchFamily="34" charset="0"/>
-              </a:rPr>
-              <a:t>Problem Without Model</a:t>
-            </a:r>
-            <a:endParaRPr lang="en-US" sz="3200" b="1" dirty="0">
-              <a:latin typeface="Calibri" panose="020F0502020204030204" pitchFamily="34" charset="0"/>
-              <a:cs typeface="Calibri" panose="020F0502020204030204" pitchFamily="34" charset="0"/>
-            </a:endParaRPr>
-          </a:p>
-        </p:txBody>
-      </p:sp>
-      <p:sp>
-        <p:nvSpPr>
-          <p:cNvPr id="3" name="Content Placeholder 2"/>
-          <p:cNvSpPr>
-            <a:spLocks noGrp="1"/>
-          </p:cNvSpPr>
-          <p:nvPr>
-            <p:ph idx="1"/>
-          </p:nvPr>
-        </p:nvSpPr>
-        <p:spPr>
-          <a:xfrm>
-            <a:off x="628650" y="989044"/>
-            <a:ext cx="7886700" cy="5605719"/>
-          </a:xfrm>
-        </p:spPr>
-        <p:txBody>
-          <a:bodyPr>
-            <a:normAutofit/>
-          </a:bodyPr>
-          <a:lstStyle/>
-          <a:p>
-            <a:pPr defTabSz="342900">
-              <a:lnSpc>
-                <a:spcPct val="120000"/>
-              </a:lnSpc>
-            </a:pPr>
-            <a:r>
-              <a:rPr lang="en-US" altLang="en-US" sz="1780" dirty="0">
-                <a:solidFill>
-                  <a:srgbClr val="262626"/>
-                </a:solidFill>
-              </a:rPr>
-              <a:t>https://github.com/onebit256/node-express-rest-api-example (</a:t>
-            </a:r>
-            <a:r>
-              <a:rPr lang="en-US" altLang="en-US" sz="1780" dirty="0">
-                <a:solidFill>
-                  <a:srgbClr val="FF0000"/>
-                </a:solidFill>
-              </a:rPr>
-              <a:t>Explain the code</a:t>
-            </a:r>
-            <a:r>
-              <a:rPr lang="en-US" altLang="en-US" sz="1780" dirty="0">
-                <a:solidFill>
-                  <a:srgbClr val="262626"/>
-                </a:solidFill>
-              </a:rPr>
-              <a:t>)</a:t>
-            </a:r>
-            <a:endParaRPr lang="en-US" altLang="en-US" sz="1780" dirty="0">
-              <a:solidFill>
-                <a:srgbClr val="262626"/>
-              </a:solidFill>
-            </a:endParaRPr>
-          </a:p>
-          <a:p>
-            <a:pPr defTabSz="342900">
-              <a:lnSpc>
-                <a:spcPct val="120000"/>
-              </a:lnSpc>
-            </a:pPr>
-            <a:r>
-              <a:rPr lang="en-US" altLang="en-US" sz="1780" dirty="0">
-                <a:solidFill>
-                  <a:srgbClr val="262626"/>
-                </a:solidFill>
-              </a:rPr>
-              <a:t>Without using Model</a:t>
-            </a:r>
-            <a:endParaRPr lang="en-US" altLang="en-US" sz="1780" dirty="0">
-              <a:solidFill>
-                <a:srgbClr val="262626"/>
-              </a:solidFill>
-            </a:endParaRPr>
-          </a:p>
-          <a:p>
-            <a:pPr defTabSz="342900">
-              <a:lnSpc>
-                <a:spcPct val="120000"/>
-              </a:lnSpc>
-            </a:pPr>
-            <a:r>
-              <a:rPr lang="en-US" altLang="en-US" sz="1780" dirty="0">
-                <a:solidFill>
-                  <a:srgbClr val="262626"/>
-                </a:solidFill>
-              </a:rPr>
-              <a:t>If we want to change the data query logic, we have to change the controller's logic</a:t>
-            </a:r>
-            <a:endParaRPr lang="en-US" altLang="en-US" sz="1780" dirty="0">
-              <a:solidFill>
-                <a:srgbClr val="262626"/>
-              </a:solidFill>
-            </a:endParaRPr>
-          </a:p>
-        </p:txBody>
-      </p:sp>
-      <p:pic>
-        <p:nvPicPr>
-          <p:cNvPr id="5" name="图片 4"/>
-          <p:cNvPicPr>
-            <a:picLocks noChangeAspect="1"/>
-          </p:cNvPicPr>
-          <p:nvPr/>
-        </p:nvPicPr>
-        <p:blipFill>
-          <a:blip r:embed="rId1"/>
-          <a:stretch>
-            <a:fillRect/>
-          </a:stretch>
-        </p:blipFill>
-        <p:spPr>
-          <a:xfrm>
-            <a:off x="3010535" y="2392045"/>
-            <a:ext cx="6133465" cy="4465955"/>
-          </a:xfrm>
-          <a:prstGeom prst="rect">
-            <a:avLst/>
-          </a:prstGeom>
-        </p:spPr>
-      </p:pic>
-    </p:spTree>
-  </p:cSld>
-  <p:clrMapOvr>
-    <a:masterClrMapping/>
-  </p:clrMapOvr>
 </p:sld>
 </file>
 
@@ -13417,2063 +9374,6 @@
               <a:buNone/>
             </a:pPr>
             <a:endParaRPr lang="en-US" altLang="zh-CN" sz="1540" dirty="0">
-              <a:solidFill>
-                <a:srgbClr val="262626"/>
-              </a:solidFill>
-            </a:endParaRPr>
-          </a:p>
-        </p:txBody>
-      </p:sp>
-    </p:spTree>
-  </p:cSld>
-  <p:clrMapOvr>
-    <a:masterClrMapping/>
-  </p:clrMapOvr>
-</p:sld>
-</file>
-
-<file path=ppt/slides/slide30.xml><?xml version="1.0" encoding="utf-8"?>
-<p:sld xmlns:a="http://schemas.openxmlformats.org/drawingml/2006/main" xmlns:r="http://schemas.openxmlformats.org/officeDocument/2006/relationships" xmlns:p="http://schemas.openxmlformats.org/presentationml/2006/main">
-  <p:cSld>
-    <p:spTree>
-      <p:nvGrpSpPr>
-        <p:cNvPr id="1" name=""/>
-        <p:cNvGrpSpPr/>
-        <p:nvPr/>
-      </p:nvGrpSpPr>
-      <p:grpSpPr>
-        <a:xfrm>
-          <a:off x="0" y="0"/>
-          <a:ext cx="0" cy="0"/>
-          <a:chOff x="0" y="0"/>
-          <a:chExt cx="0" cy="0"/>
-        </a:xfrm>
-      </p:grpSpPr>
-      <p:sp>
-        <p:nvSpPr>
-          <p:cNvPr id="2" name="Title 1"/>
-          <p:cNvSpPr>
-            <a:spLocks noGrp="1"/>
-          </p:cNvSpPr>
-          <p:nvPr>
-            <p:ph type="title"/>
-          </p:nvPr>
-        </p:nvSpPr>
-        <p:spPr>
-          <a:xfrm>
-            <a:off x="628650" y="155263"/>
-            <a:ext cx="7886700" cy="526790"/>
-          </a:xfrm>
-        </p:spPr>
-        <p:txBody>
-          <a:bodyPr>
-            <a:normAutofit fontScale="90000"/>
-          </a:bodyPr>
-          <a:lstStyle/>
-          <a:p>
-            <a:pPr algn="ctr"/>
-            <a:r>
-              <a:rPr lang="en-US" sz="3200" b="1" dirty="0">
-                <a:latin typeface="Calibri" panose="020F0502020204030204" pitchFamily="34" charset="0"/>
-                <a:cs typeface="Calibri" panose="020F0502020204030204" pitchFamily="34" charset="0"/>
-              </a:rPr>
-              <a:t>Problem Without Model</a:t>
-            </a:r>
-            <a:endParaRPr lang="en-US" sz="3200" b="1" dirty="0">
-              <a:latin typeface="Calibri" panose="020F0502020204030204" pitchFamily="34" charset="0"/>
-              <a:cs typeface="Calibri" panose="020F0502020204030204" pitchFamily="34" charset="0"/>
-            </a:endParaRPr>
-          </a:p>
-        </p:txBody>
-      </p:sp>
-      <p:sp>
-        <p:nvSpPr>
-          <p:cNvPr id="3" name="Content Placeholder 2"/>
-          <p:cNvSpPr>
-            <a:spLocks noGrp="1"/>
-          </p:cNvSpPr>
-          <p:nvPr>
-            <p:ph idx="1"/>
-          </p:nvPr>
-        </p:nvSpPr>
-        <p:spPr>
-          <a:xfrm>
-            <a:off x="628650" y="989044"/>
-            <a:ext cx="7886700" cy="5605719"/>
-          </a:xfrm>
-        </p:spPr>
-        <p:txBody>
-          <a:bodyPr>
-            <a:normAutofit/>
-          </a:bodyPr>
-          <a:lstStyle/>
-          <a:p>
-            <a:pPr defTabSz="342900">
-              <a:lnSpc>
-                <a:spcPct val="120000"/>
-              </a:lnSpc>
-            </a:pPr>
-            <a:r>
-              <a:rPr lang="en-US" altLang="en-US" sz="1780" dirty="0">
-                <a:solidFill>
-                  <a:srgbClr val="262626"/>
-                </a:solidFill>
-              </a:rPr>
-              <a:t>https://github.com/onebit256/node-express-react-demo-project (</a:t>
-            </a:r>
-            <a:r>
-              <a:rPr lang="en-US" altLang="en-US" sz="1775" dirty="0">
-                <a:solidFill>
-                  <a:srgbClr val="FF0000"/>
-                </a:solidFill>
-                <a:sym typeface="+mn-ea"/>
-              </a:rPr>
-              <a:t>Explain the code</a:t>
-            </a:r>
-            <a:r>
-              <a:rPr lang="en-US" altLang="en-US" sz="1780" dirty="0">
-                <a:solidFill>
-                  <a:srgbClr val="262626"/>
-                </a:solidFill>
-              </a:rPr>
-              <a:t>)   With Model</a:t>
-            </a:r>
-            <a:endParaRPr lang="en-US" altLang="en-US" sz="1780" dirty="0">
-              <a:solidFill>
-                <a:srgbClr val="262626"/>
-              </a:solidFill>
-            </a:endParaRPr>
-          </a:p>
-          <a:p>
-            <a:pPr defTabSz="342900">
-              <a:lnSpc>
-                <a:spcPct val="120000"/>
-              </a:lnSpc>
-            </a:pPr>
-            <a:r>
-              <a:rPr lang="en-US" altLang="en-US" sz="1780" dirty="0">
-                <a:solidFill>
-                  <a:srgbClr val="262626"/>
-                </a:solidFill>
-              </a:rPr>
-              <a:t>                                                                                *</a:t>
-            </a:r>
-            <a:endParaRPr lang="en-US" altLang="en-US" sz="1780" dirty="0">
-              <a:solidFill>
-                <a:srgbClr val="262626"/>
-              </a:solidFill>
-            </a:endParaRPr>
-          </a:p>
-          <a:p>
-            <a:pPr defTabSz="342900">
-              <a:lnSpc>
-                <a:spcPct val="120000"/>
-              </a:lnSpc>
-            </a:pPr>
-            <a:r>
-              <a:rPr lang="en-US" altLang="en-US" sz="1780" dirty="0">
-                <a:solidFill>
-                  <a:srgbClr val="262626"/>
-                </a:solidFill>
-              </a:rPr>
-              <a:t>                                                                                if we want to change the logic of                                                                        </a:t>
-            </a:r>
-            <a:endParaRPr lang="en-US" altLang="en-US" sz="1780" dirty="0">
-              <a:solidFill>
-                <a:srgbClr val="262626"/>
-              </a:solidFill>
-            </a:endParaRPr>
-          </a:p>
-          <a:p>
-            <a:pPr defTabSz="342900">
-              <a:lnSpc>
-                <a:spcPct val="120000"/>
-              </a:lnSpc>
-            </a:pPr>
-            <a:r>
-              <a:rPr lang="en-US" altLang="en-US" sz="1780" dirty="0">
-                <a:solidFill>
-                  <a:srgbClr val="262626"/>
-                </a:solidFill>
-              </a:rPr>
-              <a:t>                                                                                data save function,  we don't neet to </a:t>
-            </a:r>
-            <a:endParaRPr lang="en-US" altLang="en-US" sz="1780" dirty="0">
-              <a:solidFill>
-                <a:srgbClr val="262626"/>
-              </a:solidFill>
-            </a:endParaRPr>
-          </a:p>
-          <a:p>
-            <a:pPr defTabSz="342900">
-              <a:lnSpc>
-                <a:spcPct val="120000"/>
-              </a:lnSpc>
-            </a:pPr>
-            <a:r>
-              <a:rPr lang="en-US" altLang="en-US" sz="1780" dirty="0">
-                <a:solidFill>
-                  <a:srgbClr val="262626"/>
-                </a:solidFill>
-              </a:rPr>
-              <a:t>                                                                                change the controller's logic</a:t>
-            </a:r>
-            <a:endParaRPr lang="en-US" altLang="en-US" sz="1780" dirty="0">
-              <a:solidFill>
-                <a:srgbClr val="262626"/>
-              </a:solidFill>
-            </a:endParaRPr>
-          </a:p>
-          <a:p>
-            <a:pPr defTabSz="342900">
-              <a:lnSpc>
-                <a:spcPct val="120000"/>
-              </a:lnSpc>
-            </a:pPr>
-            <a:endParaRPr lang="en-US" altLang="en-US" sz="1780" dirty="0">
-              <a:solidFill>
-                <a:srgbClr val="262626"/>
-              </a:solidFill>
-            </a:endParaRPr>
-          </a:p>
-          <a:p>
-            <a:pPr defTabSz="342900">
-              <a:lnSpc>
-                <a:spcPct val="120000"/>
-              </a:lnSpc>
-            </a:pPr>
-            <a:endParaRPr lang="en-US" altLang="en-US" sz="1780" dirty="0">
-              <a:solidFill>
-                <a:srgbClr val="262626"/>
-              </a:solidFill>
-            </a:endParaRPr>
-          </a:p>
-          <a:p>
-            <a:pPr defTabSz="342900">
-              <a:lnSpc>
-                <a:spcPct val="120000"/>
-              </a:lnSpc>
-            </a:pPr>
-            <a:r>
-              <a:rPr lang="en-US" altLang="en-US" sz="1780" dirty="0">
-                <a:solidFill>
-                  <a:srgbClr val="262626"/>
-                </a:solidFill>
-              </a:rPr>
-              <a:t>program is more readable</a:t>
-            </a:r>
-            <a:endParaRPr lang="en-US" altLang="en-US" sz="1780" dirty="0">
-              <a:solidFill>
-                <a:srgbClr val="262626"/>
-              </a:solidFill>
-            </a:endParaRPr>
-          </a:p>
-          <a:p>
-            <a:pPr defTabSz="342900">
-              <a:lnSpc>
-                <a:spcPct val="120000"/>
-              </a:lnSpc>
-            </a:pPr>
-            <a:r>
-              <a:rPr lang="en-US" altLang="en-US" sz="1780" dirty="0">
-                <a:solidFill>
-                  <a:srgbClr val="262626"/>
-                </a:solidFill>
-              </a:rPr>
-              <a:t>easier to understand other's code</a:t>
-            </a:r>
-            <a:endParaRPr lang="en-US" altLang="en-US" sz="1780" dirty="0">
-              <a:solidFill>
-                <a:srgbClr val="262626"/>
-              </a:solidFill>
-            </a:endParaRPr>
-          </a:p>
-        </p:txBody>
-      </p:sp>
-      <p:pic>
-        <p:nvPicPr>
-          <p:cNvPr id="4" name="图片 3"/>
-          <p:cNvPicPr>
-            <a:picLocks noChangeAspect="1"/>
-          </p:cNvPicPr>
-          <p:nvPr/>
-        </p:nvPicPr>
-        <p:blipFill>
-          <a:blip r:embed="rId1"/>
-          <a:stretch>
-            <a:fillRect/>
-          </a:stretch>
-        </p:blipFill>
-        <p:spPr>
-          <a:xfrm>
-            <a:off x="628650" y="1935480"/>
-            <a:ext cx="4294505" cy="2259965"/>
-          </a:xfrm>
-          <a:prstGeom prst="rect">
-            <a:avLst/>
-          </a:prstGeom>
-        </p:spPr>
-      </p:pic>
-      <p:pic>
-        <p:nvPicPr>
-          <p:cNvPr id="6" name="图片 5"/>
-          <p:cNvPicPr>
-            <a:picLocks noChangeAspect="1"/>
-          </p:cNvPicPr>
-          <p:nvPr/>
-        </p:nvPicPr>
-        <p:blipFill>
-          <a:blip r:embed="rId2"/>
-          <a:stretch>
-            <a:fillRect/>
-          </a:stretch>
-        </p:blipFill>
-        <p:spPr>
-          <a:xfrm>
-            <a:off x="4191000" y="3752850"/>
-            <a:ext cx="4953000" cy="3105150"/>
-          </a:xfrm>
-          <a:prstGeom prst="rect">
-            <a:avLst/>
-          </a:prstGeom>
-        </p:spPr>
-      </p:pic>
-    </p:spTree>
-  </p:cSld>
-  <p:clrMapOvr>
-    <a:masterClrMapping/>
-  </p:clrMapOvr>
-</p:sld>
-</file>
-
-<file path=ppt/slides/slide31.xml><?xml version="1.0" encoding="utf-8"?>
-<p:sld xmlns:a="http://schemas.openxmlformats.org/drawingml/2006/main" xmlns:r="http://schemas.openxmlformats.org/officeDocument/2006/relationships" xmlns:p="http://schemas.openxmlformats.org/presentationml/2006/main">
-  <p:cSld>
-    <p:spTree>
-      <p:nvGrpSpPr>
-        <p:cNvPr id="1" name=""/>
-        <p:cNvGrpSpPr/>
-        <p:nvPr/>
-      </p:nvGrpSpPr>
-      <p:grpSpPr>
-        <a:xfrm>
-          <a:off x="0" y="0"/>
-          <a:ext cx="0" cy="0"/>
-          <a:chOff x="0" y="0"/>
-          <a:chExt cx="0" cy="0"/>
-        </a:xfrm>
-      </p:grpSpPr>
-      <p:sp>
-        <p:nvSpPr>
-          <p:cNvPr id="2" name="Title 1"/>
-          <p:cNvSpPr>
-            <a:spLocks noGrp="1"/>
-          </p:cNvSpPr>
-          <p:nvPr>
-            <p:ph type="title"/>
-          </p:nvPr>
-        </p:nvSpPr>
-        <p:spPr>
-          <a:xfrm>
-            <a:off x="628650" y="155263"/>
-            <a:ext cx="7886700" cy="526790"/>
-          </a:xfrm>
-        </p:spPr>
-        <p:txBody>
-          <a:bodyPr>
-            <a:normAutofit fontScale="90000"/>
-          </a:bodyPr>
-          <a:lstStyle/>
-          <a:p>
-            <a:pPr algn="ctr"/>
-            <a:r>
-              <a:rPr lang="en-US" altLang="zh-CN" sz="3200" b="1" dirty="0">
-                <a:latin typeface="Calibri" panose="020F0502020204030204" pitchFamily="34" charset="0"/>
-                <a:cs typeface="Calibri" panose="020F0502020204030204" pitchFamily="34" charset="0"/>
-              </a:rPr>
-              <a:t>Sequelize</a:t>
-            </a:r>
-            <a:endParaRPr lang="en-US" altLang="zh-CN" sz="3200" b="1" dirty="0">
-              <a:latin typeface="Calibri" panose="020F0502020204030204" pitchFamily="34" charset="0"/>
-              <a:cs typeface="Calibri" panose="020F0502020204030204" pitchFamily="34" charset="0"/>
-            </a:endParaRPr>
-          </a:p>
-        </p:txBody>
-      </p:sp>
-      <p:sp>
-        <p:nvSpPr>
-          <p:cNvPr id="3" name="Content Placeholder 2"/>
-          <p:cNvSpPr>
-            <a:spLocks noGrp="1"/>
-          </p:cNvSpPr>
-          <p:nvPr>
-            <p:ph idx="1"/>
-          </p:nvPr>
-        </p:nvSpPr>
-        <p:spPr>
-          <a:xfrm>
-            <a:off x="628650" y="989044"/>
-            <a:ext cx="7886700" cy="5605719"/>
-          </a:xfrm>
-        </p:spPr>
-        <p:txBody>
-          <a:bodyPr>
-            <a:normAutofit/>
-          </a:bodyPr>
-          <a:lstStyle/>
-          <a:p>
-            <a:pPr defTabSz="342900">
-              <a:lnSpc>
-                <a:spcPct val="120000"/>
-              </a:lnSpc>
-            </a:pPr>
-            <a:r>
-              <a:rPr lang="en-US" altLang="en-US" sz="1780" dirty="0">
-                <a:solidFill>
-                  <a:srgbClr val="262626"/>
-                </a:solidFill>
-              </a:rPr>
-              <a:t>What is </a:t>
-            </a:r>
-            <a:r>
-              <a:rPr lang="en-US" altLang="en-US" sz="1775" dirty="0">
-                <a:solidFill>
-                  <a:srgbClr val="262626"/>
-                </a:solidFill>
-                <a:sym typeface="+mn-ea"/>
-              </a:rPr>
-              <a:t>Sequelize ?</a:t>
-            </a:r>
-            <a:endParaRPr lang="en-US" altLang="en-US" sz="1780" dirty="0">
-              <a:solidFill>
-                <a:srgbClr val="262626"/>
-              </a:solidFill>
-            </a:endParaRPr>
-          </a:p>
-          <a:p>
-            <a:pPr defTabSz="342900">
-              <a:lnSpc>
-                <a:spcPct val="120000"/>
-              </a:lnSpc>
-            </a:pPr>
-            <a:r>
-              <a:rPr lang="en-US" altLang="en-US" sz="1780" dirty="0">
-                <a:solidFill>
-                  <a:srgbClr val="262626"/>
-                </a:solidFill>
-              </a:rPr>
-              <a:t>Sequelize is a promise-based ORM for Node.js v4 and upwards. It supports the dialects PostgreSQL, MySQL, SQLite and MSSQL and features solid transaction support, relations, read replication and more.</a:t>
-            </a:r>
-            <a:endParaRPr lang="en-US" altLang="en-US" sz="1780" dirty="0">
-              <a:solidFill>
-                <a:srgbClr val="262626"/>
-              </a:solidFill>
-            </a:endParaRPr>
-          </a:p>
-          <a:p>
-            <a:pPr defTabSz="342900">
-              <a:lnSpc>
-                <a:spcPct val="120000"/>
-              </a:lnSpc>
-            </a:pPr>
-            <a:endParaRPr lang="en-US" altLang="en-US" sz="1780" dirty="0">
-              <a:solidFill>
-                <a:srgbClr val="262626"/>
-              </a:solidFill>
-            </a:endParaRPr>
-          </a:p>
-          <a:p>
-            <a:pPr defTabSz="342900">
-              <a:lnSpc>
-                <a:spcPct val="120000"/>
-              </a:lnSpc>
-            </a:pPr>
-            <a:r>
-              <a:rPr lang="en-US" altLang="en-US" sz="1780" dirty="0">
-                <a:solidFill>
-                  <a:srgbClr val="262626"/>
-                </a:solidFill>
-              </a:rPr>
-              <a:t>What is </a:t>
-            </a:r>
-            <a:r>
-              <a:rPr lang="en-US" altLang="en-US" sz="1775" dirty="0">
-                <a:solidFill>
-                  <a:srgbClr val="262626"/>
-                </a:solidFill>
-                <a:sym typeface="+mn-ea"/>
-              </a:rPr>
-              <a:t>ORM ?</a:t>
-            </a:r>
-            <a:endParaRPr lang="en-US" altLang="en-US" sz="1775" dirty="0">
-              <a:solidFill>
-                <a:srgbClr val="262626"/>
-              </a:solidFill>
-              <a:sym typeface="+mn-ea"/>
-            </a:endParaRPr>
-          </a:p>
-          <a:p>
-            <a:pPr defTabSz="342900">
-              <a:lnSpc>
-                <a:spcPct val="120000"/>
-              </a:lnSpc>
-            </a:pPr>
-            <a:r>
-              <a:rPr lang="en-US" altLang="en-US" sz="1780" dirty="0">
-                <a:solidFill>
-                  <a:srgbClr val="262626"/>
-                </a:solidFill>
-              </a:rPr>
-              <a:t>An ORM is known as Object Relational Mapper</a:t>
-            </a:r>
-            <a:endParaRPr lang="en-US" altLang="en-US" sz="1780" dirty="0">
-              <a:solidFill>
-                <a:srgbClr val="262626"/>
-              </a:solidFill>
-            </a:endParaRPr>
-          </a:p>
-          <a:p>
-            <a:pPr defTabSz="342900">
-              <a:lnSpc>
-                <a:spcPct val="120000"/>
-              </a:lnSpc>
-            </a:pPr>
-            <a:r>
-              <a:rPr lang="en-US" altLang="en-US" sz="1780" dirty="0">
-                <a:solidFill>
-                  <a:srgbClr val="262626"/>
-                </a:solidFill>
-              </a:rPr>
-              <a:t>ORMs save time in writing raw SQL queries thereby reducing development time.</a:t>
-            </a:r>
-            <a:endParaRPr lang="en-US" altLang="en-US" sz="1780" dirty="0">
-              <a:solidFill>
-                <a:srgbClr val="262626"/>
-              </a:solidFill>
-            </a:endParaRPr>
-          </a:p>
-          <a:p>
-            <a:pPr defTabSz="342900">
-              <a:lnSpc>
-                <a:spcPct val="120000"/>
-              </a:lnSpc>
-            </a:pPr>
-            <a:r>
-              <a:rPr lang="en-US" altLang="en-US" sz="1780" b="1" dirty="0">
-                <a:solidFill>
-                  <a:srgbClr val="262626"/>
-                </a:solidFill>
-              </a:rPr>
-              <a:t>out of box query</a:t>
-            </a:r>
-            <a:endParaRPr lang="en-US" altLang="en-US" sz="1780" b="1" dirty="0">
-              <a:solidFill>
-                <a:srgbClr val="262626"/>
-              </a:solidFill>
-            </a:endParaRPr>
-          </a:p>
-          <a:p>
-            <a:pPr defTabSz="342900">
-              <a:lnSpc>
-                <a:spcPct val="120000"/>
-              </a:lnSpc>
-            </a:pPr>
-            <a:endParaRPr lang="en-US" altLang="en-US" sz="1780" b="1" dirty="0">
-              <a:solidFill>
-                <a:srgbClr val="262626"/>
-              </a:solidFill>
-            </a:endParaRPr>
-          </a:p>
-          <a:p>
-            <a:pPr defTabSz="342900">
-              <a:lnSpc>
-                <a:spcPct val="120000"/>
-              </a:lnSpc>
-            </a:pPr>
-            <a:r>
-              <a:rPr lang="en-US" altLang="en-US" sz="1780" b="1" dirty="0">
-                <a:solidFill>
-                  <a:srgbClr val="262626"/>
-                </a:solidFill>
-              </a:rPr>
-              <a:t>Example</a:t>
-            </a:r>
-            <a:endParaRPr lang="en-US" altLang="en-US" sz="1780" b="1" dirty="0">
-              <a:solidFill>
-                <a:srgbClr val="262626"/>
-              </a:solidFill>
-            </a:endParaRPr>
-          </a:p>
-          <a:p>
-            <a:pPr defTabSz="342900">
-              <a:lnSpc>
-                <a:spcPct val="120000"/>
-              </a:lnSpc>
-            </a:pPr>
-            <a:r>
-              <a:rPr lang="en-US" altLang="en-US" sz="1780" b="1" dirty="0">
-                <a:solidFill>
-                  <a:srgbClr val="262626"/>
-                </a:solidFill>
-              </a:rPr>
-              <a:t>select *from user  =&gt; user.findAll()</a:t>
-            </a:r>
-            <a:endParaRPr lang="en-US" altLang="en-US" sz="1780" b="1" dirty="0">
-              <a:solidFill>
-                <a:srgbClr val="262626"/>
-              </a:solidFill>
-            </a:endParaRPr>
-          </a:p>
-          <a:p>
-            <a:pPr defTabSz="342900">
-              <a:lnSpc>
-                <a:spcPct val="120000"/>
-              </a:lnSpc>
-            </a:pPr>
-            <a:r>
-              <a:rPr lang="en-US" altLang="en-US" sz="1780" b="1" dirty="0">
-                <a:solidFill>
-                  <a:srgbClr val="262626"/>
-                </a:solidFill>
-              </a:rPr>
-              <a:t>select * from user where =&gt; user.find()</a:t>
-            </a:r>
-            <a:endParaRPr lang="en-US" altLang="en-US" sz="1780" b="1" dirty="0">
-              <a:solidFill>
-                <a:srgbClr val="262626"/>
-              </a:solidFill>
-            </a:endParaRPr>
-          </a:p>
-        </p:txBody>
-      </p:sp>
-    </p:spTree>
-  </p:cSld>
-  <p:clrMapOvr>
-    <a:masterClrMapping/>
-  </p:clrMapOvr>
-</p:sld>
-</file>
-
-<file path=ppt/slides/slide32.xml><?xml version="1.0" encoding="utf-8"?>
-<p:sld xmlns:a="http://schemas.openxmlformats.org/drawingml/2006/main" xmlns:r="http://schemas.openxmlformats.org/officeDocument/2006/relationships" xmlns:p="http://schemas.openxmlformats.org/presentationml/2006/main">
-  <p:cSld>
-    <p:spTree>
-      <p:nvGrpSpPr>
-        <p:cNvPr id="1" name=""/>
-        <p:cNvGrpSpPr/>
-        <p:nvPr/>
-      </p:nvGrpSpPr>
-      <p:grpSpPr>
-        <a:xfrm>
-          <a:off x="0" y="0"/>
-          <a:ext cx="0" cy="0"/>
-          <a:chOff x="0" y="0"/>
-          <a:chExt cx="0" cy="0"/>
-        </a:xfrm>
-      </p:grpSpPr>
-      <p:sp>
-        <p:nvSpPr>
-          <p:cNvPr id="2" name="Title 1"/>
-          <p:cNvSpPr>
-            <a:spLocks noGrp="1"/>
-          </p:cNvSpPr>
-          <p:nvPr>
-            <p:ph type="title"/>
-          </p:nvPr>
-        </p:nvSpPr>
-        <p:spPr>
-          <a:xfrm>
-            <a:off x="628650" y="155263"/>
-            <a:ext cx="7886700" cy="526790"/>
-          </a:xfrm>
-        </p:spPr>
-        <p:txBody>
-          <a:bodyPr>
-            <a:normAutofit fontScale="90000"/>
-          </a:bodyPr>
-          <a:lstStyle/>
-          <a:p>
-            <a:pPr algn="ctr"/>
-            <a:r>
-              <a:rPr lang="en-US" altLang="zh-CN" sz="3200" b="1" dirty="0">
-                <a:latin typeface="Calibri" panose="020F0502020204030204" pitchFamily="34" charset="0"/>
-                <a:cs typeface="Calibri" panose="020F0502020204030204" pitchFamily="34" charset="0"/>
-              </a:rPr>
-              <a:t>Request Type</a:t>
-            </a:r>
-            <a:endParaRPr lang="en-US" altLang="zh-CN" sz="3200" b="1" dirty="0">
-              <a:latin typeface="Calibri" panose="020F0502020204030204" pitchFamily="34" charset="0"/>
-              <a:cs typeface="Calibri" panose="020F0502020204030204" pitchFamily="34" charset="0"/>
-            </a:endParaRPr>
-          </a:p>
-        </p:txBody>
-      </p:sp>
-      <p:sp>
-        <p:nvSpPr>
-          <p:cNvPr id="3" name="Content Placeholder 2"/>
-          <p:cNvSpPr>
-            <a:spLocks noGrp="1"/>
-          </p:cNvSpPr>
-          <p:nvPr>
-            <p:ph idx="1"/>
-          </p:nvPr>
-        </p:nvSpPr>
-        <p:spPr>
-          <a:xfrm>
-            <a:off x="628650" y="989044"/>
-            <a:ext cx="7886700" cy="5605719"/>
-          </a:xfrm>
-        </p:spPr>
-        <p:txBody>
-          <a:bodyPr>
-            <a:normAutofit/>
-          </a:bodyPr>
-          <a:lstStyle/>
-          <a:p>
-            <a:pPr defTabSz="342900">
-              <a:lnSpc>
-                <a:spcPct val="120000"/>
-              </a:lnSpc>
-            </a:pPr>
-            <a:r>
-              <a:rPr lang="en-US" altLang="en-US" sz="1780" dirty="0">
-                <a:solidFill>
-                  <a:srgbClr val="262626"/>
-                </a:solidFill>
-              </a:rPr>
-              <a:t>Get Request (</a:t>
-            </a:r>
-            <a:r>
-              <a:rPr lang="en-US" altLang="en-US" sz="1780" dirty="0">
-                <a:solidFill>
-                  <a:srgbClr val="FF0000"/>
-                </a:solidFill>
-              </a:rPr>
-              <a:t>code demo</a:t>
-            </a:r>
-            <a:r>
-              <a:rPr lang="en-US" altLang="en-US" sz="1780" dirty="0">
-                <a:solidFill>
-                  <a:srgbClr val="262626"/>
-                </a:solidFill>
-              </a:rPr>
-              <a:t>)</a:t>
-            </a:r>
-            <a:endParaRPr lang="en-US" altLang="en-US" sz="1780" dirty="0">
-              <a:solidFill>
-                <a:srgbClr val="262626"/>
-              </a:solidFill>
-            </a:endParaRPr>
-          </a:p>
-          <a:p>
-            <a:pPr defTabSz="342900">
-              <a:lnSpc>
-                <a:spcPct val="120000"/>
-              </a:lnSpc>
-            </a:pPr>
-            <a:r>
-              <a:rPr lang="en-US" altLang="en-US" sz="1780" dirty="0">
-                <a:solidFill>
-                  <a:srgbClr val="262626"/>
-                </a:solidFill>
-              </a:rPr>
-              <a:t>the parameters are taken in url</a:t>
-            </a:r>
-            <a:endParaRPr lang="en-US" altLang="en-US" sz="1780" dirty="0">
-              <a:solidFill>
-                <a:srgbClr val="262626"/>
-              </a:solidFill>
-            </a:endParaRPr>
-          </a:p>
-          <a:p>
-            <a:pPr defTabSz="342900">
-              <a:lnSpc>
-                <a:spcPct val="120000"/>
-              </a:lnSpc>
-            </a:pPr>
-            <a:endParaRPr lang="en-US" altLang="en-US" sz="1780" dirty="0">
-              <a:solidFill>
-                <a:srgbClr val="262626"/>
-              </a:solidFill>
-            </a:endParaRPr>
-          </a:p>
-          <a:p>
-            <a:pPr defTabSz="342900">
-              <a:lnSpc>
-                <a:spcPct val="120000"/>
-              </a:lnSpc>
-            </a:pPr>
-            <a:r>
-              <a:rPr lang="en-US" altLang="en-US" sz="1780" dirty="0">
-                <a:solidFill>
-                  <a:srgbClr val="262626"/>
-                </a:solidFill>
-              </a:rPr>
-              <a:t>Post Request(</a:t>
-            </a:r>
-            <a:r>
-              <a:rPr lang="en-US" altLang="en-US" sz="1780" dirty="0">
-                <a:solidFill>
-                  <a:srgbClr val="FF0000"/>
-                </a:solidFill>
-              </a:rPr>
-              <a:t>code demo</a:t>
-            </a:r>
-            <a:r>
-              <a:rPr lang="en-US" altLang="en-US" sz="1780" dirty="0">
-                <a:solidFill>
-                  <a:srgbClr val="262626"/>
-                </a:solidFill>
-              </a:rPr>
-              <a:t>)</a:t>
-            </a:r>
-            <a:endParaRPr lang="en-US" altLang="en-US" sz="1780" dirty="0">
-              <a:solidFill>
-                <a:srgbClr val="262626"/>
-              </a:solidFill>
-            </a:endParaRPr>
-          </a:p>
-          <a:p>
-            <a:pPr defTabSz="342900">
-              <a:lnSpc>
-                <a:spcPct val="120000"/>
-              </a:lnSpc>
-            </a:pPr>
-            <a:r>
-              <a:rPr lang="en-US" altLang="en-US" sz="1780" dirty="0">
-                <a:solidFill>
-                  <a:srgbClr val="262626"/>
-                </a:solidFill>
-              </a:rPr>
-              <a:t>the parameters are taken in request playload</a:t>
-            </a:r>
-            <a:endParaRPr lang="en-US" altLang="en-US" sz="1780" dirty="0">
-              <a:solidFill>
-                <a:srgbClr val="262626"/>
-              </a:solidFill>
-            </a:endParaRPr>
-          </a:p>
-          <a:p>
-            <a:pPr defTabSz="342900">
-              <a:lnSpc>
-                <a:spcPct val="120000"/>
-              </a:lnSpc>
-            </a:pPr>
-            <a:endParaRPr lang="en-US" altLang="en-US" sz="1780" dirty="0">
-              <a:solidFill>
-                <a:srgbClr val="262626"/>
-              </a:solidFill>
-            </a:endParaRPr>
-          </a:p>
-          <a:p>
-            <a:pPr defTabSz="342900">
-              <a:lnSpc>
-                <a:spcPct val="120000"/>
-              </a:lnSpc>
-            </a:pPr>
-            <a:r>
-              <a:rPr lang="en-US" altLang="en-US" sz="1780" dirty="0">
-                <a:solidFill>
-                  <a:srgbClr val="262626"/>
-                </a:solidFill>
-              </a:rPr>
-              <a:t>demo Postman, project interaction</a:t>
-            </a:r>
-            <a:endParaRPr lang="en-US" altLang="en-US" sz="1780" dirty="0">
-              <a:solidFill>
-                <a:srgbClr val="262626"/>
-              </a:solidFill>
-            </a:endParaRPr>
-          </a:p>
-          <a:p>
-            <a:pPr defTabSz="342900">
-              <a:lnSpc>
-                <a:spcPct val="120000"/>
-              </a:lnSpc>
-            </a:pPr>
-            <a:endParaRPr lang="en-US" altLang="en-US" sz="1780" dirty="0">
-              <a:solidFill>
-                <a:srgbClr val="262626"/>
-              </a:solidFill>
-            </a:endParaRPr>
-          </a:p>
-        </p:txBody>
-      </p:sp>
-    </p:spTree>
-  </p:cSld>
-  <p:clrMapOvr>
-    <a:masterClrMapping/>
-  </p:clrMapOvr>
-</p:sld>
-</file>
-
-<file path=ppt/slides/slide33.xml><?xml version="1.0" encoding="utf-8"?>
-<p:sld xmlns:a="http://schemas.openxmlformats.org/drawingml/2006/main" xmlns:r="http://schemas.openxmlformats.org/officeDocument/2006/relationships" xmlns:p="http://schemas.openxmlformats.org/presentationml/2006/main">
-  <p:cSld>
-    <p:spTree>
-      <p:nvGrpSpPr>
-        <p:cNvPr id="1" name=""/>
-        <p:cNvGrpSpPr/>
-        <p:nvPr/>
-      </p:nvGrpSpPr>
-      <p:grpSpPr>
-        <a:xfrm>
-          <a:off x="0" y="0"/>
-          <a:ext cx="0" cy="0"/>
-          <a:chOff x="0" y="0"/>
-          <a:chExt cx="0" cy="0"/>
-        </a:xfrm>
-      </p:grpSpPr>
-      <p:sp>
-        <p:nvSpPr>
-          <p:cNvPr id="2" name="Title 1"/>
-          <p:cNvSpPr>
-            <a:spLocks noGrp="1"/>
-          </p:cNvSpPr>
-          <p:nvPr>
-            <p:ph type="title"/>
-          </p:nvPr>
-        </p:nvSpPr>
-        <p:spPr>
-          <a:xfrm>
-            <a:off x="628650" y="155263"/>
-            <a:ext cx="7886700" cy="526790"/>
-          </a:xfrm>
-        </p:spPr>
-        <p:txBody>
-          <a:bodyPr>
-            <a:normAutofit fontScale="90000"/>
-          </a:bodyPr>
-          <a:lstStyle/>
-          <a:p>
-            <a:pPr algn="ctr"/>
-            <a:r>
-              <a:rPr lang="en-US" sz="3200" b="1" dirty="0">
-                <a:latin typeface="Calibri" panose="020F0502020204030204" pitchFamily="34" charset="0"/>
-                <a:cs typeface="Calibri" panose="020F0502020204030204" pitchFamily="34" charset="0"/>
-              </a:rPr>
-              <a:t>JsonWebToken(JWT)</a:t>
-            </a:r>
-            <a:endParaRPr lang="en-US" sz="3200" b="1" dirty="0">
-              <a:latin typeface="Calibri" panose="020F0502020204030204" pitchFamily="34" charset="0"/>
-              <a:cs typeface="Calibri" panose="020F0502020204030204" pitchFamily="34" charset="0"/>
-            </a:endParaRPr>
-          </a:p>
-        </p:txBody>
-      </p:sp>
-      <p:sp>
-        <p:nvSpPr>
-          <p:cNvPr id="3" name="Content Placeholder 2"/>
-          <p:cNvSpPr>
-            <a:spLocks noGrp="1"/>
-          </p:cNvSpPr>
-          <p:nvPr>
-            <p:ph idx="1"/>
-          </p:nvPr>
-        </p:nvSpPr>
-        <p:spPr>
-          <a:xfrm>
-            <a:off x="628650" y="989044"/>
-            <a:ext cx="7886700" cy="5605719"/>
-          </a:xfrm>
-        </p:spPr>
-        <p:txBody>
-          <a:bodyPr>
-            <a:normAutofit/>
-          </a:bodyPr>
-          <a:lstStyle/>
-          <a:p>
-            <a:pPr defTabSz="342900">
-              <a:lnSpc>
-                <a:spcPct val="120000"/>
-              </a:lnSpc>
-            </a:pPr>
-            <a:r>
-              <a:rPr lang="en-US" altLang="en-US" sz="1780" dirty="0">
-                <a:solidFill>
-                  <a:srgbClr val="262626"/>
-                </a:solidFill>
-              </a:rPr>
-              <a:t>What is JWT</a:t>
-            </a:r>
-            <a:endParaRPr lang="en-US" altLang="en-US" sz="1780" dirty="0">
-              <a:solidFill>
-                <a:srgbClr val="262626"/>
-              </a:solidFill>
-            </a:endParaRPr>
-          </a:p>
-          <a:p>
-            <a:pPr defTabSz="342900">
-              <a:lnSpc>
-                <a:spcPct val="120000"/>
-              </a:lnSpc>
-            </a:pPr>
-            <a:endParaRPr lang="en-US" altLang="en-US" sz="1780" dirty="0">
-              <a:solidFill>
-                <a:srgbClr val="262626"/>
-              </a:solidFill>
-            </a:endParaRPr>
-          </a:p>
-        </p:txBody>
-      </p:sp>
-      <p:pic>
-        <p:nvPicPr>
-          <p:cNvPr id="4" name="图片 3"/>
-          <p:cNvPicPr>
-            <a:picLocks noChangeAspect="1"/>
-          </p:cNvPicPr>
-          <p:nvPr/>
-        </p:nvPicPr>
-        <p:blipFill>
-          <a:blip r:embed="rId1"/>
-          <a:stretch>
-            <a:fillRect/>
-          </a:stretch>
-        </p:blipFill>
-        <p:spPr>
-          <a:xfrm>
-            <a:off x="628650" y="1450975"/>
-            <a:ext cx="6534150" cy="4210050"/>
-          </a:xfrm>
-          <a:prstGeom prst="rect">
-            <a:avLst/>
-          </a:prstGeom>
-        </p:spPr>
-      </p:pic>
-      <p:pic>
-        <p:nvPicPr>
-          <p:cNvPr id="5" name="图片 4"/>
-          <p:cNvPicPr>
-            <a:picLocks noChangeAspect="1"/>
-          </p:cNvPicPr>
-          <p:nvPr/>
-        </p:nvPicPr>
-        <p:blipFill>
-          <a:blip r:embed="rId2"/>
-          <a:stretch>
-            <a:fillRect/>
-          </a:stretch>
-        </p:blipFill>
-        <p:spPr>
-          <a:xfrm>
-            <a:off x="1080770" y="5429250"/>
-            <a:ext cx="5629275" cy="1428750"/>
-          </a:xfrm>
-          <a:prstGeom prst="rect">
-            <a:avLst/>
-          </a:prstGeom>
-        </p:spPr>
-      </p:pic>
-    </p:spTree>
-  </p:cSld>
-  <p:clrMapOvr>
-    <a:masterClrMapping/>
-  </p:clrMapOvr>
-</p:sld>
-</file>
-
-<file path=ppt/slides/slide34.xml><?xml version="1.0" encoding="utf-8"?>
-<p:sld xmlns:a="http://schemas.openxmlformats.org/drawingml/2006/main" xmlns:r="http://schemas.openxmlformats.org/officeDocument/2006/relationships" xmlns:p="http://schemas.openxmlformats.org/presentationml/2006/main">
-  <p:cSld>
-    <p:spTree>
-      <p:nvGrpSpPr>
-        <p:cNvPr id="1" name=""/>
-        <p:cNvGrpSpPr/>
-        <p:nvPr/>
-      </p:nvGrpSpPr>
-      <p:grpSpPr>
-        <a:xfrm>
-          <a:off x="0" y="0"/>
-          <a:ext cx="0" cy="0"/>
-          <a:chOff x="0" y="0"/>
-          <a:chExt cx="0" cy="0"/>
-        </a:xfrm>
-      </p:grpSpPr>
-      <p:sp>
-        <p:nvSpPr>
-          <p:cNvPr id="2" name="Title 1"/>
-          <p:cNvSpPr>
-            <a:spLocks noGrp="1"/>
-          </p:cNvSpPr>
-          <p:nvPr>
-            <p:ph type="title"/>
-          </p:nvPr>
-        </p:nvSpPr>
-        <p:spPr>
-          <a:xfrm>
-            <a:off x="628650" y="155263"/>
-            <a:ext cx="7886700" cy="526790"/>
-          </a:xfrm>
-        </p:spPr>
-        <p:txBody>
-          <a:bodyPr>
-            <a:normAutofit fontScale="90000"/>
-          </a:bodyPr>
-          <a:lstStyle/>
-          <a:p>
-            <a:pPr algn="ctr"/>
-            <a:r>
-              <a:rPr lang="en-US" sz="3200" b="1" dirty="0">
-                <a:latin typeface="Calibri" panose="020F0502020204030204" pitchFamily="34" charset="0"/>
-                <a:cs typeface="Calibri" panose="020F0502020204030204" pitchFamily="34" charset="0"/>
-              </a:rPr>
-              <a:t>JsonWebToken(JWT)</a:t>
-            </a:r>
-            <a:endParaRPr lang="en-US" sz="3200" b="1" dirty="0">
-              <a:latin typeface="Calibri" panose="020F0502020204030204" pitchFamily="34" charset="0"/>
-              <a:cs typeface="Calibri" panose="020F0502020204030204" pitchFamily="34" charset="0"/>
-            </a:endParaRPr>
-          </a:p>
-        </p:txBody>
-      </p:sp>
-      <p:sp>
-        <p:nvSpPr>
-          <p:cNvPr id="3" name="Content Placeholder 2"/>
-          <p:cNvSpPr>
-            <a:spLocks noGrp="1"/>
-          </p:cNvSpPr>
-          <p:nvPr>
-            <p:ph idx="1"/>
-          </p:nvPr>
-        </p:nvSpPr>
-        <p:spPr>
-          <a:xfrm>
-            <a:off x="628650" y="989044"/>
-            <a:ext cx="7886700" cy="5605719"/>
-          </a:xfrm>
-        </p:spPr>
-        <p:txBody>
-          <a:bodyPr>
-            <a:normAutofit/>
-          </a:bodyPr>
-          <a:lstStyle/>
-          <a:p>
-            <a:pPr defTabSz="342900">
-              <a:lnSpc>
-                <a:spcPct val="120000"/>
-              </a:lnSpc>
-            </a:pPr>
-            <a:r>
-              <a:rPr lang="en-US" altLang="en-US" sz="1780" dirty="0">
-                <a:solidFill>
-                  <a:srgbClr val="262626"/>
-                </a:solidFill>
-              </a:rPr>
-              <a:t>JWT vs Session</a:t>
-            </a:r>
-            <a:endParaRPr lang="en-US" altLang="en-US" sz="1780" dirty="0">
-              <a:solidFill>
-                <a:srgbClr val="262626"/>
-              </a:solidFill>
-            </a:endParaRPr>
-          </a:p>
-          <a:p>
-            <a:pPr defTabSz="342900">
-              <a:lnSpc>
-                <a:spcPct val="120000"/>
-              </a:lnSpc>
-            </a:pPr>
-            <a:r>
-              <a:rPr lang="en-US" altLang="en-US" sz="1780" dirty="0">
-                <a:solidFill>
-                  <a:srgbClr val="262626"/>
-                </a:solidFill>
-              </a:rPr>
-              <a:t>Drawback: the </a:t>
-            </a:r>
-            <a:r>
-              <a:rPr lang="en-US" altLang="en-US" sz="1775" dirty="0">
-                <a:solidFill>
-                  <a:srgbClr val="262626"/>
-                </a:solidFill>
-                <a:sym typeface="+mn-ea"/>
-              </a:rPr>
-              <a:t>Session </a:t>
-            </a:r>
-            <a:r>
-              <a:rPr lang="en-US" altLang="en-US" sz="1780" dirty="0">
-                <a:solidFill>
-                  <a:srgbClr val="262626"/>
-                </a:solidFill>
-              </a:rPr>
-              <a:t>cannot be verified cross servers for the cluster, unless stored in database</a:t>
-            </a:r>
-            <a:endParaRPr lang="en-US" altLang="en-US" sz="1780" dirty="0">
-              <a:solidFill>
-                <a:srgbClr val="262626"/>
-              </a:solidFill>
-            </a:endParaRPr>
-          </a:p>
-        </p:txBody>
-      </p:sp>
-      <p:pic>
-        <p:nvPicPr>
-          <p:cNvPr id="6" name="图片 5"/>
-          <p:cNvPicPr>
-            <a:picLocks noChangeAspect="1"/>
-          </p:cNvPicPr>
-          <p:nvPr/>
-        </p:nvPicPr>
-        <p:blipFill>
-          <a:blip r:embed="rId1"/>
-          <a:stretch>
-            <a:fillRect/>
-          </a:stretch>
-        </p:blipFill>
-        <p:spPr>
-          <a:xfrm>
-            <a:off x="1323975" y="2613660"/>
-            <a:ext cx="6496050" cy="3552825"/>
-          </a:xfrm>
-          <a:prstGeom prst="rect">
-            <a:avLst/>
-          </a:prstGeom>
-        </p:spPr>
-      </p:pic>
-    </p:spTree>
-  </p:cSld>
-  <p:clrMapOvr>
-    <a:masterClrMapping/>
-  </p:clrMapOvr>
-</p:sld>
-</file>
-
-<file path=ppt/slides/slide35.xml><?xml version="1.0" encoding="utf-8"?>
-<p:sld xmlns:a="http://schemas.openxmlformats.org/drawingml/2006/main" xmlns:r="http://schemas.openxmlformats.org/officeDocument/2006/relationships" xmlns:p="http://schemas.openxmlformats.org/presentationml/2006/main">
-  <p:cSld>
-    <p:spTree>
-      <p:nvGrpSpPr>
-        <p:cNvPr id="1" name=""/>
-        <p:cNvGrpSpPr/>
-        <p:nvPr/>
-      </p:nvGrpSpPr>
-      <p:grpSpPr>
-        <a:xfrm>
-          <a:off x="0" y="0"/>
-          <a:ext cx="0" cy="0"/>
-          <a:chOff x="0" y="0"/>
-          <a:chExt cx="0" cy="0"/>
-        </a:xfrm>
-      </p:grpSpPr>
-      <p:sp>
-        <p:nvSpPr>
-          <p:cNvPr id="2" name="Title 1"/>
-          <p:cNvSpPr>
-            <a:spLocks noGrp="1"/>
-          </p:cNvSpPr>
-          <p:nvPr>
-            <p:ph type="title"/>
-          </p:nvPr>
-        </p:nvSpPr>
-        <p:spPr>
-          <a:xfrm>
-            <a:off x="628650" y="155263"/>
-            <a:ext cx="7886700" cy="526790"/>
-          </a:xfrm>
-        </p:spPr>
-        <p:txBody>
-          <a:bodyPr>
-            <a:normAutofit fontScale="90000"/>
-          </a:bodyPr>
-          <a:lstStyle/>
-          <a:p>
-            <a:pPr algn="ctr"/>
-            <a:r>
-              <a:rPr lang="en-US" sz="3200" b="1" dirty="0">
-                <a:latin typeface="Calibri" panose="020F0502020204030204" pitchFamily="34" charset="0"/>
-                <a:cs typeface="Calibri" panose="020F0502020204030204" pitchFamily="34" charset="0"/>
-                <a:sym typeface="+mn-ea"/>
-              </a:rPr>
-              <a:t>MVC </a:t>
-            </a:r>
-            <a:r>
-              <a:rPr lang="en-US" sz="3200" b="1" dirty="0">
-                <a:latin typeface="Calibri" panose="020F0502020204030204" pitchFamily="34" charset="0"/>
-                <a:cs typeface="Calibri" panose="020F0502020204030204" pitchFamily="34" charset="0"/>
-              </a:rPr>
-              <a:t>Code Demo Requirements: Registration</a:t>
-            </a:r>
-            <a:endParaRPr lang="zh-CN" altLang="en-US" sz="3200" b="1" dirty="0">
-              <a:latin typeface="Calibri" panose="020F0502020204030204" pitchFamily="34" charset="0"/>
-              <a:cs typeface="Calibri" panose="020F0502020204030204" pitchFamily="34" charset="0"/>
-            </a:endParaRPr>
-          </a:p>
-        </p:txBody>
-      </p:sp>
-      <p:sp>
-        <p:nvSpPr>
-          <p:cNvPr id="3" name="Content Placeholder 2"/>
-          <p:cNvSpPr>
-            <a:spLocks noGrp="1"/>
-          </p:cNvSpPr>
-          <p:nvPr>
-            <p:ph idx="1"/>
-          </p:nvPr>
-        </p:nvSpPr>
-        <p:spPr>
-          <a:xfrm>
-            <a:off x="628650" y="989044"/>
-            <a:ext cx="7886700" cy="5605719"/>
-          </a:xfrm>
-        </p:spPr>
-        <p:txBody>
-          <a:bodyPr>
-            <a:normAutofit/>
-          </a:bodyPr>
-          <a:lstStyle/>
-          <a:p>
-            <a:pPr defTabSz="342900">
-              <a:lnSpc>
-                <a:spcPct val="120000"/>
-              </a:lnSpc>
-            </a:pPr>
-            <a:r>
-              <a:rPr lang="en-US" altLang="en-US" sz="1780" dirty="0">
-                <a:solidFill>
-                  <a:srgbClr val="262626"/>
-                </a:solidFill>
-              </a:rPr>
-              <a:t>Requirements:</a:t>
-            </a:r>
-            <a:endParaRPr lang="en-US" altLang="en-US" sz="1780" dirty="0">
-              <a:solidFill>
-                <a:srgbClr val="262626"/>
-              </a:solidFill>
-            </a:endParaRPr>
-          </a:p>
-          <a:p>
-            <a:pPr defTabSz="342900">
-              <a:lnSpc>
-                <a:spcPct val="120000"/>
-              </a:lnSpc>
-            </a:pPr>
-            <a:r>
-              <a:rPr lang="en-US" altLang="en-US" sz="1780" dirty="0">
-                <a:solidFill>
-                  <a:srgbClr val="262626"/>
-                </a:solidFill>
-              </a:rPr>
-              <a:t>1. Design database models: Using SQLite3</a:t>
-            </a:r>
-            <a:endParaRPr lang="en-US" altLang="en-US" sz="1780" dirty="0">
-              <a:solidFill>
-                <a:srgbClr val="262626"/>
-              </a:solidFill>
-            </a:endParaRPr>
-          </a:p>
-          <a:p>
-            <a:pPr defTabSz="342900">
-              <a:lnSpc>
-                <a:spcPct val="120000"/>
-              </a:lnSpc>
-            </a:pPr>
-            <a:r>
-              <a:rPr lang="en-US" altLang="en-US" sz="1780" dirty="0">
-                <a:solidFill>
-                  <a:srgbClr val="262626"/>
-                </a:solidFill>
-              </a:rPr>
-              <a:t>2. Write Login, Logout, and Dashboard home page</a:t>
-            </a:r>
-            <a:endParaRPr lang="en-US" altLang="en-US" sz="1780" dirty="0">
-              <a:solidFill>
-                <a:srgbClr val="262626"/>
-              </a:solidFill>
-            </a:endParaRPr>
-          </a:p>
-          <a:p>
-            <a:pPr defTabSz="342900">
-              <a:lnSpc>
-                <a:spcPct val="120000"/>
-              </a:lnSpc>
-            </a:pPr>
-            <a:r>
-              <a:rPr lang="en-US" altLang="en-US" sz="1780" dirty="0">
-                <a:solidFill>
-                  <a:srgbClr val="262626"/>
-                </a:solidFill>
-              </a:rPr>
-              <a:t>3. Write controller to interact with database through Models and rendering views</a:t>
-            </a:r>
-            <a:endParaRPr lang="en-US" altLang="en-US" sz="1780" dirty="0">
-              <a:solidFill>
-                <a:srgbClr val="262626"/>
-              </a:solidFill>
-            </a:endParaRPr>
-          </a:p>
-          <a:p>
-            <a:pPr defTabSz="342900">
-              <a:lnSpc>
-                <a:spcPct val="120000"/>
-              </a:lnSpc>
-            </a:pPr>
-            <a:endParaRPr lang="en-US" altLang="en-US" sz="1780" dirty="0">
-              <a:solidFill>
-                <a:srgbClr val="262626"/>
-              </a:solidFill>
-            </a:endParaRPr>
-          </a:p>
-          <a:p>
-            <a:pPr defTabSz="342900">
-              <a:lnSpc>
-                <a:spcPct val="120000"/>
-              </a:lnSpc>
-            </a:pPr>
-            <a:r>
-              <a:rPr lang="en-US" altLang="en-US" sz="1780" dirty="0">
-                <a:solidFill>
-                  <a:srgbClr val="FF0000"/>
-                </a:solidFill>
-              </a:rPr>
-              <a:t>Code Demo Now</a:t>
-            </a:r>
-            <a:endParaRPr lang="en-US" altLang="en-US" sz="1780" dirty="0">
-              <a:solidFill>
-                <a:srgbClr val="FF0000"/>
-              </a:solidFill>
-            </a:endParaRPr>
-          </a:p>
-          <a:p>
-            <a:pPr defTabSz="342900">
-              <a:lnSpc>
-                <a:spcPct val="120000"/>
-              </a:lnSpc>
-            </a:pPr>
-            <a:r>
-              <a:rPr lang="en-US" altLang="en-US" sz="1780" dirty="0">
-                <a:solidFill>
-                  <a:srgbClr val="262626"/>
-                </a:solidFill>
-              </a:rPr>
-              <a:t>How to write a program from scratch</a:t>
-            </a:r>
-            <a:endParaRPr lang="en-US" altLang="en-US" sz="1780" dirty="0">
-              <a:solidFill>
-                <a:srgbClr val="262626"/>
-              </a:solidFill>
-            </a:endParaRPr>
-          </a:p>
-          <a:p>
-            <a:pPr defTabSz="342900">
-              <a:lnSpc>
-                <a:spcPct val="120000"/>
-              </a:lnSpc>
-            </a:pPr>
-            <a:endParaRPr lang="en-US" altLang="en-US" sz="1780" dirty="0">
-              <a:solidFill>
-                <a:srgbClr val="262626"/>
-              </a:solidFill>
-            </a:endParaRPr>
-          </a:p>
-          <a:p>
-            <a:pPr defTabSz="342900">
-              <a:lnSpc>
-                <a:spcPct val="120000"/>
-              </a:lnSpc>
-            </a:pPr>
-            <a:endParaRPr lang="en-US" altLang="en-US" sz="1780" dirty="0">
-              <a:solidFill>
-                <a:srgbClr val="262626"/>
-              </a:solidFill>
-            </a:endParaRPr>
-          </a:p>
-        </p:txBody>
-      </p:sp>
-    </p:spTree>
-  </p:cSld>
-  <p:clrMapOvr>
-    <a:masterClrMapping/>
-  </p:clrMapOvr>
-</p:sld>
-</file>
-
-<file path=ppt/slides/slide36.xml><?xml version="1.0" encoding="utf-8"?>
-<p:sld xmlns:a="http://schemas.openxmlformats.org/drawingml/2006/main" xmlns:r="http://schemas.openxmlformats.org/officeDocument/2006/relationships" xmlns:p="http://schemas.openxmlformats.org/presentationml/2006/main">
-  <p:cSld>
-    <p:spTree>
-      <p:nvGrpSpPr>
-        <p:cNvPr id="1" name=""/>
-        <p:cNvGrpSpPr/>
-        <p:nvPr/>
-      </p:nvGrpSpPr>
-      <p:grpSpPr>
-        <a:xfrm>
-          <a:off x="0" y="0"/>
-          <a:ext cx="0" cy="0"/>
-          <a:chOff x="0" y="0"/>
-          <a:chExt cx="0" cy="0"/>
-        </a:xfrm>
-      </p:grpSpPr>
-      <p:sp>
-        <p:nvSpPr>
-          <p:cNvPr id="2" name="Title 1"/>
-          <p:cNvSpPr>
-            <a:spLocks noGrp="1"/>
-          </p:cNvSpPr>
-          <p:nvPr>
-            <p:ph type="title"/>
-          </p:nvPr>
-        </p:nvSpPr>
-        <p:spPr>
-          <a:xfrm>
-            <a:off x="628650" y="155263"/>
-            <a:ext cx="7886700" cy="526790"/>
-          </a:xfrm>
-        </p:spPr>
-        <p:txBody>
-          <a:bodyPr>
-            <a:normAutofit fontScale="90000"/>
-          </a:bodyPr>
-          <a:lstStyle/>
-          <a:p>
-            <a:pPr algn="ctr"/>
-            <a:r>
-              <a:rPr lang="en-US" altLang="zh-CN" sz="3200" b="1" dirty="0">
-                <a:latin typeface="Calibri" panose="020F0502020204030204" pitchFamily="34" charset="0"/>
-                <a:cs typeface="Calibri" panose="020F0502020204030204" pitchFamily="34" charset="0"/>
-              </a:rPr>
-              <a:t>Send Parameters to the View</a:t>
-            </a:r>
-            <a:endParaRPr lang="zh-CN" altLang="en-US" sz="3200" b="1" dirty="0">
-              <a:latin typeface="Calibri" panose="020F0502020204030204" pitchFamily="34" charset="0"/>
-              <a:cs typeface="Calibri" panose="020F0502020204030204" pitchFamily="34" charset="0"/>
-            </a:endParaRPr>
-          </a:p>
-        </p:txBody>
-      </p:sp>
-      <p:sp>
-        <p:nvSpPr>
-          <p:cNvPr id="3" name="Content Placeholder 2"/>
-          <p:cNvSpPr>
-            <a:spLocks noGrp="1"/>
-          </p:cNvSpPr>
-          <p:nvPr>
-            <p:ph idx="1"/>
-          </p:nvPr>
-        </p:nvSpPr>
-        <p:spPr>
-          <a:xfrm>
-            <a:off x="628650" y="989044"/>
-            <a:ext cx="7886700" cy="5605719"/>
-          </a:xfrm>
-        </p:spPr>
-        <p:txBody>
-          <a:bodyPr>
-            <a:normAutofit/>
-          </a:bodyPr>
-          <a:lstStyle/>
-          <a:p>
-            <a:pPr defTabSz="342900">
-              <a:lnSpc>
-                <a:spcPct val="120000"/>
-              </a:lnSpc>
-            </a:pPr>
-            <a:r>
-              <a:rPr lang="en-US" altLang="en-US" sz="1780" dirty="0">
-                <a:solidFill>
-                  <a:srgbClr val="FF0000"/>
-                </a:solidFill>
-              </a:rPr>
-              <a:t>Code Demo</a:t>
-            </a:r>
-            <a:endParaRPr lang="en-US" altLang="en-US" sz="1780" dirty="0">
-              <a:solidFill>
-                <a:srgbClr val="FF0000"/>
-              </a:solidFill>
-            </a:endParaRPr>
-          </a:p>
-          <a:p>
-            <a:pPr defTabSz="342900">
-              <a:lnSpc>
-                <a:spcPct val="120000"/>
-              </a:lnSpc>
-            </a:pPr>
-            <a:endParaRPr lang="en-US" altLang="en-US" sz="1780" dirty="0">
-              <a:solidFill>
-                <a:srgbClr val="FF0000"/>
-              </a:solidFill>
-            </a:endParaRPr>
-          </a:p>
-          <a:p>
-            <a:pPr defTabSz="342900">
-              <a:lnSpc>
-                <a:spcPct val="120000"/>
-              </a:lnSpc>
-            </a:pPr>
-            <a:endParaRPr lang="en-US" altLang="en-US" sz="1780" dirty="0">
-              <a:solidFill>
-                <a:srgbClr val="FF0000"/>
-              </a:solidFill>
-            </a:endParaRPr>
-          </a:p>
-          <a:p>
-            <a:pPr defTabSz="342900">
-              <a:lnSpc>
-                <a:spcPct val="120000"/>
-              </a:lnSpc>
-            </a:pPr>
-            <a:endParaRPr lang="en-US" altLang="en-US" sz="1780" dirty="0">
-              <a:solidFill>
-                <a:srgbClr val="FF0000"/>
-              </a:solidFill>
-            </a:endParaRPr>
-          </a:p>
-          <a:p>
-            <a:pPr defTabSz="342900">
-              <a:lnSpc>
-                <a:spcPct val="120000"/>
-              </a:lnSpc>
-            </a:pPr>
-            <a:endParaRPr lang="en-US" altLang="en-US" sz="1780" dirty="0">
-              <a:solidFill>
-                <a:srgbClr val="FF0000"/>
-              </a:solidFill>
-            </a:endParaRPr>
-          </a:p>
-          <a:p>
-            <a:pPr defTabSz="342900">
-              <a:lnSpc>
-                <a:spcPct val="120000"/>
-              </a:lnSpc>
-            </a:pPr>
-            <a:endParaRPr lang="en-US" altLang="en-US" sz="1775" dirty="0">
-              <a:solidFill>
-                <a:srgbClr val="262626"/>
-              </a:solidFill>
-              <a:sym typeface="+mn-ea"/>
-            </a:endParaRPr>
-          </a:p>
-          <a:p>
-            <a:pPr defTabSz="342900">
-              <a:lnSpc>
-                <a:spcPct val="120000"/>
-              </a:lnSpc>
-            </a:pPr>
-            <a:endParaRPr lang="en-US" altLang="en-US" sz="1775" dirty="0">
-              <a:solidFill>
-                <a:srgbClr val="262626"/>
-              </a:solidFill>
-              <a:sym typeface="+mn-ea"/>
-            </a:endParaRPr>
-          </a:p>
-          <a:p>
-            <a:pPr defTabSz="342900">
-              <a:lnSpc>
-                <a:spcPct val="120000"/>
-              </a:lnSpc>
-            </a:pPr>
-            <a:r>
-              <a:rPr lang="en-US" altLang="en-US" sz="1775" dirty="0">
-                <a:solidFill>
-                  <a:srgbClr val="262626"/>
-                </a:solidFill>
-                <a:sym typeface="+mn-ea"/>
-              </a:rPr>
-              <a:t>Compare a normal program with a api program</a:t>
-            </a:r>
-            <a:endParaRPr lang="en-US" altLang="en-US" sz="1775" dirty="0">
-              <a:solidFill>
-                <a:srgbClr val="262626"/>
-              </a:solidFill>
-            </a:endParaRPr>
-          </a:p>
-          <a:p>
-            <a:pPr defTabSz="342900">
-              <a:lnSpc>
-                <a:spcPct val="120000"/>
-              </a:lnSpc>
-            </a:pPr>
-            <a:endParaRPr lang="en-US" altLang="en-US" sz="1780" dirty="0">
-              <a:solidFill>
-                <a:srgbClr val="FF0000"/>
-              </a:solidFill>
-            </a:endParaRPr>
-          </a:p>
-        </p:txBody>
-      </p:sp>
-      <p:pic>
-        <p:nvPicPr>
-          <p:cNvPr id="4" name="图片 3"/>
-          <p:cNvPicPr>
-            <a:picLocks noChangeAspect="1"/>
-          </p:cNvPicPr>
-          <p:nvPr/>
-        </p:nvPicPr>
-        <p:blipFill>
-          <a:blip r:embed="rId1"/>
-          <a:stretch>
-            <a:fillRect/>
-          </a:stretch>
-        </p:blipFill>
-        <p:spPr>
-          <a:xfrm>
-            <a:off x="1041400" y="1569720"/>
-            <a:ext cx="4238625" cy="1771650"/>
-          </a:xfrm>
-          <a:prstGeom prst="rect">
-            <a:avLst/>
-          </a:prstGeom>
-        </p:spPr>
-      </p:pic>
-    </p:spTree>
-  </p:cSld>
-  <p:clrMapOvr>
-    <a:masterClrMapping/>
-  </p:clrMapOvr>
-</p:sld>
-</file>
-
-<file path=ppt/slides/slide37.xml><?xml version="1.0" encoding="utf-8"?>
-<p:sld xmlns:a="http://schemas.openxmlformats.org/drawingml/2006/main" xmlns:r="http://schemas.openxmlformats.org/officeDocument/2006/relationships" xmlns:p="http://schemas.openxmlformats.org/presentationml/2006/main">
-  <p:cSld>
-    <p:spTree>
-      <p:nvGrpSpPr>
-        <p:cNvPr id="1" name=""/>
-        <p:cNvGrpSpPr/>
-        <p:nvPr/>
-      </p:nvGrpSpPr>
-      <p:grpSpPr>
-        <a:xfrm>
-          <a:off x="0" y="0"/>
-          <a:ext cx="0" cy="0"/>
-          <a:chOff x="0" y="0"/>
-          <a:chExt cx="0" cy="0"/>
-        </a:xfrm>
-      </p:grpSpPr>
-      <p:sp>
-        <p:nvSpPr>
-          <p:cNvPr id="2" name="Title 1"/>
-          <p:cNvSpPr>
-            <a:spLocks noGrp="1"/>
-          </p:cNvSpPr>
-          <p:nvPr>
-            <p:ph type="title"/>
-          </p:nvPr>
-        </p:nvSpPr>
-        <p:spPr>
-          <a:xfrm>
-            <a:off x="628650" y="155263"/>
-            <a:ext cx="7886700" cy="526790"/>
-          </a:xfrm>
-        </p:spPr>
-        <p:txBody>
-          <a:bodyPr>
-            <a:normAutofit fontScale="90000"/>
-          </a:bodyPr>
-          <a:lstStyle/>
-          <a:p>
-            <a:pPr algn="ctr"/>
-            <a:r>
-              <a:rPr lang="en-US" altLang="zh-CN" sz="3200" b="1" dirty="0">
-                <a:latin typeface="Calibri" panose="020F0502020204030204" pitchFamily="34" charset="0"/>
-                <a:cs typeface="Calibri" panose="020F0502020204030204" pitchFamily="34" charset="0"/>
-              </a:rPr>
-              <a:t>Form</a:t>
-            </a:r>
-            <a:endParaRPr lang="en-US" altLang="zh-CN" sz="3200" b="1" dirty="0">
-              <a:latin typeface="Calibri" panose="020F0502020204030204" pitchFamily="34" charset="0"/>
-              <a:cs typeface="Calibri" panose="020F0502020204030204" pitchFamily="34" charset="0"/>
-            </a:endParaRPr>
-          </a:p>
-        </p:txBody>
-      </p:sp>
-      <p:sp>
-        <p:nvSpPr>
-          <p:cNvPr id="3" name="Content Placeholder 2"/>
-          <p:cNvSpPr>
-            <a:spLocks noGrp="1"/>
-          </p:cNvSpPr>
-          <p:nvPr>
-            <p:ph idx="1"/>
-          </p:nvPr>
-        </p:nvSpPr>
-        <p:spPr>
-          <a:xfrm>
-            <a:off x="628650" y="989044"/>
-            <a:ext cx="7886700" cy="5605719"/>
-          </a:xfrm>
-        </p:spPr>
-        <p:txBody>
-          <a:bodyPr>
-            <a:normAutofit/>
-          </a:bodyPr>
-          <a:lstStyle/>
-          <a:p>
-            <a:pPr defTabSz="342900">
-              <a:lnSpc>
-                <a:spcPct val="120000"/>
-              </a:lnSpc>
-            </a:pPr>
-            <a:r>
-              <a:rPr lang="en-US" altLang="en-US" sz="1780" dirty="0">
-                <a:solidFill>
-                  <a:srgbClr val="262626"/>
-                </a:solidFill>
-              </a:rPr>
-              <a:t>1 specify Router</a:t>
-            </a:r>
-            <a:endParaRPr lang="en-US" altLang="en-US" sz="1780" dirty="0">
-              <a:solidFill>
-                <a:srgbClr val="262626"/>
-              </a:solidFill>
-            </a:endParaRPr>
-          </a:p>
-          <a:p>
-            <a:pPr defTabSz="342900">
-              <a:lnSpc>
-                <a:spcPct val="120000"/>
-              </a:lnSpc>
-            </a:pPr>
-            <a:r>
-              <a:rPr lang="en-US" altLang="en-US" sz="1780" dirty="0">
-                <a:solidFill>
-                  <a:srgbClr val="262626"/>
-                </a:solidFill>
-              </a:rPr>
-              <a:t>2 specify the request type, usually POST for Forms</a:t>
-            </a:r>
-            <a:endParaRPr lang="en-US" altLang="en-US" sz="1780" dirty="0">
-              <a:solidFill>
-                <a:srgbClr val="262626"/>
-              </a:solidFill>
-            </a:endParaRPr>
-          </a:p>
-          <a:p>
-            <a:pPr defTabSz="342900">
-              <a:lnSpc>
-                <a:spcPct val="120000"/>
-              </a:lnSpc>
-            </a:pPr>
-            <a:r>
-              <a:rPr lang="en-US" altLang="en-US" sz="1780" dirty="0">
-                <a:solidFill>
-                  <a:srgbClr val="262626"/>
-                </a:solidFill>
-              </a:rPr>
-              <a:t>Form will take inputs value as parameters to send to the server</a:t>
-            </a:r>
-            <a:endParaRPr lang="en-US" altLang="en-US" sz="1780" dirty="0">
-              <a:solidFill>
-                <a:srgbClr val="262626"/>
-              </a:solidFill>
-            </a:endParaRPr>
-          </a:p>
-          <a:p>
-            <a:pPr defTabSz="342900">
-              <a:lnSpc>
-                <a:spcPct val="120000"/>
-              </a:lnSpc>
-            </a:pPr>
-            <a:endParaRPr lang="en-US" altLang="en-US" sz="1780" dirty="0">
-              <a:solidFill>
-                <a:srgbClr val="262626"/>
-              </a:solidFill>
-            </a:endParaRPr>
-          </a:p>
-          <a:p>
-            <a:pPr defTabSz="342900">
-              <a:lnSpc>
-                <a:spcPct val="120000"/>
-              </a:lnSpc>
-            </a:pPr>
-            <a:endParaRPr lang="en-US" altLang="en-US" sz="1780" dirty="0">
-              <a:solidFill>
-                <a:srgbClr val="262626"/>
-              </a:solidFill>
-            </a:endParaRPr>
-          </a:p>
-          <a:p>
-            <a:pPr defTabSz="342900">
-              <a:lnSpc>
-                <a:spcPct val="120000"/>
-              </a:lnSpc>
-            </a:pPr>
-            <a:endParaRPr lang="en-US" altLang="en-US" sz="1780" dirty="0">
-              <a:solidFill>
-                <a:srgbClr val="262626"/>
-              </a:solidFill>
-            </a:endParaRPr>
-          </a:p>
-          <a:p>
-            <a:pPr defTabSz="342900">
-              <a:lnSpc>
-                <a:spcPct val="120000"/>
-              </a:lnSpc>
-            </a:pPr>
-            <a:endParaRPr lang="en-US" altLang="en-US" sz="1780" dirty="0">
-              <a:solidFill>
-                <a:srgbClr val="262626"/>
-              </a:solidFill>
-            </a:endParaRPr>
-          </a:p>
-          <a:p>
-            <a:pPr defTabSz="342900">
-              <a:lnSpc>
-                <a:spcPct val="120000"/>
-              </a:lnSpc>
-            </a:pPr>
-            <a:r>
-              <a:rPr lang="en-US" altLang="en-US" sz="1780" dirty="0">
-                <a:solidFill>
-                  <a:srgbClr val="262626"/>
-                </a:solidFill>
-              </a:rPr>
-              <a:t>action should match routes, then the route will call the controller function to handle the request. In this case, put action = /genre/create</a:t>
-            </a:r>
-            <a:endParaRPr lang="en-US" altLang="en-US" sz="1780" dirty="0">
-              <a:solidFill>
-                <a:srgbClr val="262626"/>
-              </a:solidFill>
-            </a:endParaRPr>
-          </a:p>
-        </p:txBody>
-      </p:sp>
-      <p:pic>
-        <p:nvPicPr>
-          <p:cNvPr id="5" name="图片 4"/>
-          <p:cNvPicPr>
-            <a:picLocks noChangeAspect="1"/>
-          </p:cNvPicPr>
-          <p:nvPr/>
-        </p:nvPicPr>
-        <p:blipFill>
-          <a:blip r:embed="rId1"/>
-          <a:stretch>
-            <a:fillRect/>
-          </a:stretch>
-        </p:blipFill>
-        <p:spPr>
-          <a:xfrm>
-            <a:off x="442595" y="2369820"/>
-            <a:ext cx="8258175" cy="1752600"/>
-          </a:xfrm>
-          <a:prstGeom prst="rect">
-            <a:avLst/>
-          </a:prstGeom>
-        </p:spPr>
-      </p:pic>
-      <p:pic>
-        <p:nvPicPr>
-          <p:cNvPr id="6" name="图片 5"/>
-          <p:cNvPicPr>
-            <a:picLocks noChangeAspect="1"/>
-          </p:cNvPicPr>
-          <p:nvPr/>
-        </p:nvPicPr>
-        <p:blipFill>
-          <a:blip r:embed="rId2"/>
-          <a:stretch>
-            <a:fillRect/>
-          </a:stretch>
-        </p:blipFill>
-        <p:spPr>
-          <a:xfrm>
-            <a:off x="257175" y="5055235"/>
-            <a:ext cx="8629650" cy="1285875"/>
-          </a:xfrm>
-          <a:prstGeom prst="rect">
-            <a:avLst/>
-          </a:prstGeom>
-        </p:spPr>
-      </p:pic>
-    </p:spTree>
-  </p:cSld>
-  <p:clrMapOvr>
-    <a:masterClrMapping/>
-  </p:clrMapOvr>
-</p:sld>
-</file>
-
-<file path=ppt/slides/slide38.xml><?xml version="1.0" encoding="utf-8"?>
-<p:sld xmlns:a="http://schemas.openxmlformats.org/drawingml/2006/main" xmlns:r="http://schemas.openxmlformats.org/officeDocument/2006/relationships" xmlns:p="http://schemas.openxmlformats.org/presentationml/2006/main">
-  <p:cSld>
-    <p:spTree>
-      <p:nvGrpSpPr>
-        <p:cNvPr id="1" name=""/>
-        <p:cNvGrpSpPr/>
-        <p:nvPr/>
-      </p:nvGrpSpPr>
-      <p:grpSpPr>
-        <a:xfrm>
-          <a:off x="0" y="0"/>
-          <a:ext cx="0" cy="0"/>
-          <a:chOff x="0" y="0"/>
-          <a:chExt cx="0" cy="0"/>
-        </a:xfrm>
-      </p:grpSpPr>
-      <p:sp>
-        <p:nvSpPr>
-          <p:cNvPr id="2" name="Title 1"/>
-          <p:cNvSpPr>
-            <a:spLocks noGrp="1"/>
-          </p:cNvSpPr>
-          <p:nvPr>
-            <p:ph type="title"/>
-          </p:nvPr>
-        </p:nvSpPr>
-        <p:spPr>
-          <a:xfrm>
-            <a:off x="628650" y="155263"/>
-            <a:ext cx="7886700" cy="526790"/>
-          </a:xfrm>
-        </p:spPr>
-        <p:txBody>
-          <a:bodyPr>
-            <a:normAutofit fontScale="90000"/>
-          </a:bodyPr>
-          <a:lstStyle/>
-          <a:p>
-            <a:pPr algn="ctr"/>
-            <a:r>
-              <a:rPr lang="en-US" altLang="zh-CN" sz="3200" b="1" dirty="0">
-                <a:latin typeface="Calibri" panose="020F0502020204030204" pitchFamily="34" charset="0"/>
-                <a:cs typeface="Calibri" panose="020F0502020204030204" pitchFamily="34" charset="0"/>
-              </a:rPr>
-              <a:t>File Upload</a:t>
-            </a:r>
-            <a:endParaRPr lang="en-US" altLang="zh-CN" sz="3200" b="1" dirty="0">
-              <a:latin typeface="Calibri" panose="020F0502020204030204" pitchFamily="34" charset="0"/>
-              <a:cs typeface="Calibri" panose="020F0502020204030204" pitchFamily="34" charset="0"/>
-            </a:endParaRPr>
-          </a:p>
-        </p:txBody>
-      </p:sp>
-      <p:sp>
-        <p:nvSpPr>
-          <p:cNvPr id="3" name="Content Placeholder 2"/>
-          <p:cNvSpPr>
-            <a:spLocks noGrp="1"/>
-          </p:cNvSpPr>
-          <p:nvPr>
-            <p:ph idx="1"/>
-          </p:nvPr>
-        </p:nvSpPr>
-        <p:spPr>
-          <a:xfrm>
-            <a:off x="628650" y="989044"/>
-            <a:ext cx="7886700" cy="5605719"/>
-          </a:xfrm>
-        </p:spPr>
-        <p:txBody>
-          <a:bodyPr>
-            <a:normAutofit/>
-          </a:bodyPr>
-          <a:lstStyle/>
-          <a:p>
-            <a:pPr defTabSz="342900">
-              <a:lnSpc>
-                <a:spcPct val="120000"/>
-              </a:lnSpc>
-            </a:pPr>
-            <a:r>
-              <a:rPr lang="en-US" altLang="en-US" sz="1780" dirty="0">
-                <a:solidFill>
-                  <a:srgbClr val="262626"/>
-                </a:solidFill>
-              </a:rPr>
-              <a:t>https://www.geeksforgeeks.org/file-uploading-in-node-js/</a:t>
-            </a:r>
-            <a:endParaRPr lang="en-US" altLang="en-US" sz="1780" dirty="0">
               <a:solidFill>
                 <a:srgbClr val="262626"/>
               </a:solidFill>
